--- a/01 Classes/Aula4 - CLP - Programação - Ling LADER Contagem e Temporizadores.pptx
+++ b/01 Classes/Aula4 - CLP - Programação - Ling LADER Contagem e Temporizadores.pptx
@@ -5,17 +5,25 @@
     <p:sldMasterId id="2147483648" r:id="rId1"/>
   </p:sldMasterIdLst>
   <p:notesMasterIdLst>
-    <p:notesMasterId r:id="rId10"/>
+    <p:notesMasterId r:id="rId18"/>
   </p:notesMasterIdLst>
   <p:sldIdLst>
     <p:sldId id="256" r:id="rId2"/>
     <p:sldId id="291" r:id="rId3"/>
     <p:sldId id="354" r:id="rId4"/>
-    <p:sldId id="333" r:id="rId5"/>
-    <p:sldId id="323" r:id="rId6"/>
-    <p:sldId id="360" r:id="rId7"/>
-    <p:sldId id="337" r:id="rId8"/>
-    <p:sldId id="309" r:id="rId9"/>
+    <p:sldId id="363" r:id="rId5"/>
+    <p:sldId id="364" r:id="rId6"/>
+    <p:sldId id="362" r:id="rId7"/>
+    <p:sldId id="361" r:id="rId8"/>
+    <p:sldId id="366" r:id="rId9"/>
+    <p:sldId id="365" r:id="rId10"/>
+    <p:sldId id="367" r:id="rId11"/>
+    <p:sldId id="368" r:id="rId12"/>
+    <p:sldId id="333" r:id="rId13"/>
+    <p:sldId id="323" r:id="rId14"/>
+    <p:sldId id="360" r:id="rId15"/>
+    <p:sldId id="337" r:id="rId16"/>
+    <p:sldId id="309" r:id="rId17"/>
   </p:sldIdLst>
   <p:sldSz cx="9144000" cy="5143500" type="screen16x9"/>
   <p:notesSz cx="6858000" cy="9144000"/>
@@ -562,6 +570,372 @@
 </p:notes>
 </file>
 
+<file path=ppt/notesSlides/notesSlide10.xml><?xml version="1.0" encoding="utf-8"?>
+<p:notes xmlns:a="http://schemas.openxmlformats.org/drawingml/2006/main" xmlns:r="http://schemas.openxmlformats.org/officeDocument/2006/relationships" xmlns:p="http://schemas.openxmlformats.org/presentationml/2006/main">
+  <p:cSld>
+    <p:spTree>
+      <p:nvGrpSpPr>
+        <p:cNvPr id="1" name="">
+          <a:extLst>
+            <a:ext uri="{FF2B5EF4-FFF2-40B4-BE49-F238E27FC236}">
+              <a16:creationId xmlns:a16="http://schemas.microsoft.com/office/drawing/2014/main" id="{F74D2218-CB8D-7091-24F3-218810C1F4E1}"/>
+            </a:ext>
+          </a:extLst>
+        </p:cNvPr>
+        <p:cNvGrpSpPr/>
+        <p:nvPr/>
+      </p:nvGrpSpPr>
+      <p:grpSpPr>
+        <a:xfrm>
+          <a:off x="0" y="0"/>
+          <a:ext cx="0" cy="0"/>
+          <a:chOff x="0" y="0"/>
+          <a:chExt cx="0" cy="0"/>
+        </a:xfrm>
+      </p:grpSpPr>
+      <p:sp>
+        <p:nvSpPr>
+          <p:cNvPr id="2" name="Espaço Reservado para Imagem de Slide 1">
+            <a:extLst>
+              <a:ext uri="{FF2B5EF4-FFF2-40B4-BE49-F238E27FC236}">
+                <a16:creationId xmlns:a16="http://schemas.microsoft.com/office/drawing/2014/main" id="{DFF7D55E-32EA-8A93-F489-DE6D789515FD}"/>
+              </a:ext>
+            </a:extLst>
+          </p:cNvPr>
+          <p:cNvSpPr>
+            <a:spLocks noGrp="1" noRot="1" noChangeAspect="1"/>
+          </p:cNvSpPr>
+          <p:nvPr>
+            <p:ph type="sldImg"/>
+          </p:nvPr>
+        </p:nvSpPr>
+        <p:spPr>
+          <a:xfrm>
+            <a:off x="381000" y="685800"/>
+            <a:ext cx="6096000" cy="3429000"/>
+          </a:xfrm>
+        </p:spPr>
+      </p:sp>
+      <p:sp>
+        <p:nvSpPr>
+          <p:cNvPr id="3" name="Espaço Reservado para Anotações 2">
+            <a:extLst>
+              <a:ext uri="{FF2B5EF4-FFF2-40B4-BE49-F238E27FC236}">
+                <a16:creationId xmlns:a16="http://schemas.microsoft.com/office/drawing/2014/main" id="{0D4DBF9D-9398-40F0-444D-D3F537F54DAF}"/>
+              </a:ext>
+            </a:extLst>
+          </p:cNvPr>
+          <p:cNvSpPr>
+            <a:spLocks noGrp="1"/>
+          </p:cNvSpPr>
+          <p:nvPr>
+            <p:ph type="body" idx="1"/>
+          </p:nvPr>
+        </p:nvSpPr>
+        <p:spPr/>
+        <p:txBody>
+          <a:bodyPr/>
+          <a:lstStyle/>
+          <a:p>
+            <a:endParaRPr lang="pt-BR" dirty="0"/>
+          </a:p>
+        </p:txBody>
+      </p:sp>
+    </p:spTree>
+    <p:extLst>
+      <p:ext uri="{BB962C8B-B14F-4D97-AF65-F5344CB8AC3E}">
+        <p14:creationId xmlns:p14="http://schemas.microsoft.com/office/powerpoint/2010/main" val="1652076513"/>
+      </p:ext>
+    </p:extLst>
+  </p:cSld>
+  <p:clrMapOvr>
+    <a:masterClrMapping/>
+  </p:clrMapOvr>
+</p:notes>
+</file>
+
+<file path=ppt/notesSlides/notesSlide11.xml><?xml version="1.0" encoding="utf-8"?>
+<p:notes xmlns:a="http://schemas.openxmlformats.org/drawingml/2006/main" xmlns:r="http://schemas.openxmlformats.org/officeDocument/2006/relationships" xmlns:p="http://schemas.openxmlformats.org/presentationml/2006/main">
+  <p:cSld>
+    <p:spTree>
+      <p:nvGrpSpPr>
+        <p:cNvPr id="1" name=""/>
+        <p:cNvGrpSpPr/>
+        <p:nvPr/>
+      </p:nvGrpSpPr>
+      <p:grpSpPr>
+        <a:xfrm>
+          <a:off x="0" y="0"/>
+          <a:ext cx="0" cy="0"/>
+          <a:chOff x="0" y="0"/>
+          <a:chExt cx="0" cy="0"/>
+        </a:xfrm>
+      </p:grpSpPr>
+      <p:sp>
+        <p:nvSpPr>
+          <p:cNvPr id="2" name="Espaço Reservado para Imagem de Slide 1"/>
+          <p:cNvSpPr>
+            <a:spLocks noGrp="1" noRot="1" noChangeAspect="1"/>
+          </p:cNvSpPr>
+          <p:nvPr>
+            <p:ph type="sldImg"/>
+          </p:nvPr>
+        </p:nvSpPr>
+        <p:spPr>
+          <a:xfrm>
+            <a:off x="381000" y="685800"/>
+            <a:ext cx="6096000" cy="3429000"/>
+          </a:xfrm>
+        </p:spPr>
+      </p:sp>
+      <p:sp>
+        <p:nvSpPr>
+          <p:cNvPr id="3" name="Espaço Reservado para Anotações 2"/>
+          <p:cNvSpPr>
+            <a:spLocks noGrp="1"/>
+          </p:cNvSpPr>
+          <p:nvPr>
+            <p:ph type="body" idx="1"/>
+          </p:nvPr>
+        </p:nvSpPr>
+        <p:spPr/>
+        <p:txBody>
+          <a:bodyPr/>
+          <a:lstStyle/>
+          <a:p>
+            <a:endParaRPr lang="pt-BR" dirty="0"/>
+          </a:p>
+        </p:txBody>
+      </p:sp>
+    </p:spTree>
+    <p:extLst>
+      <p:ext uri="{BB962C8B-B14F-4D97-AF65-F5344CB8AC3E}">
+        <p14:creationId xmlns:p14="http://schemas.microsoft.com/office/powerpoint/2010/main" val="585304384"/>
+      </p:ext>
+    </p:extLst>
+  </p:cSld>
+  <p:clrMapOvr>
+    <a:masterClrMapping/>
+  </p:clrMapOvr>
+</p:notes>
+</file>
+
+<file path=ppt/notesSlides/notesSlide12.xml><?xml version="1.0" encoding="utf-8"?>
+<p:notes xmlns:a="http://schemas.openxmlformats.org/drawingml/2006/main" xmlns:r="http://schemas.openxmlformats.org/officeDocument/2006/relationships" xmlns:p="http://schemas.openxmlformats.org/presentationml/2006/main">
+  <p:cSld>
+    <p:spTree>
+      <p:nvGrpSpPr>
+        <p:cNvPr id="1" name=""/>
+        <p:cNvGrpSpPr/>
+        <p:nvPr/>
+      </p:nvGrpSpPr>
+      <p:grpSpPr>
+        <a:xfrm>
+          <a:off x="0" y="0"/>
+          <a:ext cx="0" cy="0"/>
+          <a:chOff x="0" y="0"/>
+          <a:chExt cx="0" cy="0"/>
+        </a:xfrm>
+      </p:grpSpPr>
+      <p:sp>
+        <p:nvSpPr>
+          <p:cNvPr id="2" name="Espaço Reservado para Imagem de Slide 1"/>
+          <p:cNvSpPr>
+            <a:spLocks noGrp="1" noRot="1" noChangeAspect="1"/>
+          </p:cNvSpPr>
+          <p:nvPr>
+            <p:ph type="sldImg"/>
+          </p:nvPr>
+        </p:nvSpPr>
+        <p:spPr>
+          <a:xfrm>
+            <a:off x="381000" y="685800"/>
+            <a:ext cx="6096000" cy="3429000"/>
+          </a:xfrm>
+        </p:spPr>
+      </p:sp>
+      <p:sp>
+        <p:nvSpPr>
+          <p:cNvPr id="3" name="Espaço Reservado para Anotações 2"/>
+          <p:cNvSpPr>
+            <a:spLocks noGrp="1"/>
+          </p:cNvSpPr>
+          <p:nvPr>
+            <p:ph type="body" idx="1"/>
+          </p:nvPr>
+        </p:nvSpPr>
+        <p:spPr/>
+        <p:txBody>
+          <a:bodyPr/>
+          <a:lstStyle/>
+          <a:p>
+            <a:endParaRPr lang="pt-BR" dirty="0"/>
+          </a:p>
+        </p:txBody>
+      </p:sp>
+    </p:spTree>
+    <p:extLst>
+      <p:ext uri="{BB962C8B-B14F-4D97-AF65-F5344CB8AC3E}">
+        <p14:creationId xmlns:p14="http://schemas.microsoft.com/office/powerpoint/2010/main" val="2709569597"/>
+      </p:ext>
+    </p:extLst>
+  </p:cSld>
+  <p:clrMapOvr>
+    <a:masterClrMapping/>
+  </p:clrMapOvr>
+</p:notes>
+</file>
+
+<file path=ppt/notesSlides/notesSlide13.xml><?xml version="1.0" encoding="utf-8"?>
+<p:notes xmlns:a="http://schemas.openxmlformats.org/drawingml/2006/main" xmlns:r="http://schemas.openxmlformats.org/officeDocument/2006/relationships" xmlns:p="http://schemas.openxmlformats.org/presentationml/2006/main">
+  <p:cSld>
+    <p:spTree>
+      <p:nvGrpSpPr>
+        <p:cNvPr id="1" name="">
+          <a:extLst>
+            <a:ext uri="{FF2B5EF4-FFF2-40B4-BE49-F238E27FC236}">
+              <a16:creationId xmlns:a16="http://schemas.microsoft.com/office/drawing/2014/main" id="{A6C63E5B-C292-859D-FB83-976D9C6E343C}"/>
+            </a:ext>
+          </a:extLst>
+        </p:cNvPr>
+        <p:cNvGrpSpPr/>
+        <p:nvPr/>
+      </p:nvGrpSpPr>
+      <p:grpSpPr>
+        <a:xfrm>
+          <a:off x="0" y="0"/>
+          <a:ext cx="0" cy="0"/>
+          <a:chOff x="0" y="0"/>
+          <a:chExt cx="0" cy="0"/>
+        </a:xfrm>
+      </p:grpSpPr>
+      <p:sp>
+        <p:nvSpPr>
+          <p:cNvPr id="2" name="Espaço Reservado para Imagem de Slide 1">
+            <a:extLst>
+              <a:ext uri="{FF2B5EF4-FFF2-40B4-BE49-F238E27FC236}">
+                <a16:creationId xmlns:a16="http://schemas.microsoft.com/office/drawing/2014/main" id="{14E4371D-BD8E-838C-430B-89FECE90D337}"/>
+              </a:ext>
+            </a:extLst>
+          </p:cNvPr>
+          <p:cNvSpPr>
+            <a:spLocks noGrp="1" noRot="1" noChangeAspect="1"/>
+          </p:cNvSpPr>
+          <p:nvPr>
+            <p:ph type="sldImg"/>
+          </p:nvPr>
+        </p:nvSpPr>
+        <p:spPr>
+          <a:xfrm>
+            <a:off x="381000" y="685800"/>
+            <a:ext cx="6096000" cy="3429000"/>
+          </a:xfrm>
+        </p:spPr>
+      </p:sp>
+      <p:sp>
+        <p:nvSpPr>
+          <p:cNvPr id="3" name="Espaço Reservado para Anotações 2">
+            <a:extLst>
+              <a:ext uri="{FF2B5EF4-FFF2-40B4-BE49-F238E27FC236}">
+                <a16:creationId xmlns:a16="http://schemas.microsoft.com/office/drawing/2014/main" id="{F01DF927-0375-C257-C3B6-37010EA380D3}"/>
+              </a:ext>
+            </a:extLst>
+          </p:cNvPr>
+          <p:cNvSpPr>
+            <a:spLocks noGrp="1"/>
+          </p:cNvSpPr>
+          <p:nvPr>
+            <p:ph type="body" idx="1"/>
+          </p:nvPr>
+        </p:nvSpPr>
+        <p:spPr/>
+        <p:txBody>
+          <a:bodyPr/>
+          <a:lstStyle/>
+          <a:p>
+            <a:endParaRPr lang="pt-BR" dirty="0"/>
+          </a:p>
+        </p:txBody>
+      </p:sp>
+    </p:spTree>
+    <p:extLst>
+      <p:ext uri="{BB962C8B-B14F-4D97-AF65-F5344CB8AC3E}">
+        <p14:creationId xmlns:p14="http://schemas.microsoft.com/office/powerpoint/2010/main" val="3656069206"/>
+      </p:ext>
+    </p:extLst>
+  </p:cSld>
+  <p:clrMapOvr>
+    <a:masterClrMapping/>
+  </p:clrMapOvr>
+</p:notes>
+</file>
+
+<file path=ppt/notesSlides/notesSlide14.xml><?xml version="1.0" encoding="utf-8"?>
+<p:notes xmlns:a="http://schemas.openxmlformats.org/drawingml/2006/main" xmlns:r="http://schemas.openxmlformats.org/officeDocument/2006/relationships" xmlns:p="http://schemas.openxmlformats.org/presentationml/2006/main">
+  <p:cSld>
+    <p:spTree>
+      <p:nvGrpSpPr>
+        <p:cNvPr id="1" name=""/>
+        <p:cNvGrpSpPr/>
+        <p:nvPr/>
+      </p:nvGrpSpPr>
+      <p:grpSpPr>
+        <a:xfrm>
+          <a:off x="0" y="0"/>
+          <a:ext cx="0" cy="0"/>
+          <a:chOff x="0" y="0"/>
+          <a:chExt cx="0" cy="0"/>
+        </a:xfrm>
+      </p:grpSpPr>
+      <p:sp>
+        <p:nvSpPr>
+          <p:cNvPr id="2" name="Espaço Reservado para Imagem de Slide 1"/>
+          <p:cNvSpPr>
+            <a:spLocks noGrp="1" noRot="1" noChangeAspect="1"/>
+          </p:cNvSpPr>
+          <p:nvPr>
+            <p:ph type="sldImg"/>
+          </p:nvPr>
+        </p:nvSpPr>
+        <p:spPr>
+          <a:xfrm>
+            <a:off x="381000" y="685800"/>
+            <a:ext cx="6096000" cy="3429000"/>
+          </a:xfrm>
+        </p:spPr>
+      </p:sp>
+      <p:sp>
+        <p:nvSpPr>
+          <p:cNvPr id="3" name="Espaço Reservado para Anotações 2"/>
+          <p:cNvSpPr>
+            <a:spLocks noGrp="1"/>
+          </p:cNvSpPr>
+          <p:nvPr>
+            <p:ph type="body" idx="1"/>
+          </p:nvPr>
+        </p:nvSpPr>
+        <p:spPr/>
+        <p:txBody>
+          <a:bodyPr/>
+          <a:lstStyle/>
+          <a:p>
+            <a:endParaRPr lang="pt-BR" dirty="0"/>
+          </a:p>
+        </p:txBody>
+      </p:sp>
+    </p:spTree>
+    <p:extLst>
+      <p:ext uri="{BB962C8B-B14F-4D97-AF65-F5344CB8AC3E}">
+        <p14:creationId xmlns:p14="http://schemas.microsoft.com/office/powerpoint/2010/main" val="4290351292"/>
+      </p:ext>
+    </p:extLst>
+  </p:cSld>
+  <p:clrMapOvr>
+    <a:masterClrMapping/>
+  </p:clrMapOvr>
+</p:notes>
+</file>
+
 <file path=ppt/notesSlides/notesSlide2.xml><?xml version="1.0" encoding="utf-8"?>
 <p:notes xmlns:a="http://schemas.openxmlformats.org/drawingml/2006/main" xmlns:r="http://schemas.openxmlformats.org/officeDocument/2006/relationships" xmlns:p="http://schemas.openxmlformats.org/presentationml/2006/main">
   <p:cSld>
@@ -651,142 +1025,10 @@
   <p:cSld>
     <p:spTree>
       <p:nvGrpSpPr>
-        <p:cNvPr id="1" name=""/>
-        <p:cNvGrpSpPr/>
-        <p:nvPr/>
-      </p:nvGrpSpPr>
-      <p:grpSpPr>
-        <a:xfrm>
-          <a:off x="0" y="0"/>
-          <a:ext cx="0" cy="0"/>
-          <a:chOff x="0" y="0"/>
-          <a:chExt cx="0" cy="0"/>
-        </a:xfrm>
-      </p:grpSpPr>
-      <p:sp>
-        <p:nvSpPr>
-          <p:cNvPr id="2" name="Espaço Reservado para Imagem de Slide 1"/>
-          <p:cNvSpPr>
-            <a:spLocks noGrp="1" noRot="1" noChangeAspect="1"/>
-          </p:cNvSpPr>
-          <p:nvPr>
-            <p:ph type="sldImg"/>
-          </p:nvPr>
-        </p:nvSpPr>
-        <p:spPr>
-          <a:xfrm>
-            <a:off x="381000" y="685800"/>
-            <a:ext cx="6096000" cy="3429000"/>
-          </a:xfrm>
-        </p:spPr>
-      </p:sp>
-      <p:sp>
-        <p:nvSpPr>
-          <p:cNvPr id="3" name="Espaço Reservado para Anotações 2"/>
-          <p:cNvSpPr>
-            <a:spLocks noGrp="1"/>
-          </p:cNvSpPr>
-          <p:nvPr>
-            <p:ph type="body" idx="1"/>
-          </p:nvPr>
-        </p:nvSpPr>
-        <p:spPr/>
-        <p:txBody>
-          <a:bodyPr/>
-          <a:lstStyle/>
-          <a:p>
-            <a:endParaRPr lang="pt-BR" dirty="0"/>
-          </a:p>
-        </p:txBody>
-      </p:sp>
-    </p:spTree>
-    <p:extLst>
-      <p:ext uri="{BB962C8B-B14F-4D97-AF65-F5344CB8AC3E}">
-        <p14:creationId xmlns:p14="http://schemas.microsoft.com/office/powerpoint/2010/main" val="585304384"/>
-      </p:ext>
-    </p:extLst>
-  </p:cSld>
-  <p:clrMapOvr>
-    <a:masterClrMapping/>
-  </p:clrMapOvr>
-</p:notes>
-</file>
-
-<file path=ppt/notesSlides/notesSlide4.xml><?xml version="1.0" encoding="utf-8"?>
-<p:notes xmlns:a="http://schemas.openxmlformats.org/drawingml/2006/main" xmlns:r="http://schemas.openxmlformats.org/officeDocument/2006/relationships" xmlns:p="http://schemas.openxmlformats.org/presentationml/2006/main">
-  <p:cSld>
-    <p:spTree>
-      <p:nvGrpSpPr>
-        <p:cNvPr id="1" name=""/>
-        <p:cNvGrpSpPr/>
-        <p:nvPr/>
-      </p:nvGrpSpPr>
-      <p:grpSpPr>
-        <a:xfrm>
-          <a:off x="0" y="0"/>
-          <a:ext cx="0" cy="0"/>
-          <a:chOff x="0" y="0"/>
-          <a:chExt cx="0" cy="0"/>
-        </a:xfrm>
-      </p:grpSpPr>
-      <p:sp>
-        <p:nvSpPr>
-          <p:cNvPr id="2" name="Espaço Reservado para Imagem de Slide 1"/>
-          <p:cNvSpPr>
-            <a:spLocks noGrp="1" noRot="1" noChangeAspect="1"/>
-          </p:cNvSpPr>
-          <p:nvPr>
-            <p:ph type="sldImg"/>
-          </p:nvPr>
-        </p:nvSpPr>
-        <p:spPr>
-          <a:xfrm>
-            <a:off x="381000" y="685800"/>
-            <a:ext cx="6096000" cy="3429000"/>
-          </a:xfrm>
-        </p:spPr>
-      </p:sp>
-      <p:sp>
-        <p:nvSpPr>
-          <p:cNvPr id="3" name="Espaço Reservado para Anotações 2"/>
-          <p:cNvSpPr>
-            <a:spLocks noGrp="1"/>
-          </p:cNvSpPr>
-          <p:nvPr>
-            <p:ph type="body" idx="1"/>
-          </p:nvPr>
-        </p:nvSpPr>
-        <p:spPr/>
-        <p:txBody>
-          <a:bodyPr/>
-          <a:lstStyle/>
-          <a:p>
-            <a:endParaRPr lang="pt-BR" dirty="0"/>
-          </a:p>
-        </p:txBody>
-      </p:sp>
-    </p:spTree>
-    <p:extLst>
-      <p:ext uri="{BB962C8B-B14F-4D97-AF65-F5344CB8AC3E}">
-        <p14:creationId xmlns:p14="http://schemas.microsoft.com/office/powerpoint/2010/main" val="2709569597"/>
-      </p:ext>
-    </p:extLst>
-  </p:cSld>
-  <p:clrMapOvr>
-    <a:masterClrMapping/>
-  </p:clrMapOvr>
-</p:notes>
-</file>
-
-<file path=ppt/notesSlides/notesSlide5.xml><?xml version="1.0" encoding="utf-8"?>
-<p:notes xmlns:a="http://schemas.openxmlformats.org/drawingml/2006/main" xmlns:r="http://schemas.openxmlformats.org/officeDocument/2006/relationships" xmlns:p="http://schemas.openxmlformats.org/presentationml/2006/main">
-  <p:cSld>
-    <p:spTree>
-      <p:nvGrpSpPr>
         <p:cNvPr id="1" name="">
           <a:extLst>
             <a:ext uri="{FF2B5EF4-FFF2-40B4-BE49-F238E27FC236}">
-              <a16:creationId xmlns:a16="http://schemas.microsoft.com/office/drawing/2014/main" id="{A6C63E5B-C292-859D-FB83-976D9C6E343C}"/>
+              <a16:creationId xmlns:a16="http://schemas.microsoft.com/office/drawing/2014/main" id="{39369E69-E447-7791-E01E-D49894FBC7B3}"/>
             </a:ext>
           </a:extLst>
         </p:cNvPr>
@@ -806,7 +1048,7 @@
           <p:cNvPr id="2" name="Espaço Reservado para Imagem de Slide 1">
             <a:extLst>
               <a:ext uri="{FF2B5EF4-FFF2-40B4-BE49-F238E27FC236}">
-                <a16:creationId xmlns:a16="http://schemas.microsoft.com/office/drawing/2014/main" id="{14E4371D-BD8E-838C-430B-89FECE90D337}"/>
+                <a16:creationId xmlns:a16="http://schemas.microsoft.com/office/drawing/2014/main" id="{420CFE2F-7D58-C6C9-2E17-14B6794B3044}"/>
               </a:ext>
             </a:extLst>
           </p:cNvPr>
@@ -829,7 +1071,7 @@
           <p:cNvPr id="3" name="Espaço Reservado para Anotações 2">
             <a:extLst>
               <a:ext uri="{FF2B5EF4-FFF2-40B4-BE49-F238E27FC236}">
-                <a16:creationId xmlns:a16="http://schemas.microsoft.com/office/drawing/2014/main" id="{F01DF927-0375-C257-C3B6-37010EA380D3}"/>
+                <a16:creationId xmlns:a16="http://schemas.microsoft.com/office/drawing/2014/main" id="{47BF8759-8A89-5F99-2E9A-DB0A9D66A71C}"/>
               </a:ext>
             </a:extLst>
           </p:cNvPr>
@@ -852,7 +1094,7 @@
     </p:spTree>
     <p:extLst>
       <p:ext uri="{BB962C8B-B14F-4D97-AF65-F5344CB8AC3E}">
-        <p14:creationId xmlns:p14="http://schemas.microsoft.com/office/powerpoint/2010/main" val="3656069206"/>
+        <p14:creationId xmlns:p14="http://schemas.microsoft.com/office/powerpoint/2010/main" val="2885871351"/>
       </p:ext>
     </p:extLst>
   </p:cSld>
@@ -862,12 +1104,18 @@
 </p:notes>
 </file>
 
-<file path=ppt/notesSlides/notesSlide6.xml><?xml version="1.0" encoding="utf-8"?>
+<file path=ppt/notesSlides/notesSlide4.xml><?xml version="1.0" encoding="utf-8"?>
 <p:notes xmlns:a="http://schemas.openxmlformats.org/drawingml/2006/main" xmlns:r="http://schemas.openxmlformats.org/officeDocument/2006/relationships" xmlns:p="http://schemas.openxmlformats.org/presentationml/2006/main">
   <p:cSld>
     <p:spTree>
       <p:nvGrpSpPr>
-        <p:cNvPr id="1" name=""/>
+        <p:cNvPr id="1" name="">
+          <a:extLst>
+            <a:ext uri="{FF2B5EF4-FFF2-40B4-BE49-F238E27FC236}">
+              <a16:creationId xmlns:a16="http://schemas.microsoft.com/office/drawing/2014/main" id="{42547C63-2D3C-DF6D-54EB-654ED4757964}"/>
+            </a:ext>
+          </a:extLst>
+        </p:cNvPr>
         <p:cNvGrpSpPr/>
         <p:nvPr/>
       </p:nvGrpSpPr>
@@ -881,7 +1129,13 @@
       </p:grpSpPr>
       <p:sp>
         <p:nvSpPr>
-          <p:cNvPr id="2" name="Espaço Reservado para Imagem de Slide 1"/>
+          <p:cNvPr id="2" name="Espaço Reservado para Imagem de Slide 1">
+            <a:extLst>
+              <a:ext uri="{FF2B5EF4-FFF2-40B4-BE49-F238E27FC236}">
+                <a16:creationId xmlns:a16="http://schemas.microsoft.com/office/drawing/2014/main" id="{EF6E3BA4-BAB0-3FD8-9B41-1107E99829BD}"/>
+              </a:ext>
+            </a:extLst>
+          </p:cNvPr>
           <p:cNvSpPr>
             <a:spLocks noGrp="1" noRot="1" noChangeAspect="1"/>
           </p:cNvSpPr>
@@ -898,7 +1152,13 @@
       </p:sp>
       <p:sp>
         <p:nvSpPr>
-          <p:cNvPr id="3" name="Espaço Reservado para Anotações 2"/>
+          <p:cNvPr id="3" name="Espaço Reservado para Anotações 2">
+            <a:extLst>
+              <a:ext uri="{FF2B5EF4-FFF2-40B4-BE49-F238E27FC236}">
+                <a16:creationId xmlns:a16="http://schemas.microsoft.com/office/drawing/2014/main" id="{04217D67-5C8B-816E-CE0F-79458CC3C7D4}"/>
+              </a:ext>
+            </a:extLst>
+          </p:cNvPr>
           <p:cNvSpPr>
             <a:spLocks noGrp="1"/>
           </p:cNvSpPr>
@@ -918,7 +1178,427 @@
     </p:spTree>
     <p:extLst>
       <p:ext uri="{BB962C8B-B14F-4D97-AF65-F5344CB8AC3E}">
-        <p14:creationId xmlns:p14="http://schemas.microsoft.com/office/powerpoint/2010/main" val="4290351292"/>
+        <p14:creationId xmlns:p14="http://schemas.microsoft.com/office/powerpoint/2010/main" val="871104996"/>
+      </p:ext>
+    </p:extLst>
+  </p:cSld>
+  <p:clrMapOvr>
+    <a:masterClrMapping/>
+  </p:clrMapOvr>
+</p:notes>
+</file>
+
+<file path=ppt/notesSlides/notesSlide5.xml><?xml version="1.0" encoding="utf-8"?>
+<p:notes xmlns:a="http://schemas.openxmlformats.org/drawingml/2006/main" xmlns:r="http://schemas.openxmlformats.org/officeDocument/2006/relationships" xmlns:p="http://schemas.openxmlformats.org/presentationml/2006/main">
+  <p:cSld>
+    <p:spTree>
+      <p:nvGrpSpPr>
+        <p:cNvPr id="1" name="">
+          <a:extLst>
+            <a:ext uri="{FF2B5EF4-FFF2-40B4-BE49-F238E27FC236}">
+              <a16:creationId xmlns:a16="http://schemas.microsoft.com/office/drawing/2014/main" id="{99BB1C27-D92E-422F-7940-F6C3F08E44BF}"/>
+            </a:ext>
+          </a:extLst>
+        </p:cNvPr>
+        <p:cNvGrpSpPr/>
+        <p:nvPr/>
+      </p:nvGrpSpPr>
+      <p:grpSpPr>
+        <a:xfrm>
+          <a:off x="0" y="0"/>
+          <a:ext cx="0" cy="0"/>
+          <a:chOff x="0" y="0"/>
+          <a:chExt cx="0" cy="0"/>
+        </a:xfrm>
+      </p:grpSpPr>
+      <p:sp>
+        <p:nvSpPr>
+          <p:cNvPr id="2" name="Espaço Reservado para Imagem de Slide 1">
+            <a:extLst>
+              <a:ext uri="{FF2B5EF4-FFF2-40B4-BE49-F238E27FC236}">
+                <a16:creationId xmlns:a16="http://schemas.microsoft.com/office/drawing/2014/main" id="{01D64D6F-E464-436A-BE9B-2A3DD188095C}"/>
+              </a:ext>
+            </a:extLst>
+          </p:cNvPr>
+          <p:cNvSpPr>
+            <a:spLocks noGrp="1" noRot="1" noChangeAspect="1"/>
+          </p:cNvSpPr>
+          <p:nvPr>
+            <p:ph type="sldImg"/>
+          </p:nvPr>
+        </p:nvSpPr>
+        <p:spPr>
+          <a:xfrm>
+            <a:off x="381000" y="685800"/>
+            <a:ext cx="6096000" cy="3429000"/>
+          </a:xfrm>
+        </p:spPr>
+      </p:sp>
+      <p:sp>
+        <p:nvSpPr>
+          <p:cNvPr id="3" name="Espaço Reservado para Anotações 2">
+            <a:extLst>
+              <a:ext uri="{FF2B5EF4-FFF2-40B4-BE49-F238E27FC236}">
+                <a16:creationId xmlns:a16="http://schemas.microsoft.com/office/drawing/2014/main" id="{44570DCA-C134-F15C-47C3-EFA677B42C4E}"/>
+              </a:ext>
+            </a:extLst>
+          </p:cNvPr>
+          <p:cNvSpPr>
+            <a:spLocks noGrp="1"/>
+          </p:cNvSpPr>
+          <p:nvPr>
+            <p:ph type="body" idx="1"/>
+          </p:nvPr>
+        </p:nvSpPr>
+        <p:spPr/>
+        <p:txBody>
+          <a:bodyPr/>
+          <a:lstStyle/>
+          <a:p>
+            <a:endParaRPr lang="pt-BR" dirty="0"/>
+          </a:p>
+        </p:txBody>
+      </p:sp>
+    </p:spTree>
+    <p:extLst>
+      <p:ext uri="{BB962C8B-B14F-4D97-AF65-F5344CB8AC3E}">
+        <p14:creationId xmlns:p14="http://schemas.microsoft.com/office/powerpoint/2010/main" val="4181589985"/>
+      </p:ext>
+    </p:extLst>
+  </p:cSld>
+  <p:clrMapOvr>
+    <a:masterClrMapping/>
+  </p:clrMapOvr>
+</p:notes>
+</file>
+
+<file path=ppt/notesSlides/notesSlide6.xml><?xml version="1.0" encoding="utf-8"?>
+<p:notes xmlns:a="http://schemas.openxmlformats.org/drawingml/2006/main" xmlns:r="http://schemas.openxmlformats.org/officeDocument/2006/relationships" xmlns:p="http://schemas.openxmlformats.org/presentationml/2006/main">
+  <p:cSld>
+    <p:spTree>
+      <p:nvGrpSpPr>
+        <p:cNvPr id="1" name="">
+          <a:extLst>
+            <a:ext uri="{FF2B5EF4-FFF2-40B4-BE49-F238E27FC236}">
+              <a16:creationId xmlns:a16="http://schemas.microsoft.com/office/drawing/2014/main" id="{08DE9B55-6F28-E777-20F5-1FBCFC08974A}"/>
+            </a:ext>
+          </a:extLst>
+        </p:cNvPr>
+        <p:cNvGrpSpPr/>
+        <p:nvPr/>
+      </p:nvGrpSpPr>
+      <p:grpSpPr>
+        <a:xfrm>
+          <a:off x="0" y="0"/>
+          <a:ext cx="0" cy="0"/>
+          <a:chOff x="0" y="0"/>
+          <a:chExt cx="0" cy="0"/>
+        </a:xfrm>
+      </p:grpSpPr>
+      <p:sp>
+        <p:nvSpPr>
+          <p:cNvPr id="2" name="Espaço Reservado para Imagem de Slide 1">
+            <a:extLst>
+              <a:ext uri="{FF2B5EF4-FFF2-40B4-BE49-F238E27FC236}">
+                <a16:creationId xmlns:a16="http://schemas.microsoft.com/office/drawing/2014/main" id="{6DF7D4F0-BC5E-13F5-ED90-086A499CBE8F}"/>
+              </a:ext>
+            </a:extLst>
+          </p:cNvPr>
+          <p:cNvSpPr>
+            <a:spLocks noGrp="1" noRot="1" noChangeAspect="1"/>
+          </p:cNvSpPr>
+          <p:nvPr>
+            <p:ph type="sldImg"/>
+          </p:nvPr>
+        </p:nvSpPr>
+        <p:spPr>
+          <a:xfrm>
+            <a:off x="381000" y="685800"/>
+            <a:ext cx="6096000" cy="3429000"/>
+          </a:xfrm>
+        </p:spPr>
+      </p:sp>
+      <p:sp>
+        <p:nvSpPr>
+          <p:cNvPr id="3" name="Espaço Reservado para Anotações 2">
+            <a:extLst>
+              <a:ext uri="{FF2B5EF4-FFF2-40B4-BE49-F238E27FC236}">
+                <a16:creationId xmlns:a16="http://schemas.microsoft.com/office/drawing/2014/main" id="{4A0ADC60-2250-9A98-8134-C8B6D49E828C}"/>
+              </a:ext>
+            </a:extLst>
+          </p:cNvPr>
+          <p:cNvSpPr>
+            <a:spLocks noGrp="1"/>
+          </p:cNvSpPr>
+          <p:nvPr>
+            <p:ph type="body" idx="1"/>
+          </p:nvPr>
+        </p:nvSpPr>
+        <p:spPr/>
+        <p:txBody>
+          <a:bodyPr/>
+          <a:lstStyle/>
+          <a:p>
+            <a:endParaRPr lang="pt-BR" dirty="0"/>
+          </a:p>
+        </p:txBody>
+      </p:sp>
+    </p:spTree>
+    <p:extLst>
+      <p:ext uri="{BB962C8B-B14F-4D97-AF65-F5344CB8AC3E}">
+        <p14:creationId xmlns:p14="http://schemas.microsoft.com/office/powerpoint/2010/main" val="2839720420"/>
+      </p:ext>
+    </p:extLst>
+  </p:cSld>
+  <p:clrMapOvr>
+    <a:masterClrMapping/>
+  </p:clrMapOvr>
+</p:notes>
+</file>
+
+<file path=ppt/notesSlides/notesSlide7.xml><?xml version="1.0" encoding="utf-8"?>
+<p:notes xmlns:a="http://schemas.openxmlformats.org/drawingml/2006/main" xmlns:r="http://schemas.openxmlformats.org/officeDocument/2006/relationships" xmlns:p="http://schemas.openxmlformats.org/presentationml/2006/main">
+  <p:cSld>
+    <p:spTree>
+      <p:nvGrpSpPr>
+        <p:cNvPr id="1" name="">
+          <a:extLst>
+            <a:ext uri="{FF2B5EF4-FFF2-40B4-BE49-F238E27FC236}">
+              <a16:creationId xmlns:a16="http://schemas.microsoft.com/office/drawing/2014/main" id="{8D10B216-43C7-466A-CB8B-71DE3D397CCC}"/>
+            </a:ext>
+          </a:extLst>
+        </p:cNvPr>
+        <p:cNvGrpSpPr/>
+        <p:nvPr/>
+      </p:nvGrpSpPr>
+      <p:grpSpPr>
+        <a:xfrm>
+          <a:off x="0" y="0"/>
+          <a:ext cx="0" cy="0"/>
+          <a:chOff x="0" y="0"/>
+          <a:chExt cx="0" cy="0"/>
+        </a:xfrm>
+      </p:grpSpPr>
+      <p:sp>
+        <p:nvSpPr>
+          <p:cNvPr id="2" name="Espaço Reservado para Imagem de Slide 1">
+            <a:extLst>
+              <a:ext uri="{FF2B5EF4-FFF2-40B4-BE49-F238E27FC236}">
+                <a16:creationId xmlns:a16="http://schemas.microsoft.com/office/drawing/2014/main" id="{414E7105-F312-D87B-8ED4-4F9D26284609}"/>
+              </a:ext>
+            </a:extLst>
+          </p:cNvPr>
+          <p:cNvSpPr>
+            <a:spLocks noGrp="1" noRot="1" noChangeAspect="1"/>
+          </p:cNvSpPr>
+          <p:nvPr>
+            <p:ph type="sldImg"/>
+          </p:nvPr>
+        </p:nvSpPr>
+        <p:spPr>
+          <a:xfrm>
+            <a:off x="381000" y="685800"/>
+            <a:ext cx="6096000" cy="3429000"/>
+          </a:xfrm>
+        </p:spPr>
+      </p:sp>
+      <p:sp>
+        <p:nvSpPr>
+          <p:cNvPr id="3" name="Espaço Reservado para Anotações 2">
+            <a:extLst>
+              <a:ext uri="{FF2B5EF4-FFF2-40B4-BE49-F238E27FC236}">
+                <a16:creationId xmlns:a16="http://schemas.microsoft.com/office/drawing/2014/main" id="{D6BF5000-CB98-BF58-5C28-2321EE796F6B}"/>
+              </a:ext>
+            </a:extLst>
+          </p:cNvPr>
+          <p:cNvSpPr>
+            <a:spLocks noGrp="1"/>
+          </p:cNvSpPr>
+          <p:nvPr>
+            <p:ph type="body" idx="1"/>
+          </p:nvPr>
+        </p:nvSpPr>
+        <p:spPr/>
+        <p:txBody>
+          <a:bodyPr/>
+          <a:lstStyle/>
+          <a:p>
+            <a:endParaRPr lang="pt-BR" dirty="0"/>
+          </a:p>
+        </p:txBody>
+      </p:sp>
+    </p:spTree>
+    <p:extLst>
+      <p:ext uri="{BB962C8B-B14F-4D97-AF65-F5344CB8AC3E}">
+        <p14:creationId xmlns:p14="http://schemas.microsoft.com/office/powerpoint/2010/main" val="2521995128"/>
+      </p:ext>
+    </p:extLst>
+  </p:cSld>
+  <p:clrMapOvr>
+    <a:masterClrMapping/>
+  </p:clrMapOvr>
+</p:notes>
+</file>
+
+<file path=ppt/notesSlides/notesSlide8.xml><?xml version="1.0" encoding="utf-8"?>
+<p:notes xmlns:a="http://schemas.openxmlformats.org/drawingml/2006/main" xmlns:r="http://schemas.openxmlformats.org/officeDocument/2006/relationships" xmlns:p="http://schemas.openxmlformats.org/presentationml/2006/main">
+  <p:cSld>
+    <p:spTree>
+      <p:nvGrpSpPr>
+        <p:cNvPr id="1" name="">
+          <a:extLst>
+            <a:ext uri="{FF2B5EF4-FFF2-40B4-BE49-F238E27FC236}">
+              <a16:creationId xmlns:a16="http://schemas.microsoft.com/office/drawing/2014/main" id="{9AE686B4-B29F-79EF-600B-69FED56B8145}"/>
+            </a:ext>
+          </a:extLst>
+        </p:cNvPr>
+        <p:cNvGrpSpPr/>
+        <p:nvPr/>
+      </p:nvGrpSpPr>
+      <p:grpSpPr>
+        <a:xfrm>
+          <a:off x="0" y="0"/>
+          <a:ext cx="0" cy="0"/>
+          <a:chOff x="0" y="0"/>
+          <a:chExt cx="0" cy="0"/>
+        </a:xfrm>
+      </p:grpSpPr>
+      <p:sp>
+        <p:nvSpPr>
+          <p:cNvPr id="2" name="Espaço Reservado para Imagem de Slide 1">
+            <a:extLst>
+              <a:ext uri="{FF2B5EF4-FFF2-40B4-BE49-F238E27FC236}">
+                <a16:creationId xmlns:a16="http://schemas.microsoft.com/office/drawing/2014/main" id="{BA4F912E-E256-4A6E-9817-92FD2E44BAD3}"/>
+              </a:ext>
+            </a:extLst>
+          </p:cNvPr>
+          <p:cNvSpPr>
+            <a:spLocks noGrp="1" noRot="1" noChangeAspect="1"/>
+          </p:cNvSpPr>
+          <p:nvPr>
+            <p:ph type="sldImg"/>
+          </p:nvPr>
+        </p:nvSpPr>
+        <p:spPr>
+          <a:xfrm>
+            <a:off x="381000" y="685800"/>
+            <a:ext cx="6096000" cy="3429000"/>
+          </a:xfrm>
+        </p:spPr>
+      </p:sp>
+      <p:sp>
+        <p:nvSpPr>
+          <p:cNvPr id="3" name="Espaço Reservado para Anotações 2">
+            <a:extLst>
+              <a:ext uri="{FF2B5EF4-FFF2-40B4-BE49-F238E27FC236}">
+                <a16:creationId xmlns:a16="http://schemas.microsoft.com/office/drawing/2014/main" id="{8D8734E4-20B1-D4A4-0CA1-DA6E375841DA}"/>
+              </a:ext>
+            </a:extLst>
+          </p:cNvPr>
+          <p:cNvSpPr>
+            <a:spLocks noGrp="1"/>
+          </p:cNvSpPr>
+          <p:nvPr>
+            <p:ph type="body" idx="1"/>
+          </p:nvPr>
+        </p:nvSpPr>
+        <p:spPr/>
+        <p:txBody>
+          <a:bodyPr/>
+          <a:lstStyle/>
+          <a:p>
+            <a:endParaRPr lang="pt-BR" dirty="0"/>
+          </a:p>
+        </p:txBody>
+      </p:sp>
+    </p:spTree>
+    <p:extLst>
+      <p:ext uri="{BB962C8B-B14F-4D97-AF65-F5344CB8AC3E}">
+        <p14:creationId xmlns:p14="http://schemas.microsoft.com/office/powerpoint/2010/main" val="3745578632"/>
+      </p:ext>
+    </p:extLst>
+  </p:cSld>
+  <p:clrMapOvr>
+    <a:masterClrMapping/>
+  </p:clrMapOvr>
+</p:notes>
+</file>
+
+<file path=ppt/notesSlides/notesSlide9.xml><?xml version="1.0" encoding="utf-8"?>
+<p:notes xmlns:a="http://schemas.openxmlformats.org/drawingml/2006/main" xmlns:r="http://schemas.openxmlformats.org/officeDocument/2006/relationships" xmlns:p="http://schemas.openxmlformats.org/presentationml/2006/main">
+  <p:cSld>
+    <p:spTree>
+      <p:nvGrpSpPr>
+        <p:cNvPr id="1" name="">
+          <a:extLst>
+            <a:ext uri="{FF2B5EF4-FFF2-40B4-BE49-F238E27FC236}">
+              <a16:creationId xmlns:a16="http://schemas.microsoft.com/office/drawing/2014/main" id="{F63236C5-44C9-8159-65D8-C9F4FB0D4D3A}"/>
+            </a:ext>
+          </a:extLst>
+        </p:cNvPr>
+        <p:cNvGrpSpPr/>
+        <p:nvPr/>
+      </p:nvGrpSpPr>
+      <p:grpSpPr>
+        <a:xfrm>
+          <a:off x="0" y="0"/>
+          <a:ext cx="0" cy="0"/>
+          <a:chOff x="0" y="0"/>
+          <a:chExt cx="0" cy="0"/>
+        </a:xfrm>
+      </p:grpSpPr>
+      <p:sp>
+        <p:nvSpPr>
+          <p:cNvPr id="2" name="Espaço Reservado para Imagem de Slide 1">
+            <a:extLst>
+              <a:ext uri="{FF2B5EF4-FFF2-40B4-BE49-F238E27FC236}">
+                <a16:creationId xmlns:a16="http://schemas.microsoft.com/office/drawing/2014/main" id="{E6D79001-A8FF-7023-7903-B30D17044BD6}"/>
+              </a:ext>
+            </a:extLst>
+          </p:cNvPr>
+          <p:cNvSpPr>
+            <a:spLocks noGrp="1" noRot="1" noChangeAspect="1"/>
+          </p:cNvSpPr>
+          <p:nvPr>
+            <p:ph type="sldImg"/>
+          </p:nvPr>
+        </p:nvSpPr>
+        <p:spPr>
+          <a:xfrm>
+            <a:off x="381000" y="685800"/>
+            <a:ext cx="6096000" cy="3429000"/>
+          </a:xfrm>
+        </p:spPr>
+      </p:sp>
+      <p:sp>
+        <p:nvSpPr>
+          <p:cNvPr id="3" name="Espaço Reservado para Anotações 2">
+            <a:extLst>
+              <a:ext uri="{FF2B5EF4-FFF2-40B4-BE49-F238E27FC236}">
+                <a16:creationId xmlns:a16="http://schemas.microsoft.com/office/drawing/2014/main" id="{F094023C-7C28-16A1-BAAE-95D1BDE8B893}"/>
+              </a:ext>
+            </a:extLst>
+          </p:cNvPr>
+          <p:cNvSpPr>
+            <a:spLocks noGrp="1"/>
+          </p:cNvSpPr>
+          <p:nvPr>
+            <p:ph type="body" idx="1"/>
+          </p:nvPr>
+        </p:nvSpPr>
+        <p:spPr/>
+        <p:txBody>
+          <a:bodyPr/>
+          <a:lstStyle/>
+          <a:p>
+            <a:endParaRPr lang="pt-BR" dirty="0"/>
+          </a:p>
+        </p:txBody>
+      </p:sp>
+    </p:spTree>
+    <p:extLst>
+      <p:ext uri="{BB962C8B-B14F-4D97-AF65-F5344CB8AC3E}">
+        <p14:creationId xmlns:p14="http://schemas.microsoft.com/office/powerpoint/2010/main" val="3730668772"/>
       </p:ext>
     </p:extLst>
   </p:cSld>
@@ -3865,6 +4545,2108 @@
 </p:sld>
 </file>
 
+<file path=ppt/slides/slide10.xml><?xml version="1.0" encoding="utf-8"?>
+<p:sld xmlns:a="http://schemas.openxmlformats.org/drawingml/2006/main" xmlns:r="http://schemas.openxmlformats.org/officeDocument/2006/relationships" xmlns:p="http://schemas.openxmlformats.org/presentationml/2006/main">
+  <p:cSld>
+    <p:spTree>
+      <p:nvGrpSpPr>
+        <p:cNvPr id="1" name="">
+          <a:extLst>
+            <a:ext uri="{FF2B5EF4-FFF2-40B4-BE49-F238E27FC236}">
+              <a16:creationId xmlns:a16="http://schemas.microsoft.com/office/drawing/2014/main" id="{30254DE0-3575-5617-E237-0A7969771E8D}"/>
+            </a:ext>
+          </a:extLst>
+        </p:cNvPr>
+        <p:cNvGrpSpPr/>
+        <p:nvPr/>
+      </p:nvGrpSpPr>
+      <p:grpSpPr>
+        <a:xfrm>
+          <a:off x="0" y="0"/>
+          <a:ext cx="0" cy="0"/>
+          <a:chOff x="0" y="0"/>
+          <a:chExt cx="0" cy="0"/>
+        </a:xfrm>
+      </p:grpSpPr>
+      <p:sp>
+        <p:nvSpPr>
+          <p:cNvPr id="6" name="Title 1">
+            <a:extLst>
+              <a:ext uri="{FF2B5EF4-FFF2-40B4-BE49-F238E27FC236}">
+                <a16:creationId xmlns:a16="http://schemas.microsoft.com/office/drawing/2014/main" id="{10463A13-84D4-5C9D-5732-4C2277BACE16}"/>
+              </a:ext>
+            </a:extLst>
+          </p:cNvPr>
+          <p:cNvSpPr>
+            <a:spLocks noGrp="1"/>
+          </p:cNvSpPr>
+          <p:nvPr>
+            <p:ph type="title"/>
+          </p:nvPr>
+        </p:nvSpPr>
+        <p:spPr>
+          <a:xfrm>
+            <a:off x="457200" y="205980"/>
+            <a:ext cx="8229600" cy="857251"/>
+          </a:xfrm>
+        </p:spPr>
+        <p:txBody>
+          <a:bodyPr>
+            <a:normAutofit fontScale="90000"/>
+          </a:bodyPr>
+          <a:lstStyle/>
+          <a:p>
+            <a:r>
+              <a:rPr lang="en-US" b="1" dirty="0">
+                <a:solidFill>
+                  <a:srgbClr val="0070C0"/>
+                </a:solidFill>
+              </a:rPr>
+              <a:t>CLP – </a:t>
+            </a:r>
+            <a:r>
+              <a:rPr lang="en-US" b="1" dirty="0" err="1">
+                <a:solidFill>
+                  <a:srgbClr val="0070C0"/>
+                </a:solidFill>
+              </a:rPr>
+              <a:t>Exemplo</a:t>
+            </a:r>
+            <a:r>
+              <a:rPr lang="en-US" b="1" dirty="0">
+                <a:solidFill>
+                  <a:srgbClr val="0070C0"/>
+                </a:solidFill>
+              </a:rPr>
+              <a:t> LADDER </a:t>
+            </a:r>
+            <a:r>
+              <a:rPr lang="en-US" b="1" dirty="0" err="1">
+                <a:solidFill>
+                  <a:srgbClr val="0070C0"/>
+                </a:solidFill>
+              </a:rPr>
+              <a:t>Temporizador</a:t>
+            </a:r>
+            <a:endParaRPr lang="en-US" b="1" dirty="0">
+              <a:solidFill>
+                <a:srgbClr val="0070C0"/>
+              </a:solidFill>
+            </a:endParaRPr>
+          </a:p>
+        </p:txBody>
+      </p:sp>
+      <p:sp>
+        <p:nvSpPr>
+          <p:cNvPr id="8" name="Text Placeholder 2">
+            <a:extLst>
+              <a:ext uri="{FF2B5EF4-FFF2-40B4-BE49-F238E27FC236}">
+                <a16:creationId xmlns:a16="http://schemas.microsoft.com/office/drawing/2014/main" id="{68DEC347-D243-BFA0-9B8C-11F35AD411C8}"/>
+              </a:ext>
+            </a:extLst>
+          </p:cNvPr>
+          <p:cNvSpPr>
+            <a:spLocks noGrp="1"/>
+          </p:cNvSpPr>
+          <p:nvPr>
+            <p:ph type="body" sz="half" idx="1"/>
+          </p:nvPr>
+        </p:nvSpPr>
+        <p:spPr>
+          <a:xfrm>
+            <a:off x="142865" y="1035050"/>
+            <a:ext cx="8865056" cy="3994150"/>
+          </a:xfrm>
+        </p:spPr>
+        <p:txBody>
+          <a:bodyPr>
+            <a:noAutofit/>
+          </a:bodyPr>
+          <a:lstStyle/>
+          <a:p>
+            <a:pPr marL="0" indent="0" algn="just">
+              <a:buNone/>
+            </a:pPr>
+            <a:r>
+              <a:rPr lang="pt-BR" sz="2000" b="1" dirty="0">
+                <a:solidFill>
+                  <a:srgbClr val="FF0000"/>
+                </a:solidFill>
+                <a:latin typeface="Times New Roman" panose="02020603050405020304" pitchFamily="18" charset="0"/>
+                <a:cs typeface="Times New Roman" panose="02020603050405020304" pitchFamily="18" charset="0"/>
+              </a:rPr>
+              <a:t>Exemplo 2</a:t>
+            </a:r>
+            <a:r>
+              <a:rPr lang="pt-BR" sz="2000" b="1" dirty="0">
+                <a:latin typeface="Times New Roman" panose="02020603050405020304" pitchFamily="18" charset="0"/>
+                <a:cs typeface="Times New Roman" panose="02020603050405020304" pitchFamily="18" charset="0"/>
+              </a:rPr>
+              <a:t>: Acionamento de Equipamento após Temporização</a:t>
+            </a:r>
+          </a:p>
+          <a:p>
+            <a:pPr marL="0" indent="0" algn="just">
+              <a:buNone/>
+            </a:pPr>
+            <a:endParaRPr lang="pt-BR" sz="2000" dirty="0">
+              <a:latin typeface="Times New Roman" panose="02020603050405020304" pitchFamily="18" charset="0"/>
+              <a:cs typeface="Times New Roman" panose="02020603050405020304" pitchFamily="18" charset="0"/>
+            </a:endParaRPr>
+          </a:p>
+          <a:p>
+            <a:pPr marL="0" indent="0" algn="just">
+              <a:buNone/>
+            </a:pPr>
+            <a:r>
+              <a:rPr lang="pt-BR" sz="2000" dirty="0">
+                <a:latin typeface="Times New Roman" panose="02020603050405020304" pitchFamily="18" charset="0"/>
+                <a:cs typeface="Times New Roman" panose="02020603050405020304" pitchFamily="18" charset="0"/>
+              </a:rPr>
+              <a:t>Um </a:t>
+            </a:r>
+            <a:r>
+              <a:rPr lang="pt-BR" sz="2000" b="1" dirty="0">
+                <a:latin typeface="Times New Roman" panose="02020603050405020304" pitchFamily="18" charset="0"/>
+                <a:cs typeface="Times New Roman" panose="02020603050405020304" pitchFamily="18" charset="0"/>
+              </a:rPr>
+              <a:t>motor</a:t>
+            </a:r>
+            <a:r>
+              <a:rPr lang="pt-BR" sz="2000" dirty="0">
+                <a:latin typeface="Times New Roman" panose="02020603050405020304" pitchFamily="18" charset="0"/>
+                <a:cs typeface="Times New Roman" panose="02020603050405020304" pitchFamily="18" charset="0"/>
+              </a:rPr>
+              <a:t> deve ser </a:t>
+            </a:r>
+            <a:r>
+              <a:rPr lang="pt-BR" sz="2000" b="1" dirty="0">
+                <a:solidFill>
+                  <a:srgbClr val="FF0000"/>
+                </a:solidFill>
+                <a:latin typeface="Times New Roman" panose="02020603050405020304" pitchFamily="18" charset="0"/>
+                <a:cs typeface="Times New Roman" panose="02020603050405020304" pitchFamily="18" charset="0"/>
+              </a:rPr>
+              <a:t>acionado por 30 segundos</a:t>
+            </a:r>
+            <a:r>
+              <a:rPr lang="pt-BR" sz="2000" dirty="0">
+                <a:latin typeface="Times New Roman" panose="02020603050405020304" pitchFamily="18" charset="0"/>
+                <a:cs typeface="Times New Roman" panose="02020603050405020304" pitchFamily="18" charset="0"/>
+              </a:rPr>
+              <a:t> após a </a:t>
+            </a:r>
+            <a:r>
+              <a:rPr lang="pt-BR" sz="2000" b="1" dirty="0">
+                <a:latin typeface="Times New Roman" panose="02020603050405020304" pitchFamily="18" charset="0"/>
+                <a:cs typeface="Times New Roman" panose="02020603050405020304" pitchFamily="18" charset="0"/>
+              </a:rPr>
+              <a:t>ativação de um botão de emergência</a:t>
+            </a:r>
+            <a:r>
+              <a:rPr lang="pt-BR" sz="2000" dirty="0">
+                <a:latin typeface="Times New Roman" panose="02020603050405020304" pitchFamily="18" charset="0"/>
+                <a:cs typeface="Times New Roman" panose="02020603050405020304" pitchFamily="18" charset="0"/>
+              </a:rPr>
+              <a:t>:</a:t>
+            </a:r>
+            <a:endParaRPr lang="pt-BR" sz="2000" b="1" dirty="0">
+              <a:solidFill>
+                <a:srgbClr val="FF0000"/>
+              </a:solidFill>
+              <a:latin typeface="Times New Roman" panose="02020603050405020304" pitchFamily="18" charset="0"/>
+              <a:cs typeface="Times New Roman" panose="02020603050405020304" pitchFamily="18" charset="0"/>
+            </a:endParaRPr>
+          </a:p>
+          <a:p>
+            <a:pPr marL="0" indent="0" algn="just">
+              <a:buNone/>
+            </a:pPr>
+            <a:endParaRPr lang="pt-BR" sz="2000" dirty="0">
+              <a:latin typeface="Times New Roman" panose="02020603050405020304" pitchFamily="18" charset="0"/>
+              <a:cs typeface="Times New Roman" panose="02020603050405020304" pitchFamily="18" charset="0"/>
+            </a:endParaRPr>
+          </a:p>
+          <a:p>
+            <a:pPr marL="0" indent="0" algn="just">
+              <a:buNone/>
+            </a:pPr>
+            <a:r>
+              <a:rPr lang="pt-BR" sz="2000" dirty="0">
+                <a:latin typeface="Times New Roman" panose="02020603050405020304" pitchFamily="18" charset="0"/>
+                <a:cs typeface="Times New Roman" panose="02020603050405020304" pitchFamily="18" charset="0"/>
+              </a:rPr>
+              <a:t>|--[ </a:t>
+            </a:r>
+            <a:r>
+              <a:rPr lang="pt-BR" sz="2000" b="1" dirty="0">
+                <a:solidFill>
+                  <a:srgbClr val="FF0000"/>
+                </a:solidFill>
+                <a:latin typeface="Times New Roman" panose="02020603050405020304" pitchFamily="18" charset="0"/>
+                <a:cs typeface="Times New Roman" panose="02020603050405020304" pitchFamily="18" charset="0"/>
+              </a:rPr>
+              <a:t>Botão de Emergência </a:t>
+            </a:r>
+            <a:r>
+              <a:rPr lang="pt-BR" sz="2000" dirty="0">
+                <a:latin typeface="Times New Roman" panose="02020603050405020304" pitchFamily="18" charset="0"/>
+                <a:cs typeface="Times New Roman" panose="02020603050405020304" pitchFamily="18" charset="0"/>
+              </a:rPr>
+              <a:t>]----[ </a:t>
+            </a:r>
+            <a:r>
+              <a:rPr lang="pt-BR" sz="2000" b="1" dirty="0">
+                <a:latin typeface="Times New Roman" panose="02020603050405020304" pitchFamily="18" charset="0"/>
+                <a:cs typeface="Times New Roman" panose="02020603050405020304" pitchFamily="18" charset="0"/>
+              </a:rPr>
+              <a:t>TON</a:t>
+            </a:r>
+            <a:r>
+              <a:rPr lang="pt-BR" sz="2000" dirty="0">
+                <a:latin typeface="Times New Roman" panose="02020603050405020304" pitchFamily="18" charset="0"/>
+                <a:cs typeface="Times New Roman" panose="02020603050405020304" pitchFamily="18" charset="0"/>
+              </a:rPr>
+              <a:t> ]----|</a:t>
+            </a:r>
+          </a:p>
+          <a:p>
+            <a:pPr marL="0" indent="0" algn="just">
+              <a:buNone/>
+            </a:pPr>
+            <a:r>
+              <a:rPr lang="pt-BR" sz="2000" dirty="0">
+                <a:latin typeface="Times New Roman" panose="02020603050405020304" pitchFamily="18" charset="0"/>
+                <a:cs typeface="Times New Roman" panose="02020603050405020304" pitchFamily="18" charset="0"/>
+              </a:rPr>
+              <a:t>|                                        |</a:t>
+            </a:r>
+          </a:p>
+          <a:p>
+            <a:pPr marL="0" indent="0" algn="just">
+              <a:buNone/>
+            </a:pPr>
+            <a:r>
+              <a:rPr lang="pt-BR" sz="2000" dirty="0">
+                <a:latin typeface="Times New Roman" panose="02020603050405020304" pitchFamily="18" charset="0"/>
+                <a:cs typeface="Times New Roman" panose="02020603050405020304" pitchFamily="18" charset="0"/>
+              </a:rPr>
+              <a:t>|--[ </a:t>
+            </a:r>
+            <a:r>
+              <a:rPr lang="pt-BR" sz="2000" b="1" dirty="0">
+                <a:latin typeface="Times New Roman" panose="02020603050405020304" pitchFamily="18" charset="0"/>
+                <a:cs typeface="Times New Roman" panose="02020603050405020304" pitchFamily="18" charset="0"/>
+              </a:rPr>
+              <a:t>TON Q1 </a:t>
+            </a:r>
+            <a:r>
+              <a:rPr lang="pt-BR" sz="2000" dirty="0">
+                <a:latin typeface="Times New Roman" panose="02020603050405020304" pitchFamily="18" charset="0"/>
+                <a:cs typeface="Times New Roman" panose="02020603050405020304" pitchFamily="18" charset="0"/>
+              </a:rPr>
+              <a:t>]----------------[ </a:t>
+            </a:r>
+            <a:r>
+              <a:rPr lang="pt-BR" sz="2000" b="1" dirty="0">
+                <a:solidFill>
+                  <a:srgbClr val="FF0000"/>
+                </a:solidFill>
+                <a:latin typeface="Times New Roman" panose="02020603050405020304" pitchFamily="18" charset="0"/>
+                <a:cs typeface="Times New Roman" panose="02020603050405020304" pitchFamily="18" charset="0"/>
+              </a:rPr>
+              <a:t>Motor</a:t>
+            </a:r>
+            <a:r>
+              <a:rPr lang="pt-BR" sz="2000" dirty="0">
+                <a:latin typeface="Times New Roman" panose="02020603050405020304" pitchFamily="18" charset="0"/>
+                <a:cs typeface="Times New Roman" panose="02020603050405020304" pitchFamily="18" charset="0"/>
+              </a:rPr>
+              <a:t> ]--|</a:t>
+            </a:r>
+          </a:p>
+          <a:p>
+            <a:pPr marL="0" indent="0" algn="just">
+              <a:buNone/>
+            </a:pPr>
+            <a:endParaRPr lang="pt-BR" sz="2000" dirty="0">
+              <a:latin typeface="Times New Roman" panose="02020603050405020304" pitchFamily="18" charset="0"/>
+              <a:cs typeface="Times New Roman" panose="02020603050405020304" pitchFamily="18" charset="0"/>
+            </a:endParaRPr>
+          </a:p>
+          <a:p>
+            <a:pPr marL="0" indent="0" algn="just">
+              <a:buNone/>
+            </a:pPr>
+            <a:r>
+              <a:rPr lang="pt-BR" sz="2000" dirty="0">
+                <a:latin typeface="Times New Roman" panose="02020603050405020304" pitchFamily="18" charset="0"/>
+                <a:cs typeface="Times New Roman" panose="02020603050405020304" pitchFamily="18" charset="0"/>
+              </a:rPr>
+              <a:t>Ao pressionar o </a:t>
+            </a:r>
+            <a:r>
+              <a:rPr lang="pt-BR" sz="2000" b="1" dirty="0">
+                <a:solidFill>
+                  <a:srgbClr val="FF0000"/>
+                </a:solidFill>
+                <a:latin typeface="Times New Roman" panose="02020603050405020304" pitchFamily="18" charset="0"/>
+                <a:cs typeface="Times New Roman" panose="02020603050405020304" pitchFamily="18" charset="0"/>
+              </a:rPr>
+              <a:t>botão de emergência</a:t>
+            </a:r>
+            <a:r>
+              <a:rPr lang="pt-BR" sz="2000" dirty="0">
+                <a:latin typeface="Times New Roman" panose="02020603050405020304" pitchFamily="18" charset="0"/>
+                <a:cs typeface="Times New Roman" panose="02020603050405020304" pitchFamily="18" charset="0"/>
+              </a:rPr>
+              <a:t>, o </a:t>
+            </a:r>
+            <a:r>
+              <a:rPr lang="pt-BR" sz="2000" b="1" dirty="0">
+                <a:latin typeface="Times New Roman" panose="02020603050405020304" pitchFamily="18" charset="0"/>
+                <a:cs typeface="Times New Roman" panose="02020603050405020304" pitchFamily="18" charset="0"/>
+              </a:rPr>
+              <a:t>TON começa a contar 30 segundos</a:t>
+            </a:r>
+            <a:r>
+              <a:rPr lang="pt-BR" sz="2000" dirty="0">
+                <a:latin typeface="Times New Roman" panose="02020603050405020304" pitchFamily="18" charset="0"/>
+                <a:cs typeface="Times New Roman" panose="02020603050405020304" pitchFamily="18" charset="0"/>
+              </a:rPr>
+              <a:t>, e após esse tempo, o </a:t>
+            </a:r>
+            <a:r>
+              <a:rPr lang="pt-BR" sz="2000" b="1" dirty="0">
+                <a:latin typeface="Times New Roman" panose="02020603050405020304" pitchFamily="18" charset="0"/>
+                <a:cs typeface="Times New Roman" panose="02020603050405020304" pitchFamily="18" charset="0"/>
+              </a:rPr>
+              <a:t>motor será acionado</a:t>
+            </a:r>
+            <a:r>
+              <a:rPr lang="pt-BR" sz="2000" dirty="0">
+                <a:latin typeface="Times New Roman" panose="02020603050405020304" pitchFamily="18" charset="0"/>
+                <a:cs typeface="Times New Roman" panose="02020603050405020304" pitchFamily="18" charset="0"/>
+              </a:rPr>
+              <a:t>.</a:t>
+            </a:r>
+          </a:p>
+        </p:txBody>
+      </p:sp>
+    </p:spTree>
+    <p:extLst>
+      <p:ext uri="{BB962C8B-B14F-4D97-AF65-F5344CB8AC3E}">
+        <p14:creationId xmlns:p14="http://schemas.microsoft.com/office/powerpoint/2010/main" val="3210677202"/>
+      </p:ext>
+    </p:extLst>
+  </p:cSld>
+  <p:clrMapOvr>
+    <a:masterClrMapping/>
+  </p:clrMapOvr>
+  <p:transition spd="med"/>
+</p:sld>
+</file>
+
+<file path=ppt/slides/slide11.xml><?xml version="1.0" encoding="utf-8"?>
+<p:sld xmlns:a="http://schemas.openxmlformats.org/drawingml/2006/main" xmlns:r="http://schemas.openxmlformats.org/officeDocument/2006/relationships" xmlns:p="http://schemas.openxmlformats.org/presentationml/2006/main">
+  <p:cSld>
+    <p:spTree>
+      <p:nvGrpSpPr>
+        <p:cNvPr id="1" name="">
+          <a:extLst>
+            <a:ext uri="{FF2B5EF4-FFF2-40B4-BE49-F238E27FC236}">
+              <a16:creationId xmlns:a16="http://schemas.microsoft.com/office/drawing/2014/main" id="{CD709158-C894-4141-8546-38A642D8EA9D}"/>
+            </a:ext>
+          </a:extLst>
+        </p:cNvPr>
+        <p:cNvGrpSpPr/>
+        <p:nvPr/>
+      </p:nvGrpSpPr>
+      <p:grpSpPr>
+        <a:xfrm>
+          <a:off x="0" y="0"/>
+          <a:ext cx="0" cy="0"/>
+          <a:chOff x="0" y="0"/>
+          <a:chExt cx="0" cy="0"/>
+        </a:xfrm>
+      </p:grpSpPr>
+      <p:sp>
+        <p:nvSpPr>
+          <p:cNvPr id="6" name="Title 1">
+            <a:extLst>
+              <a:ext uri="{FF2B5EF4-FFF2-40B4-BE49-F238E27FC236}">
+                <a16:creationId xmlns:a16="http://schemas.microsoft.com/office/drawing/2014/main" id="{07B74926-777D-0681-AA2A-58611738AA5F}"/>
+              </a:ext>
+            </a:extLst>
+          </p:cNvPr>
+          <p:cNvSpPr>
+            <a:spLocks noGrp="1"/>
+          </p:cNvSpPr>
+          <p:nvPr>
+            <p:ph type="title"/>
+          </p:nvPr>
+        </p:nvSpPr>
+        <p:spPr>
+          <a:xfrm>
+            <a:off x="457200" y="205980"/>
+            <a:ext cx="8229600" cy="857251"/>
+          </a:xfrm>
+        </p:spPr>
+        <p:txBody>
+          <a:bodyPr>
+            <a:normAutofit/>
+          </a:bodyPr>
+          <a:lstStyle/>
+          <a:p>
+            <a:r>
+              <a:rPr lang="en-US" b="1" dirty="0">
+                <a:solidFill>
+                  <a:srgbClr val="0070C0"/>
+                </a:solidFill>
+              </a:rPr>
+              <a:t>CLP – </a:t>
+            </a:r>
+            <a:r>
+              <a:rPr lang="en-US" b="1" dirty="0" err="1">
+                <a:solidFill>
+                  <a:srgbClr val="0070C0"/>
+                </a:solidFill>
+              </a:rPr>
+              <a:t>Observações</a:t>
+            </a:r>
+            <a:r>
+              <a:rPr lang="en-US" b="1" dirty="0">
+                <a:solidFill>
+                  <a:srgbClr val="0070C0"/>
+                </a:solidFill>
+              </a:rPr>
+              <a:t> </a:t>
+            </a:r>
+            <a:r>
+              <a:rPr lang="en-US" b="1" dirty="0" err="1">
+                <a:solidFill>
+                  <a:srgbClr val="0070C0"/>
+                </a:solidFill>
+              </a:rPr>
+              <a:t>Cont</a:t>
+            </a:r>
+            <a:r>
+              <a:rPr lang="en-US" b="1" dirty="0">
+                <a:solidFill>
+                  <a:srgbClr val="0070C0"/>
+                </a:solidFill>
+              </a:rPr>
+              <a:t>/Temp</a:t>
+            </a:r>
+          </a:p>
+        </p:txBody>
+      </p:sp>
+      <p:sp>
+        <p:nvSpPr>
+          <p:cNvPr id="8" name="Text Placeholder 2">
+            <a:extLst>
+              <a:ext uri="{FF2B5EF4-FFF2-40B4-BE49-F238E27FC236}">
+                <a16:creationId xmlns:a16="http://schemas.microsoft.com/office/drawing/2014/main" id="{D625F6B3-8F9C-98DA-CE21-92EADC5B1083}"/>
+              </a:ext>
+            </a:extLst>
+          </p:cNvPr>
+          <p:cNvSpPr>
+            <a:spLocks noGrp="1"/>
+          </p:cNvSpPr>
+          <p:nvPr>
+            <p:ph type="body" sz="half" idx="1"/>
+          </p:nvPr>
+        </p:nvSpPr>
+        <p:spPr>
+          <a:xfrm>
+            <a:off x="142865" y="1035050"/>
+            <a:ext cx="8865056" cy="3994150"/>
+          </a:xfrm>
+        </p:spPr>
+        <p:txBody>
+          <a:bodyPr>
+            <a:noAutofit/>
+          </a:bodyPr>
+          <a:lstStyle/>
+          <a:p>
+            <a:pPr marL="0" indent="0" algn="just">
+              <a:buNone/>
+            </a:pPr>
+            <a:r>
+              <a:rPr lang="pt-BR" sz="2200" b="1" dirty="0">
+                <a:latin typeface="Times New Roman" panose="02020603050405020304" pitchFamily="18" charset="0"/>
+                <a:cs typeface="Times New Roman" panose="02020603050405020304" pitchFamily="18" charset="0"/>
+              </a:rPr>
+              <a:t>Teste e Ajuste</a:t>
+            </a:r>
+            <a:r>
+              <a:rPr lang="pt-BR" sz="2200" dirty="0">
+                <a:latin typeface="Times New Roman" panose="02020603050405020304" pitchFamily="18" charset="0"/>
+                <a:cs typeface="Times New Roman" panose="02020603050405020304" pitchFamily="18" charset="0"/>
+              </a:rPr>
+              <a:t>: É essencial testar a programação do CLP em um </a:t>
+            </a:r>
+            <a:r>
+              <a:rPr lang="pt-BR" sz="2200" b="1" dirty="0">
+                <a:solidFill>
+                  <a:srgbClr val="FF0000"/>
+                </a:solidFill>
+                <a:latin typeface="Times New Roman" panose="02020603050405020304" pitchFamily="18" charset="0"/>
+                <a:cs typeface="Times New Roman" panose="02020603050405020304" pitchFamily="18" charset="0"/>
+              </a:rPr>
+              <a:t>ambiente controlado</a:t>
+            </a:r>
+            <a:r>
+              <a:rPr lang="pt-BR" sz="2200" dirty="0">
+                <a:latin typeface="Times New Roman" panose="02020603050405020304" pitchFamily="18" charset="0"/>
+                <a:cs typeface="Times New Roman" panose="02020603050405020304" pitchFamily="18" charset="0"/>
+              </a:rPr>
+              <a:t> para garantir que todos os temporizadores e contadores estejam funcionando corretamente.</a:t>
+            </a:r>
+          </a:p>
+          <a:p>
+            <a:pPr marL="0" indent="0" algn="just">
+              <a:buNone/>
+            </a:pPr>
+            <a:endParaRPr lang="pt-BR" sz="2200" dirty="0">
+              <a:latin typeface="Times New Roman" panose="02020603050405020304" pitchFamily="18" charset="0"/>
+              <a:cs typeface="Times New Roman" panose="02020603050405020304" pitchFamily="18" charset="0"/>
+            </a:endParaRPr>
+          </a:p>
+          <a:p>
+            <a:pPr marL="0" indent="0" algn="just">
+              <a:buNone/>
+            </a:pPr>
+            <a:r>
+              <a:rPr lang="pt-BR" sz="2200" b="1" dirty="0">
+                <a:latin typeface="Times New Roman" panose="02020603050405020304" pitchFamily="18" charset="0"/>
+                <a:cs typeface="Times New Roman" panose="02020603050405020304" pitchFamily="18" charset="0"/>
+              </a:rPr>
+              <a:t>Aplicações Diversas</a:t>
+            </a:r>
+            <a:r>
+              <a:rPr lang="pt-BR" sz="2200" dirty="0">
+                <a:latin typeface="Times New Roman" panose="02020603050405020304" pitchFamily="18" charset="0"/>
+                <a:cs typeface="Times New Roman" panose="02020603050405020304" pitchFamily="18" charset="0"/>
+              </a:rPr>
+              <a:t>: </a:t>
+            </a:r>
+            <a:r>
+              <a:rPr lang="pt-BR" sz="2200" b="1" dirty="0">
+                <a:solidFill>
+                  <a:srgbClr val="FF0000"/>
+                </a:solidFill>
+                <a:latin typeface="Times New Roman" panose="02020603050405020304" pitchFamily="18" charset="0"/>
+                <a:cs typeface="Times New Roman" panose="02020603050405020304" pitchFamily="18" charset="0"/>
+              </a:rPr>
+              <a:t>Contadores e temporizadores </a:t>
+            </a:r>
+            <a:r>
+              <a:rPr lang="pt-BR" sz="2200" dirty="0">
+                <a:latin typeface="Times New Roman" panose="02020603050405020304" pitchFamily="18" charset="0"/>
+                <a:cs typeface="Times New Roman" panose="02020603050405020304" pitchFamily="18" charset="0"/>
+              </a:rPr>
+              <a:t>são amplamente usados em </a:t>
+            </a:r>
+            <a:r>
+              <a:rPr lang="pt-BR" sz="2200" b="1" dirty="0">
+                <a:latin typeface="Times New Roman" panose="02020603050405020304" pitchFamily="18" charset="0"/>
+                <a:cs typeface="Times New Roman" panose="02020603050405020304" pitchFamily="18" charset="0"/>
+              </a:rPr>
+              <a:t>processos industriais</a:t>
+            </a:r>
+            <a:r>
+              <a:rPr lang="pt-BR" sz="2200" dirty="0">
+                <a:latin typeface="Times New Roman" panose="02020603050405020304" pitchFamily="18" charset="0"/>
+                <a:cs typeface="Times New Roman" panose="02020603050405020304" pitchFamily="18" charset="0"/>
+              </a:rPr>
+              <a:t>, desde a </a:t>
+            </a:r>
+            <a:r>
+              <a:rPr lang="pt-BR" sz="2200" b="1" dirty="0">
+                <a:latin typeface="Times New Roman" panose="02020603050405020304" pitchFamily="18" charset="0"/>
+                <a:cs typeface="Times New Roman" panose="02020603050405020304" pitchFamily="18" charset="0"/>
+              </a:rPr>
+              <a:t>contagem</a:t>
+            </a:r>
+            <a:r>
+              <a:rPr lang="pt-BR" sz="2200" dirty="0">
+                <a:latin typeface="Times New Roman" panose="02020603050405020304" pitchFamily="18" charset="0"/>
+                <a:cs typeface="Times New Roman" panose="02020603050405020304" pitchFamily="18" charset="0"/>
+              </a:rPr>
+              <a:t> </a:t>
+            </a:r>
+            <a:r>
+              <a:rPr lang="pt-BR" sz="2200" b="1" dirty="0">
+                <a:latin typeface="Times New Roman" panose="02020603050405020304" pitchFamily="18" charset="0"/>
+                <a:cs typeface="Times New Roman" panose="02020603050405020304" pitchFamily="18" charset="0"/>
+              </a:rPr>
+              <a:t>de produção </a:t>
+            </a:r>
+            <a:r>
+              <a:rPr lang="pt-BR" sz="2200" dirty="0">
+                <a:latin typeface="Times New Roman" panose="02020603050405020304" pitchFamily="18" charset="0"/>
+                <a:cs typeface="Times New Roman" panose="02020603050405020304" pitchFamily="18" charset="0"/>
+              </a:rPr>
+              <a:t>até a </a:t>
+            </a:r>
+            <a:r>
+              <a:rPr lang="pt-BR" sz="2200" b="1" dirty="0">
+                <a:solidFill>
+                  <a:srgbClr val="FF0000"/>
+                </a:solidFill>
+                <a:latin typeface="Times New Roman" panose="02020603050405020304" pitchFamily="18" charset="0"/>
+                <a:cs typeface="Times New Roman" panose="02020603050405020304" pitchFamily="18" charset="0"/>
+              </a:rPr>
+              <a:t>sincronização de operações</a:t>
+            </a:r>
+            <a:r>
+              <a:rPr lang="pt-BR" sz="2200" dirty="0">
+                <a:latin typeface="Times New Roman" panose="02020603050405020304" pitchFamily="18" charset="0"/>
+                <a:cs typeface="Times New Roman" panose="02020603050405020304" pitchFamily="18" charset="0"/>
+              </a:rPr>
+              <a:t>.</a:t>
+            </a:r>
+          </a:p>
+        </p:txBody>
+      </p:sp>
+    </p:spTree>
+    <p:extLst>
+      <p:ext uri="{BB962C8B-B14F-4D97-AF65-F5344CB8AC3E}">
+        <p14:creationId xmlns:p14="http://schemas.microsoft.com/office/powerpoint/2010/main" val="713822469"/>
+      </p:ext>
+    </p:extLst>
+  </p:cSld>
+  <p:clrMapOvr>
+    <a:masterClrMapping/>
+  </p:clrMapOvr>
+  <p:transition spd="med"/>
+</p:sld>
+</file>
+
+<file path=ppt/slides/slide12.xml><?xml version="1.0" encoding="utf-8"?>
+<p:sld xmlns:a="http://schemas.openxmlformats.org/drawingml/2006/main" xmlns:r="http://schemas.openxmlformats.org/officeDocument/2006/relationships" xmlns:p="http://schemas.openxmlformats.org/presentationml/2006/main">
+  <p:cSld>
+    <p:spTree>
+      <p:nvGrpSpPr>
+        <p:cNvPr id="1" name=""/>
+        <p:cNvGrpSpPr/>
+        <p:nvPr/>
+      </p:nvGrpSpPr>
+      <p:grpSpPr>
+        <a:xfrm>
+          <a:off x="0" y="0"/>
+          <a:ext cx="0" cy="0"/>
+          <a:chOff x="0" y="0"/>
+          <a:chExt cx="0" cy="0"/>
+        </a:xfrm>
+      </p:grpSpPr>
+      <p:sp>
+        <p:nvSpPr>
+          <p:cNvPr id="6" name="Title 1"/>
+          <p:cNvSpPr>
+            <a:spLocks noGrp="1"/>
+          </p:cNvSpPr>
+          <p:nvPr>
+            <p:ph type="title"/>
+          </p:nvPr>
+        </p:nvSpPr>
+        <p:spPr>
+          <a:xfrm>
+            <a:off x="457200" y="205980"/>
+            <a:ext cx="8229600" cy="857251"/>
+          </a:xfrm>
+        </p:spPr>
+        <p:txBody>
+          <a:bodyPr>
+            <a:normAutofit/>
+          </a:bodyPr>
+          <a:lstStyle/>
+          <a:p>
+            <a:r>
+              <a:rPr lang="en-US" b="1" dirty="0" err="1">
+                <a:solidFill>
+                  <a:srgbClr val="0070C0"/>
+                </a:solidFill>
+              </a:rPr>
+              <a:t>Leitura</a:t>
+            </a:r>
+            <a:r>
+              <a:rPr lang="en-US" b="1" dirty="0">
+                <a:solidFill>
+                  <a:srgbClr val="0070C0"/>
+                </a:solidFill>
+              </a:rPr>
+              <a:t> </a:t>
+            </a:r>
+            <a:r>
+              <a:rPr lang="en-US" b="1" dirty="0" err="1">
+                <a:solidFill>
+                  <a:srgbClr val="0070C0"/>
+                </a:solidFill>
+              </a:rPr>
+              <a:t>Específica</a:t>
+            </a:r>
+            <a:endParaRPr lang="en-US" b="1" dirty="0">
+              <a:solidFill>
+                <a:srgbClr val="0070C0"/>
+              </a:solidFill>
+            </a:endParaRPr>
+          </a:p>
+        </p:txBody>
+      </p:sp>
+      <p:sp>
+        <p:nvSpPr>
+          <p:cNvPr id="8" name="Text Placeholder 2"/>
+          <p:cNvSpPr>
+            <a:spLocks noGrp="1"/>
+          </p:cNvSpPr>
+          <p:nvPr>
+            <p:ph type="body" sz="half" idx="1"/>
+          </p:nvPr>
+        </p:nvSpPr>
+        <p:spPr>
+          <a:xfrm>
+            <a:off x="142865" y="1200150"/>
+            <a:ext cx="8865056" cy="3737369"/>
+          </a:xfrm>
+        </p:spPr>
+        <p:txBody>
+          <a:bodyPr>
+            <a:noAutofit/>
+          </a:bodyPr>
+          <a:lstStyle/>
+          <a:p>
+            <a:pPr marL="0" indent="0" algn="just">
+              <a:buNone/>
+            </a:pPr>
+            <a:r>
+              <a:rPr lang="pt-BR" sz="2200" dirty="0">
+                <a:latin typeface="Times New Roman" panose="02020603050405020304" pitchFamily="18" charset="0"/>
+                <a:cs typeface="Times New Roman" panose="02020603050405020304" pitchFamily="18" charset="0"/>
+              </a:rPr>
+              <a:t>[1] </a:t>
+            </a:r>
+            <a:r>
+              <a:rPr lang="pt-BR" sz="2200" b="1" dirty="0">
+                <a:latin typeface="Times New Roman" panose="02020603050405020304" pitchFamily="18" charset="0"/>
+                <a:cs typeface="Times New Roman" panose="02020603050405020304" pitchFamily="18" charset="0"/>
+              </a:rPr>
+              <a:t>CLP Contador</a:t>
+            </a:r>
+            <a:r>
+              <a:rPr lang="pt-BR" sz="2200" dirty="0">
+                <a:latin typeface="Times New Roman" panose="02020603050405020304" pitchFamily="18" charset="0"/>
+                <a:cs typeface="Times New Roman" panose="02020603050405020304" pitchFamily="18" charset="0"/>
+              </a:rPr>
+              <a:t>.</a:t>
+            </a:r>
+          </a:p>
+          <a:p>
+            <a:pPr marL="0" indent="0" algn="just">
+              <a:buNone/>
+            </a:pPr>
+            <a:r>
+              <a:rPr lang="pt-BR" sz="2200" b="1" dirty="0">
+                <a:solidFill>
+                  <a:srgbClr val="FF0000"/>
+                </a:solidFill>
+                <a:latin typeface="Times New Roman" panose="02020603050405020304" pitchFamily="18" charset="0"/>
+                <a:cs typeface="Times New Roman" panose="02020603050405020304" pitchFamily="18" charset="0"/>
+              </a:rPr>
+              <a:t>Disponível em: </a:t>
+            </a:r>
+            <a:r>
+              <a:rPr lang="pt-BR" sz="2200" dirty="0">
+                <a:solidFill>
+                  <a:srgbClr val="FF0000"/>
+                </a:solidFill>
+                <a:latin typeface="Times New Roman" panose="02020603050405020304" pitchFamily="18" charset="0"/>
+                <a:cs typeface="Times New Roman" panose="02020603050405020304" pitchFamily="18" charset="0"/>
+                <a:hlinkClick r:id="rId3"/>
+              </a:rPr>
+              <a:t>https://repositorio.ifes.edu.br/xmlui/handle/123456789/2292</a:t>
+            </a:r>
+            <a:r>
+              <a:rPr lang="pt-BR" sz="2200" dirty="0">
+                <a:solidFill>
+                  <a:srgbClr val="FF0000"/>
+                </a:solidFill>
+                <a:latin typeface="Times New Roman" panose="02020603050405020304" pitchFamily="18" charset="0"/>
+                <a:cs typeface="Times New Roman" panose="02020603050405020304" pitchFamily="18" charset="0"/>
+              </a:rPr>
+              <a:t> </a:t>
+            </a:r>
+          </a:p>
+          <a:p>
+            <a:pPr marL="0" indent="0" algn="just">
+              <a:buNone/>
+            </a:pPr>
+            <a:endParaRPr lang="pt-BR" sz="2200" b="1" dirty="0">
+              <a:solidFill>
+                <a:srgbClr val="FF0000"/>
+              </a:solidFill>
+              <a:latin typeface="Times New Roman" panose="02020603050405020304" pitchFamily="18" charset="0"/>
+              <a:cs typeface="Times New Roman" panose="02020603050405020304" pitchFamily="18" charset="0"/>
+            </a:endParaRPr>
+          </a:p>
+          <a:p>
+            <a:pPr marL="0" indent="0" algn="just">
+              <a:buNone/>
+            </a:pPr>
+            <a:endParaRPr lang="pt-BR" sz="2200" dirty="0">
+              <a:latin typeface="Times New Roman" panose="02020603050405020304" pitchFamily="18" charset="0"/>
+              <a:cs typeface="Times New Roman" panose="02020603050405020304" pitchFamily="18" charset="0"/>
+            </a:endParaRPr>
+          </a:p>
+          <a:p>
+            <a:pPr marL="0" indent="0" algn="just">
+              <a:buNone/>
+            </a:pPr>
+            <a:r>
+              <a:rPr lang="pt-BR" sz="2200" dirty="0">
+                <a:latin typeface="Times New Roman" panose="02020603050405020304" pitchFamily="18" charset="0"/>
+                <a:cs typeface="Times New Roman" panose="02020603050405020304" pitchFamily="18" charset="0"/>
+              </a:rPr>
+              <a:t>[2] </a:t>
+            </a:r>
+            <a:r>
+              <a:rPr lang="pt-BR" sz="2200" b="1" dirty="0">
+                <a:latin typeface="Times New Roman" panose="02020603050405020304" pitchFamily="18" charset="0"/>
+                <a:cs typeface="Times New Roman" panose="02020603050405020304" pitchFamily="18" charset="0"/>
+              </a:rPr>
+              <a:t>CLP Temporizador</a:t>
+            </a:r>
+            <a:r>
+              <a:rPr lang="pt-BR" sz="2200" dirty="0">
+                <a:latin typeface="Times New Roman" panose="02020603050405020304" pitchFamily="18" charset="0"/>
+                <a:cs typeface="Times New Roman" panose="02020603050405020304" pitchFamily="18" charset="0"/>
+              </a:rPr>
+              <a:t>. </a:t>
+            </a:r>
+          </a:p>
+          <a:p>
+            <a:pPr marL="0" indent="0" algn="just">
+              <a:buNone/>
+            </a:pPr>
+            <a:r>
+              <a:rPr lang="pt-BR" sz="2200" b="1" dirty="0">
+                <a:solidFill>
+                  <a:srgbClr val="FF0000"/>
+                </a:solidFill>
+                <a:latin typeface="Times New Roman" panose="02020603050405020304" pitchFamily="18" charset="0"/>
+                <a:cs typeface="Times New Roman" panose="02020603050405020304" pitchFamily="18" charset="0"/>
+              </a:rPr>
+              <a:t>Disponível em:</a:t>
+            </a:r>
+          </a:p>
+          <a:p>
+            <a:pPr marL="0" indent="0" algn="just">
+              <a:buNone/>
+            </a:pPr>
+            <a:r>
+              <a:rPr lang="pt-BR" sz="2200" b="1" dirty="0">
+                <a:solidFill>
+                  <a:srgbClr val="FF0000"/>
+                </a:solidFill>
+                <a:latin typeface="Times New Roman" panose="02020603050405020304" pitchFamily="18" charset="0"/>
+                <a:cs typeface="Times New Roman" panose="02020603050405020304" pitchFamily="18" charset="0"/>
+              </a:rPr>
+              <a:t>    </a:t>
+            </a:r>
+            <a:r>
+              <a:rPr lang="pt-BR" sz="2200" dirty="0">
+                <a:solidFill>
+                  <a:srgbClr val="FF0000"/>
+                </a:solidFill>
+                <a:latin typeface="Times New Roman" panose="02020603050405020304" pitchFamily="18" charset="0"/>
+                <a:cs typeface="Times New Roman" panose="02020603050405020304" pitchFamily="18" charset="0"/>
+                <a:hlinkClick r:id="rId4"/>
+              </a:rPr>
+              <a:t>https://adelpha-api.mackenzie.br/server/api/core/bitstreams/1a281174-83e1-4543-bff8-7ee799751d2a/content</a:t>
+            </a:r>
+            <a:endParaRPr lang="pt-BR" sz="2200" dirty="0">
+              <a:latin typeface="Calibri" panose="020F0502020204030204" pitchFamily="34" charset="0"/>
+            </a:endParaRPr>
+          </a:p>
+        </p:txBody>
+      </p:sp>
+    </p:spTree>
+    <p:extLst>
+      <p:ext uri="{BB962C8B-B14F-4D97-AF65-F5344CB8AC3E}">
+        <p14:creationId xmlns:p14="http://schemas.microsoft.com/office/powerpoint/2010/main" val="3680270425"/>
+      </p:ext>
+    </p:extLst>
+  </p:cSld>
+  <p:clrMapOvr>
+    <a:masterClrMapping/>
+  </p:clrMapOvr>
+  <p:transition spd="med"/>
+</p:sld>
+</file>
+
+<file path=ppt/slides/slide13.xml><?xml version="1.0" encoding="utf-8"?>
+<p:sld xmlns:a="http://schemas.openxmlformats.org/drawingml/2006/main" xmlns:r="http://schemas.openxmlformats.org/officeDocument/2006/relationships" xmlns:p="http://schemas.openxmlformats.org/presentationml/2006/main">
+  <p:cSld>
+    <p:spTree>
+      <p:nvGrpSpPr>
+        <p:cNvPr id="1" name=""/>
+        <p:cNvGrpSpPr/>
+        <p:nvPr/>
+      </p:nvGrpSpPr>
+      <p:grpSpPr>
+        <a:xfrm>
+          <a:off x="0" y="0"/>
+          <a:ext cx="0" cy="0"/>
+          <a:chOff x="0" y="0"/>
+          <a:chExt cx="0" cy="0"/>
+        </a:xfrm>
+      </p:grpSpPr>
+      <p:sp>
+        <p:nvSpPr>
+          <p:cNvPr id="6" name="Title 1"/>
+          <p:cNvSpPr>
+            <a:spLocks noGrp="1"/>
+          </p:cNvSpPr>
+          <p:nvPr>
+            <p:ph type="title"/>
+          </p:nvPr>
+        </p:nvSpPr>
+        <p:spPr>
+          <a:xfrm>
+            <a:off x="457200" y="205980"/>
+            <a:ext cx="8229600" cy="857251"/>
+          </a:xfrm>
+        </p:spPr>
+        <p:txBody>
+          <a:bodyPr>
+            <a:normAutofit/>
+          </a:bodyPr>
+          <a:lstStyle/>
+          <a:p>
+            <a:r>
+              <a:rPr lang="en-US" b="1" dirty="0" err="1">
+                <a:solidFill>
+                  <a:srgbClr val="0070C0"/>
+                </a:solidFill>
+              </a:rPr>
+              <a:t>Aprenda</a:t>
+            </a:r>
+            <a:r>
+              <a:rPr lang="en-US" b="1" dirty="0">
+                <a:solidFill>
+                  <a:srgbClr val="0070C0"/>
+                </a:solidFill>
+              </a:rPr>
+              <a:t>+</a:t>
+            </a:r>
+          </a:p>
+        </p:txBody>
+      </p:sp>
+      <p:sp>
+        <p:nvSpPr>
+          <p:cNvPr id="8" name="Text Placeholder 2"/>
+          <p:cNvSpPr>
+            <a:spLocks noGrp="1"/>
+          </p:cNvSpPr>
+          <p:nvPr>
+            <p:ph type="body" sz="half" idx="1"/>
+          </p:nvPr>
+        </p:nvSpPr>
+        <p:spPr>
+          <a:xfrm>
+            <a:off x="142865" y="1200150"/>
+            <a:ext cx="8865056" cy="3737370"/>
+          </a:xfrm>
+        </p:spPr>
+        <p:txBody>
+          <a:bodyPr>
+            <a:noAutofit/>
+          </a:bodyPr>
+          <a:lstStyle/>
+          <a:p>
+            <a:pPr marL="0" indent="0" algn="just">
+              <a:buNone/>
+            </a:pPr>
+            <a:r>
+              <a:rPr lang="pt-BR" sz="2200" dirty="0">
+                <a:latin typeface="Times New Roman" panose="02020603050405020304" pitchFamily="18" charset="0"/>
+                <a:cs typeface="Times New Roman" panose="02020603050405020304" pitchFamily="18" charset="0"/>
+              </a:rPr>
+              <a:t>[1] </a:t>
+            </a:r>
+            <a:r>
+              <a:rPr lang="pt-BR" sz="2200" b="1" dirty="0">
+                <a:latin typeface="Times New Roman" panose="02020603050405020304" pitchFamily="18" charset="0"/>
+                <a:cs typeface="Times New Roman" panose="02020603050405020304" pitchFamily="18" charset="0"/>
+              </a:rPr>
+              <a:t>CLP Contador.</a:t>
+            </a:r>
+          </a:p>
+          <a:p>
+            <a:pPr marL="0" indent="0" algn="just">
+              <a:buNone/>
+            </a:pPr>
+            <a:r>
+              <a:rPr lang="pt-BR" sz="2200" b="1" dirty="0">
+                <a:solidFill>
+                  <a:srgbClr val="FF0000"/>
+                </a:solidFill>
+                <a:latin typeface="Times New Roman" panose="02020603050405020304" pitchFamily="18" charset="0"/>
+                <a:cs typeface="Times New Roman" panose="02020603050405020304" pitchFamily="18" charset="0"/>
+              </a:rPr>
+              <a:t>Disponível em: </a:t>
+            </a:r>
+            <a:r>
+              <a:rPr lang="pt-BR" sz="2200" dirty="0">
+                <a:latin typeface="Times New Roman" panose="02020603050405020304" pitchFamily="18" charset="0"/>
+                <a:cs typeface="Times New Roman" panose="02020603050405020304" pitchFamily="18" charset="0"/>
+                <a:hlinkClick r:id="rId3"/>
+              </a:rPr>
+              <a:t>https://youtu.be/T78zVX_4mSM</a:t>
+            </a:r>
+            <a:r>
+              <a:rPr lang="pt-BR" sz="2200" dirty="0">
+                <a:latin typeface="Times New Roman" panose="02020603050405020304" pitchFamily="18" charset="0"/>
+                <a:cs typeface="Times New Roman" panose="02020603050405020304" pitchFamily="18" charset="0"/>
+              </a:rPr>
+              <a:t> </a:t>
+            </a:r>
+          </a:p>
+          <a:p>
+            <a:pPr marL="0" indent="0" algn="just">
+              <a:buNone/>
+            </a:pPr>
+            <a:endParaRPr lang="pt-BR" sz="2200" dirty="0">
+              <a:latin typeface="Times New Roman" panose="02020603050405020304" pitchFamily="18" charset="0"/>
+              <a:cs typeface="Times New Roman" panose="02020603050405020304" pitchFamily="18" charset="0"/>
+            </a:endParaRPr>
+          </a:p>
+          <a:p>
+            <a:pPr marL="0" indent="0" algn="just">
+              <a:buNone/>
+            </a:pPr>
+            <a:endParaRPr lang="pt-BR" sz="2200" dirty="0">
+              <a:latin typeface="Times New Roman" panose="02020603050405020304" pitchFamily="18" charset="0"/>
+              <a:cs typeface="Times New Roman" panose="02020603050405020304" pitchFamily="18" charset="0"/>
+            </a:endParaRPr>
+          </a:p>
+          <a:p>
+            <a:pPr marL="0" indent="0" algn="just">
+              <a:buNone/>
+            </a:pPr>
+            <a:endParaRPr lang="pt-BR" sz="2200" dirty="0">
+              <a:latin typeface="Times New Roman" panose="02020603050405020304" pitchFamily="18" charset="0"/>
+              <a:cs typeface="Times New Roman" panose="02020603050405020304" pitchFamily="18" charset="0"/>
+            </a:endParaRPr>
+          </a:p>
+          <a:p>
+            <a:pPr marL="0" indent="0" algn="just">
+              <a:buNone/>
+            </a:pPr>
+            <a:r>
+              <a:rPr lang="pt-BR" sz="2200" dirty="0">
+                <a:latin typeface="Times New Roman" panose="02020603050405020304" pitchFamily="18" charset="0"/>
+                <a:cs typeface="Times New Roman" panose="02020603050405020304" pitchFamily="18" charset="0"/>
+              </a:rPr>
+              <a:t>[2] </a:t>
+            </a:r>
+            <a:r>
+              <a:rPr lang="pt-BR" sz="2200" b="1" dirty="0">
+                <a:latin typeface="Times New Roman" panose="02020603050405020304" pitchFamily="18" charset="0"/>
+                <a:cs typeface="Times New Roman" panose="02020603050405020304" pitchFamily="18" charset="0"/>
+              </a:rPr>
+              <a:t>CLP Temporizador.</a:t>
+            </a:r>
+          </a:p>
+          <a:p>
+            <a:pPr marL="0" indent="0" algn="just">
+              <a:buNone/>
+            </a:pPr>
+            <a:r>
+              <a:rPr lang="pt-BR" sz="2200" b="1" dirty="0">
+                <a:solidFill>
+                  <a:srgbClr val="FF0000"/>
+                </a:solidFill>
+                <a:latin typeface="Times New Roman" panose="02020603050405020304" pitchFamily="18" charset="0"/>
+                <a:cs typeface="Times New Roman" panose="02020603050405020304" pitchFamily="18" charset="0"/>
+              </a:rPr>
+              <a:t>Disponível em: </a:t>
+            </a:r>
+            <a:r>
+              <a:rPr lang="pt-BR" sz="2200" dirty="0">
+                <a:solidFill>
+                  <a:srgbClr val="FF0000"/>
+                </a:solidFill>
+                <a:latin typeface="Times New Roman" panose="02020603050405020304" pitchFamily="18" charset="0"/>
+                <a:cs typeface="Times New Roman" panose="02020603050405020304" pitchFamily="18" charset="0"/>
+                <a:hlinkClick r:id="rId4"/>
+              </a:rPr>
+              <a:t>https://youtu.be/qCLIVbpyXPU</a:t>
+            </a:r>
+            <a:r>
+              <a:rPr lang="pt-BR" sz="2200" dirty="0">
+                <a:solidFill>
+                  <a:srgbClr val="FF0000"/>
+                </a:solidFill>
+                <a:latin typeface="Times New Roman" panose="02020603050405020304" pitchFamily="18" charset="0"/>
+                <a:cs typeface="Times New Roman" panose="02020603050405020304" pitchFamily="18" charset="0"/>
+              </a:rPr>
+              <a:t> </a:t>
+            </a:r>
+            <a:endParaRPr lang="pt-BR" sz="2200" dirty="0">
+              <a:latin typeface="Times New Roman" panose="02020603050405020304" pitchFamily="18" charset="0"/>
+              <a:cs typeface="Times New Roman" panose="02020603050405020304" pitchFamily="18" charset="0"/>
+            </a:endParaRPr>
+          </a:p>
+        </p:txBody>
+      </p:sp>
+    </p:spTree>
+    <p:extLst>
+      <p:ext uri="{BB962C8B-B14F-4D97-AF65-F5344CB8AC3E}">
+        <p14:creationId xmlns:p14="http://schemas.microsoft.com/office/powerpoint/2010/main" val="2747596967"/>
+      </p:ext>
+    </p:extLst>
+  </p:cSld>
+  <p:clrMapOvr>
+    <a:masterClrMapping/>
+  </p:clrMapOvr>
+  <p:transition spd="med"/>
+</p:sld>
+</file>
+
+<file path=ppt/slides/slide14.xml><?xml version="1.0" encoding="utf-8"?>
+<p:sld xmlns:a="http://schemas.openxmlformats.org/drawingml/2006/main" xmlns:r="http://schemas.openxmlformats.org/officeDocument/2006/relationships" xmlns:p="http://schemas.openxmlformats.org/presentationml/2006/main">
+  <p:cSld>
+    <p:spTree>
+      <p:nvGrpSpPr>
+        <p:cNvPr id="1" name="">
+          <a:extLst>
+            <a:ext uri="{FF2B5EF4-FFF2-40B4-BE49-F238E27FC236}">
+              <a16:creationId xmlns:a16="http://schemas.microsoft.com/office/drawing/2014/main" id="{2953AC7D-8CF9-A63F-57A2-D983DEB50039}"/>
+            </a:ext>
+          </a:extLst>
+        </p:cNvPr>
+        <p:cNvGrpSpPr/>
+        <p:nvPr/>
+      </p:nvGrpSpPr>
+      <p:grpSpPr>
+        <a:xfrm>
+          <a:off x="0" y="0"/>
+          <a:ext cx="0" cy="0"/>
+          <a:chOff x="0" y="0"/>
+          <a:chExt cx="0" cy="0"/>
+        </a:xfrm>
+      </p:grpSpPr>
+      <p:sp>
+        <p:nvSpPr>
+          <p:cNvPr id="6" name="Title 1">
+            <a:extLst>
+              <a:ext uri="{FF2B5EF4-FFF2-40B4-BE49-F238E27FC236}">
+                <a16:creationId xmlns:a16="http://schemas.microsoft.com/office/drawing/2014/main" id="{CC4C3A19-ED0C-1CE0-1512-03DBBA8E622A}"/>
+              </a:ext>
+            </a:extLst>
+          </p:cNvPr>
+          <p:cNvSpPr>
+            <a:spLocks noGrp="1"/>
+          </p:cNvSpPr>
+          <p:nvPr>
+            <p:ph type="title"/>
+          </p:nvPr>
+        </p:nvSpPr>
+        <p:spPr>
+          <a:xfrm>
+            <a:off x="457200" y="205980"/>
+            <a:ext cx="8229600" cy="857251"/>
+          </a:xfrm>
+        </p:spPr>
+        <p:txBody>
+          <a:bodyPr>
+            <a:normAutofit/>
+          </a:bodyPr>
+          <a:lstStyle/>
+          <a:p>
+            <a:r>
+              <a:rPr lang="en-US" b="1" dirty="0" err="1">
+                <a:solidFill>
+                  <a:srgbClr val="0070C0"/>
+                </a:solidFill>
+              </a:rPr>
+              <a:t>Dinâmica</a:t>
+            </a:r>
+            <a:r>
+              <a:rPr lang="en-US" b="1" dirty="0">
+                <a:solidFill>
+                  <a:srgbClr val="0070C0"/>
+                </a:solidFill>
+              </a:rPr>
+              <a:t>/</a:t>
+            </a:r>
+            <a:r>
+              <a:rPr lang="en-US" b="1" dirty="0" err="1">
+                <a:solidFill>
+                  <a:srgbClr val="0070C0"/>
+                </a:solidFill>
+              </a:rPr>
+              <a:t>Atividades</a:t>
+            </a:r>
+            <a:endParaRPr lang="en-US" b="1" dirty="0">
+              <a:solidFill>
+                <a:srgbClr val="0070C0"/>
+              </a:solidFill>
+            </a:endParaRPr>
+          </a:p>
+        </p:txBody>
+      </p:sp>
+      <p:sp>
+        <p:nvSpPr>
+          <p:cNvPr id="8" name="Text Placeholder 2">
+            <a:extLst>
+              <a:ext uri="{FF2B5EF4-FFF2-40B4-BE49-F238E27FC236}">
+                <a16:creationId xmlns:a16="http://schemas.microsoft.com/office/drawing/2014/main" id="{B45119E1-EF11-7248-2ADA-8776A0D7E7E3}"/>
+              </a:ext>
+            </a:extLst>
+          </p:cNvPr>
+          <p:cNvSpPr>
+            <a:spLocks noGrp="1"/>
+          </p:cNvSpPr>
+          <p:nvPr>
+            <p:ph type="body" sz="half" idx="1"/>
+          </p:nvPr>
+        </p:nvSpPr>
+        <p:spPr>
+          <a:xfrm>
+            <a:off x="142865" y="1035050"/>
+            <a:ext cx="8865056" cy="3994150"/>
+          </a:xfrm>
+        </p:spPr>
+        <p:txBody>
+          <a:bodyPr>
+            <a:noAutofit/>
+          </a:bodyPr>
+          <a:lstStyle/>
+          <a:p>
+            <a:pPr algn="just">
+              <a:buFont typeface="Wingdings" panose="05000000000000000000" pitchFamily="2" charset="2"/>
+              <a:buChar char="§"/>
+            </a:pPr>
+            <a:r>
+              <a:rPr lang="pt-BR" sz="2200" b="1" dirty="0">
+                <a:solidFill>
+                  <a:schemeClr val="tx1"/>
+                </a:solidFill>
+                <a:latin typeface="Times New Roman" panose="02020603050405020304" pitchFamily="18" charset="0"/>
+                <a:cs typeface="Times New Roman" panose="02020603050405020304" pitchFamily="18" charset="0"/>
+              </a:rPr>
+              <a:t>Criar um diagrama </a:t>
+            </a:r>
+            <a:r>
+              <a:rPr lang="pt-BR" sz="2200" b="1" dirty="0" err="1">
+                <a:solidFill>
+                  <a:schemeClr val="tx1"/>
+                </a:solidFill>
+                <a:latin typeface="Times New Roman" panose="02020603050405020304" pitchFamily="18" charset="0"/>
+                <a:cs typeface="Times New Roman" panose="02020603050405020304" pitchFamily="18" charset="0"/>
+              </a:rPr>
+              <a:t>Ladder</a:t>
+            </a:r>
+            <a:r>
+              <a:rPr lang="pt-BR" sz="2200" b="1" dirty="0">
+                <a:solidFill>
+                  <a:schemeClr val="tx1"/>
+                </a:solidFill>
+                <a:latin typeface="Times New Roman" panose="02020603050405020304" pitchFamily="18" charset="0"/>
+                <a:cs typeface="Times New Roman" panose="02020603050405020304" pitchFamily="18" charset="0"/>
+              </a:rPr>
+              <a:t> </a:t>
+            </a:r>
+            <a:r>
+              <a:rPr lang="pt-BR" sz="2200" dirty="0">
+                <a:solidFill>
+                  <a:schemeClr val="tx1"/>
+                </a:solidFill>
+                <a:latin typeface="Times New Roman" panose="02020603050405020304" pitchFamily="18" charset="0"/>
+                <a:cs typeface="Times New Roman" panose="02020603050405020304" pitchFamily="18" charset="0"/>
+              </a:rPr>
+              <a:t>que conte o número de peças em uma linha de produção e, ao atingir 100 peças, acione uma saída de alarme.</a:t>
+            </a:r>
+          </a:p>
+          <a:p>
+            <a:pPr marL="0" indent="0" algn="just">
+              <a:buNone/>
+            </a:pPr>
+            <a:endParaRPr lang="pt-BR" sz="2200" dirty="0">
+              <a:solidFill>
+                <a:schemeClr val="tx1"/>
+              </a:solidFill>
+              <a:latin typeface="Times New Roman" panose="02020603050405020304" pitchFamily="18" charset="0"/>
+              <a:cs typeface="Times New Roman" panose="02020603050405020304" pitchFamily="18" charset="0"/>
+            </a:endParaRPr>
+          </a:p>
+          <a:p>
+            <a:pPr marL="0" indent="0" algn="just">
+              <a:buNone/>
+            </a:pPr>
+            <a:endParaRPr lang="pt-BR" sz="2200" dirty="0">
+              <a:solidFill>
+                <a:schemeClr val="tx1"/>
+              </a:solidFill>
+              <a:latin typeface="Times New Roman" panose="02020603050405020304" pitchFamily="18" charset="0"/>
+              <a:cs typeface="Times New Roman" panose="02020603050405020304" pitchFamily="18" charset="0"/>
+            </a:endParaRPr>
+          </a:p>
+          <a:p>
+            <a:pPr algn="just">
+              <a:buFont typeface="Wingdings" panose="05000000000000000000" pitchFamily="2" charset="2"/>
+              <a:buChar char="§"/>
+            </a:pPr>
+            <a:r>
+              <a:rPr lang="pt-BR" sz="2200" b="1" dirty="0">
+                <a:solidFill>
+                  <a:schemeClr val="tx1"/>
+                </a:solidFill>
+                <a:latin typeface="Times New Roman" panose="02020603050405020304" pitchFamily="18" charset="0"/>
+                <a:cs typeface="Times New Roman" panose="02020603050405020304" pitchFamily="18" charset="0"/>
+              </a:rPr>
+              <a:t>Criar um diagrama </a:t>
+            </a:r>
+            <a:r>
+              <a:rPr lang="pt-BR" sz="2200" b="1" dirty="0" err="1">
+                <a:solidFill>
+                  <a:schemeClr val="tx1"/>
+                </a:solidFill>
+                <a:latin typeface="Times New Roman" panose="02020603050405020304" pitchFamily="18" charset="0"/>
+                <a:cs typeface="Times New Roman" panose="02020603050405020304" pitchFamily="18" charset="0"/>
+              </a:rPr>
+              <a:t>Ladder</a:t>
+            </a:r>
+            <a:r>
+              <a:rPr lang="pt-BR" sz="2200" b="1" dirty="0">
+                <a:solidFill>
+                  <a:schemeClr val="tx1"/>
+                </a:solidFill>
+                <a:latin typeface="Times New Roman" panose="02020603050405020304" pitchFamily="18" charset="0"/>
+                <a:cs typeface="Times New Roman" panose="02020603050405020304" pitchFamily="18" charset="0"/>
+              </a:rPr>
+              <a:t> </a:t>
+            </a:r>
+            <a:r>
+              <a:rPr lang="pt-BR" sz="2200" dirty="0">
+                <a:solidFill>
+                  <a:schemeClr val="tx1"/>
+                </a:solidFill>
+                <a:latin typeface="Times New Roman" panose="02020603050405020304" pitchFamily="18" charset="0"/>
+                <a:cs typeface="Times New Roman" panose="02020603050405020304" pitchFamily="18" charset="0"/>
+              </a:rPr>
+              <a:t>que acione uma válvula por 5 segundos sempre que um botão de pressão for pressionado.</a:t>
+            </a:r>
+          </a:p>
+        </p:txBody>
+      </p:sp>
+    </p:spTree>
+    <p:extLst>
+      <p:ext uri="{BB962C8B-B14F-4D97-AF65-F5344CB8AC3E}">
+        <p14:creationId xmlns:p14="http://schemas.microsoft.com/office/powerpoint/2010/main" val="2976682751"/>
+      </p:ext>
+    </p:extLst>
+  </p:cSld>
+  <p:clrMapOvr>
+    <a:masterClrMapping/>
+  </p:clrMapOvr>
+  <p:transition spd="med"/>
+</p:sld>
+</file>
+
+<file path=ppt/slides/slide15.xml><?xml version="1.0" encoding="utf-8"?>
+<p:sld xmlns:a="http://schemas.openxmlformats.org/drawingml/2006/main" xmlns:r="http://schemas.openxmlformats.org/officeDocument/2006/relationships" xmlns:p="http://schemas.openxmlformats.org/presentationml/2006/main">
+  <p:cSld>
+    <p:spTree>
+      <p:nvGrpSpPr>
+        <p:cNvPr id="1" name=""/>
+        <p:cNvGrpSpPr/>
+        <p:nvPr/>
+      </p:nvGrpSpPr>
+      <p:grpSpPr>
+        <a:xfrm>
+          <a:off x="0" y="0"/>
+          <a:ext cx="0" cy="0"/>
+          <a:chOff x="0" y="0"/>
+          <a:chExt cx="0" cy="0"/>
+        </a:xfrm>
+      </p:grpSpPr>
+      <p:sp>
+        <p:nvSpPr>
+          <p:cNvPr id="6" name="Title 1"/>
+          <p:cNvSpPr>
+            <a:spLocks noGrp="1"/>
+          </p:cNvSpPr>
+          <p:nvPr>
+            <p:ph type="title"/>
+          </p:nvPr>
+        </p:nvSpPr>
+        <p:spPr>
+          <a:xfrm>
+            <a:off x="457200" y="205980"/>
+            <a:ext cx="8229600" cy="857251"/>
+          </a:xfrm>
+        </p:spPr>
+        <p:txBody>
+          <a:bodyPr>
+            <a:normAutofit/>
+          </a:bodyPr>
+          <a:lstStyle/>
+          <a:p>
+            <a:r>
+              <a:rPr lang="en-US" b="1" dirty="0" err="1">
+                <a:solidFill>
+                  <a:srgbClr val="0070C0"/>
+                </a:solidFill>
+              </a:rPr>
+              <a:t>Referências</a:t>
+            </a:r>
+            <a:r>
+              <a:rPr lang="en-US" b="1" dirty="0">
+                <a:solidFill>
+                  <a:srgbClr val="0070C0"/>
+                </a:solidFill>
+              </a:rPr>
+              <a:t> </a:t>
+            </a:r>
+            <a:r>
+              <a:rPr lang="en-US" b="1" dirty="0" err="1">
+                <a:solidFill>
+                  <a:srgbClr val="0070C0"/>
+                </a:solidFill>
+              </a:rPr>
+              <a:t>Bibliográficas</a:t>
+            </a:r>
+            <a:endParaRPr lang="en-US" b="1" dirty="0">
+              <a:solidFill>
+                <a:srgbClr val="0070C0"/>
+              </a:solidFill>
+            </a:endParaRPr>
+          </a:p>
+        </p:txBody>
+      </p:sp>
+      <p:sp>
+        <p:nvSpPr>
+          <p:cNvPr id="8" name="Text Placeholder 2"/>
+          <p:cNvSpPr>
+            <a:spLocks noGrp="1"/>
+          </p:cNvSpPr>
+          <p:nvPr>
+            <p:ph type="body" sz="half" idx="1"/>
+          </p:nvPr>
+        </p:nvSpPr>
+        <p:spPr>
+          <a:xfrm>
+            <a:off x="139472" y="1063230"/>
+            <a:ext cx="8865056" cy="3874289"/>
+          </a:xfrm>
+        </p:spPr>
+        <p:txBody>
+          <a:bodyPr>
+            <a:noAutofit/>
+          </a:bodyPr>
+          <a:lstStyle/>
+          <a:p>
+            <a:pPr marL="0" indent="0" algn="just">
+              <a:buNone/>
+            </a:pPr>
+            <a:r>
+              <a:rPr lang="pt-BR" sz="2000" dirty="0">
+                <a:latin typeface="Times New Roman" panose="02020603050405020304" pitchFamily="18" charset="0"/>
+                <a:cs typeface="Times New Roman" panose="02020603050405020304" pitchFamily="18" charset="0"/>
+              </a:rPr>
+              <a:t>[1] </a:t>
+            </a:r>
+            <a:r>
+              <a:rPr lang="pt-BR" sz="2000" b="1" dirty="0">
+                <a:solidFill>
+                  <a:srgbClr val="FF0000"/>
+                </a:solidFill>
+                <a:latin typeface="Times New Roman" panose="02020603050405020304" pitchFamily="18" charset="0"/>
+                <a:cs typeface="Times New Roman" panose="02020603050405020304" pitchFamily="18" charset="0"/>
+              </a:rPr>
+              <a:t>OLIVEIRA, Renan Mainardi de</a:t>
+            </a:r>
+            <a:r>
+              <a:rPr lang="pt-BR" sz="2000" dirty="0">
+                <a:latin typeface="Times New Roman" panose="02020603050405020304" pitchFamily="18" charset="0"/>
+                <a:cs typeface="Times New Roman" panose="02020603050405020304" pitchFamily="18" charset="0"/>
+              </a:rPr>
+              <a:t>. Um sistema de controle de vagas e identificação do tipo de veículo em um estacionamento usando CLP. 2022.</a:t>
+            </a:r>
+            <a:endParaRPr lang="pt-BR" sz="2000" b="1" dirty="0">
+              <a:latin typeface="Times New Roman" panose="02020603050405020304" pitchFamily="18" charset="0"/>
+              <a:cs typeface="Times New Roman" panose="02020603050405020304" pitchFamily="18" charset="0"/>
+            </a:endParaRPr>
+          </a:p>
+          <a:p>
+            <a:pPr marL="0" indent="0" algn="just">
+              <a:buNone/>
+            </a:pPr>
+            <a:endParaRPr lang="en-US" sz="2000" dirty="0">
+              <a:latin typeface="Times New Roman" panose="02020603050405020304" pitchFamily="18" charset="0"/>
+              <a:cs typeface="Times New Roman" panose="02020603050405020304" pitchFamily="18" charset="0"/>
+            </a:endParaRPr>
+          </a:p>
+          <a:p>
+            <a:pPr marL="0" indent="0" algn="just">
+              <a:buNone/>
+            </a:pPr>
+            <a:endParaRPr lang="en-US" sz="2000" dirty="0">
+              <a:latin typeface="Times New Roman" panose="02020603050405020304" pitchFamily="18" charset="0"/>
+              <a:cs typeface="Times New Roman" panose="02020603050405020304" pitchFamily="18" charset="0"/>
+            </a:endParaRPr>
+          </a:p>
+          <a:p>
+            <a:pPr marL="0" indent="0" algn="just">
+              <a:buNone/>
+            </a:pPr>
+            <a:r>
+              <a:rPr lang="pt-BR" sz="2000" dirty="0">
+                <a:latin typeface="Times New Roman" panose="02020603050405020304" pitchFamily="18" charset="0"/>
+                <a:cs typeface="Times New Roman" panose="02020603050405020304" pitchFamily="18" charset="0"/>
+              </a:rPr>
+              <a:t>[2] </a:t>
+            </a:r>
+            <a:r>
+              <a:rPr lang="pt-BR" sz="2000" b="1" dirty="0">
+                <a:solidFill>
+                  <a:srgbClr val="FF0000"/>
+                </a:solidFill>
+                <a:latin typeface="Times New Roman" panose="02020603050405020304" pitchFamily="18" charset="0"/>
+                <a:cs typeface="Times New Roman" panose="02020603050405020304" pitchFamily="18" charset="0"/>
+              </a:rPr>
+              <a:t>ASSUMPÇÃO, Lucas André Sandrini de</a:t>
+            </a:r>
+            <a:r>
+              <a:rPr lang="pt-BR" sz="2000" dirty="0">
+                <a:latin typeface="Times New Roman" panose="02020603050405020304" pitchFamily="18" charset="0"/>
+                <a:cs typeface="Times New Roman" panose="02020603050405020304" pitchFamily="18" charset="0"/>
+              </a:rPr>
+              <a:t>. A automação inserida no processo de modificação de engenharia de um veículo para otimização de custos. 2021. </a:t>
+            </a:r>
+          </a:p>
+          <a:p>
+            <a:pPr marL="0" indent="0" algn="just">
+              <a:buNone/>
+            </a:pPr>
+            <a:endParaRPr lang="pt-BR" sz="2000" b="1" dirty="0">
+              <a:latin typeface="Times New Roman" panose="02020603050405020304" pitchFamily="18" charset="0"/>
+              <a:cs typeface="Times New Roman" panose="02020603050405020304" pitchFamily="18" charset="0"/>
+            </a:endParaRPr>
+          </a:p>
+          <a:p>
+            <a:pPr marL="0" indent="0" algn="just">
+              <a:buNone/>
+            </a:pPr>
+            <a:endParaRPr lang="pt-BR" sz="2000" b="1" dirty="0">
+              <a:latin typeface="Times New Roman" panose="02020603050405020304" pitchFamily="18" charset="0"/>
+              <a:cs typeface="Times New Roman" panose="02020603050405020304" pitchFamily="18" charset="0"/>
+            </a:endParaRPr>
+          </a:p>
+          <a:p>
+            <a:pPr marL="0" indent="0" algn="just">
+              <a:buNone/>
+            </a:pPr>
+            <a:r>
+              <a:rPr lang="pt-BR" sz="2000" dirty="0">
+                <a:latin typeface="Times New Roman" panose="02020603050405020304" pitchFamily="18" charset="0"/>
+                <a:cs typeface="Times New Roman" panose="02020603050405020304" pitchFamily="18" charset="0"/>
+              </a:rPr>
+              <a:t>[3] </a:t>
+            </a:r>
+            <a:r>
+              <a:rPr lang="pt-BR" sz="2000" b="1" dirty="0">
+                <a:solidFill>
+                  <a:srgbClr val="FF0000"/>
+                </a:solidFill>
+                <a:latin typeface="Times New Roman" panose="02020603050405020304" pitchFamily="18" charset="0"/>
+                <a:cs typeface="Times New Roman" panose="02020603050405020304" pitchFamily="18" charset="0"/>
+              </a:rPr>
+              <a:t>SOUZA, Vitor Amadeu</a:t>
+            </a:r>
+            <a:r>
+              <a:rPr lang="pt-BR" sz="2000" dirty="0">
+                <a:latin typeface="Times New Roman" panose="02020603050405020304" pitchFamily="18" charset="0"/>
+                <a:cs typeface="Times New Roman" panose="02020603050405020304" pitchFamily="18" charset="0"/>
+              </a:rPr>
+              <a:t>. Princípios de Automação Industrial com CLP. Clube de Autores, 2013.</a:t>
+            </a:r>
+          </a:p>
+        </p:txBody>
+      </p:sp>
+    </p:spTree>
+    <p:extLst>
+      <p:ext uri="{BB962C8B-B14F-4D97-AF65-F5344CB8AC3E}">
+        <p14:creationId xmlns:p14="http://schemas.microsoft.com/office/powerpoint/2010/main" val="1115311843"/>
+      </p:ext>
+    </p:extLst>
+  </p:cSld>
+  <p:clrMapOvr>
+    <a:masterClrMapping/>
+  </p:clrMapOvr>
+  <p:transition spd="med"/>
+</p:sld>
+</file>
+
+<file path=ppt/slides/slide16.xml><?xml version="1.0" encoding="utf-8"?>
+<p:sld xmlns:a="http://schemas.openxmlformats.org/drawingml/2006/main" xmlns:r="http://schemas.openxmlformats.org/officeDocument/2006/relationships" xmlns:p="http://schemas.openxmlformats.org/presentationml/2006/main">
+  <p:cSld>
+    <p:spTree>
+      <p:nvGrpSpPr>
+        <p:cNvPr id="1" name=""/>
+        <p:cNvGrpSpPr/>
+        <p:nvPr/>
+      </p:nvGrpSpPr>
+      <p:grpSpPr>
+        <a:xfrm>
+          <a:off x="0" y="0"/>
+          <a:ext cx="0" cy="0"/>
+          <a:chOff x="0" y="0"/>
+          <a:chExt cx="0" cy="0"/>
+        </a:xfrm>
+      </p:grpSpPr>
+      <p:pic>
+        <p:nvPicPr>
+          <p:cNvPr id="112" name="Picture 6" descr="Picture 6"/>
+          <p:cNvPicPr>
+            <a:picLocks noChangeAspect="1"/>
+          </p:cNvPicPr>
+          <p:nvPr/>
+        </p:nvPicPr>
+        <p:blipFill>
+          <a:blip r:embed="rId2"/>
+          <a:stretch>
+            <a:fillRect/>
+          </a:stretch>
+        </p:blipFill>
+        <p:spPr>
+          <a:xfrm>
+            <a:off x="0" y="0"/>
+            <a:ext cx="9144000" cy="5143500"/>
+          </a:xfrm>
+          <a:prstGeom prst="rect">
+            <a:avLst/>
+          </a:prstGeom>
+          <a:ln w="12700">
+            <a:miter lim="400000"/>
+            <a:headEnd/>
+            <a:tailEnd/>
+          </a:ln>
+        </p:spPr>
+      </p:pic>
+      <p:pic>
+        <p:nvPicPr>
+          <p:cNvPr id="114" name="Picture 5" descr="Picture 5"/>
+          <p:cNvPicPr>
+            <a:picLocks noChangeAspect="1"/>
+          </p:cNvPicPr>
+          <p:nvPr/>
+        </p:nvPicPr>
+        <p:blipFill>
+          <a:blip r:embed="rId3"/>
+          <a:stretch>
+            <a:fillRect/>
+          </a:stretch>
+        </p:blipFill>
+        <p:spPr>
+          <a:xfrm>
+            <a:off x="469900" y="0"/>
+            <a:ext cx="4391984" cy="171450"/>
+          </a:xfrm>
+          <a:prstGeom prst="rect">
+            <a:avLst/>
+          </a:prstGeom>
+          <a:ln w="12700">
+            <a:miter lim="400000"/>
+            <a:headEnd/>
+            <a:tailEnd/>
+          </a:ln>
+        </p:spPr>
+      </p:pic>
+      <p:sp>
+        <p:nvSpPr>
+          <p:cNvPr id="3" name="Título 2"/>
+          <p:cNvSpPr>
+            <a:spLocks noGrp="1"/>
+          </p:cNvSpPr>
+          <p:nvPr>
+            <p:ph type="title"/>
+          </p:nvPr>
+        </p:nvSpPr>
+        <p:spPr>
+          <a:xfrm>
+            <a:off x="285751" y="2386770"/>
+            <a:ext cx="8615364" cy="1102519"/>
+          </a:xfrm>
+        </p:spPr>
+        <p:txBody>
+          <a:bodyPr>
+            <a:noAutofit/>
+          </a:bodyPr>
+          <a:lstStyle/>
+          <a:p>
+            <a:r>
+              <a:rPr lang="pt-BR" sz="4800" b="1" dirty="0">
+                <a:solidFill>
+                  <a:schemeClr val="bg1"/>
+                </a:solidFill>
+              </a:rPr>
+              <a:t>Controladores Lógicos e Programáveis (CLP)</a:t>
+            </a:r>
+          </a:p>
+        </p:txBody>
+      </p:sp>
+      <p:sp>
+        <p:nvSpPr>
+          <p:cNvPr id="6" name="Título 2"/>
+          <p:cNvSpPr txBox="1"/>
+          <p:nvPr/>
+        </p:nvSpPr>
+        <p:spPr>
+          <a:xfrm>
+            <a:off x="975683" y="3866663"/>
+            <a:ext cx="7772400" cy="1102519"/>
+          </a:xfrm>
+          <a:prstGeom prst="rect">
+            <a:avLst/>
+          </a:prstGeom>
+          <a:ln w="12700">
+            <a:miter lim="400000"/>
+          </a:ln>
+        </p:spPr>
+        <p:txBody>
+          <a:bodyPr lIns="45718" tIns="45718" rIns="45718" bIns="45718" anchor="ctr">
+            <a:noAutofit/>
+          </a:bodyPr>
+          <a:lstStyle>
+            <a:lvl1pPr marL="0" marR="0" indent="0" algn="ctr" defTabSz="457200" rtl="0" latinLnBrk="0">
+              <a:lnSpc>
+                <a:spcPct val="100000"/>
+              </a:lnSpc>
+              <a:spcBef>
+                <a:spcPts val="0"/>
+              </a:spcBef>
+              <a:spcAft>
+                <a:spcPts val="0"/>
+              </a:spcAft>
+              <a:buClrTx/>
+              <a:buSzTx/>
+              <a:buFontTx/>
+              <a:buNone/>
+              <a:defRPr sz="4400" b="0" i="0" u="none" strike="noStrike" cap="none" spc="0" baseline="0">
+                <a:ln>
+                  <a:noFill/>
+                </a:ln>
+                <a:solidFill>
+                  <a:srgbClr val="000000"/>
+                </a:solidFill>
+                <a:uFillTx/>
+                <a:latin typeface="+mj-lt"/>
+                <a:ea typeface="+mj-ea"/>
+                <a:cs typeface="+mj-cs"/>
+                <a:sym typeface="Calibri"/>
+              </a:defRPr>
+            </a:lvl1pPr>
+            <a:lvl2pPr marL="0" marR="0" indent="0" algn="ctr" defTabSz="457200" rtl="0" latinLnBrk="0">
+              <a:lnSpc>
+                <a:spcPct val="100000"/>
+              </a:lnSpc>
+              <a:spcBef>
+                <a:spcPts val="0"/>
+              </a:spcBef>
+              <a:spcAft>
+                <a:spcPts val="0"/>
+              </a:spcAft>
+              <a:buClrTx/>
+              <a:buSzTx/>
+              <a:buFontTx/>
+              <a:buNone/>
+              <a:defRPr sz="4400" b="0" i="0" u="none" strike="noStrike" cap="none" spc="0" baseline="0">
+                <a:ln>
+                  <a:noFill/>
+                </a:ln>
+                <a:solidFill>
+                  <a:srgbClr val="000000"/>
+                </a:solidFill>
+                <a:uFillTx/>
+                <a:latin typeface="+mj-lt"/>
+                <a:ea typeface="+mj-ea"/>
+                <a:cs typeface="+mj-cs"/>
+                <a:sym typeface="Calibri"/>
+              </a:defRPr>
+            </a:lvl2pPr>
+            <a:lvl3pPr marL="0" marR="0" indent="0" algn="ctr" defTabSz="457200" rtl="0" latinLnBrk="0">
+              <a:lnSpc>
+                <a:spcPct val="100000"/>
+              </a:lnSpc>
+              <a:spcBef>
+                <a:spcPts val="0"/>
+              </a:spcBef>
+              <a:spcAft>
+                <a:spcPts val="0"/>
+              </a:spcAft>
+              <a:buClrTx/>
+              <a:buSzTx/>
+              <a:buFontTx/>
+              <a:buNone/>
+              <a:defRPr sz="4400" b="0" i="0" u="none" strike="noStrike" cap="none" spc="0" baseline="0">
+                <a:ln>
+                  <a:noFill/>
+                </a:ln>
+                <a:solidFill>
+                  <a:srgbClr val="000000"/>
+                </a:solidFill>
+                <a:uFillTx/>
+                <a:latin typeface="+mj-lt"/>
+                <a:ea typeface="+mj-ea"/>
+                <a:cs typeface="+mj-cs"/>
+                <a:sym typeface="Calibri"/>
+              </a:defRPr>
+            </a:lvl3pPr>
+            <a:lvl4pPr marL="0" marR="0" indent="0" algn="ctr" defTabSz="457200" rtl="0" latinLnBrk="0">
+              <a:lnSpc>
+                <a:spcPct val="100000"/>
+              </a:lnSpc>
+              <a:spcBef>
+                <a:spcPts val="0"/>
+              </a:spcBef>
+              <a:spcAft>
+                <a:spcPts val="0"/>
+              </a:spcAft>
+              <a:buClrTx/>
+              <a:buSzTx/>
+              <a:buFontTx/>
+              <a:buNone/>
+              <a:defRPr sz="4400" b="0" i="0" u="none" strike="noStrike" cap="none" spc="0" baseline="0">
+                <a:ln>
+                  <a:noFill/>
+                </a:ln>
+                <a:solidFill>
+                  <a:srgbClr val="000000"/>
+                </a:solidFill>
+                <a:uFillTx/>
+                <a:latin typeface="+mj-lt"/>
+                <a:ea typeface="+mj-ea"/>
+                <a:cs typeface="+mj-cs"/>
+                <a:sym typeface="Calibri"/>
+              </a:defRPr>
+            </a:lvl4pPr>
+            <a:lvl5pPr marL="0" marR="0" indent="0" algn="ctr" defTabSz="457200" rtl="0" latinLnBrk="0">
+              <a:lnSpc>
+                <a:spcPct val="100000"/>
+              </a:lnSpc>
+              <a:spcBef>
+                <a:spcPts val="0"/>
+              </a:spcBef>
+              <a:spcAft>
+                <a:spcPts val="0"/>
+              </a:spcAft>
+              <a:buClrTx/>
+              <a:buSzTx/>
+              <a:buFontTx/>
+              <a:buNone/>
+              <a:defRPr sz="4400" b="0" i="0" u="none" strike="noStrike" cap="none" spc="0" baseline="0">
+                <a:ln>
+                  <a:noFill/>
+                </a:ln>
+                <a:solidFill>
+                  <a:srgbClr val="000000"/>
+                </a:solidFill>
+                <a:uFillTx/>
+                <a:latin typeface="+mj-lt"/>
+                <a:ea typeface="+mj-ea"/>
+                <a:cs typeface="+mj-cs"/>
+                <a:sym typeface="Calibri"/>
+              </a:defRPr>
+            </a:lvl5pPr>
+            <a:lvl6pPr marL="0" marR="0" indent="0" algn="ctr" defTabSz="457200" rtl="0" latinLnBrk="0">
+              <a:lnSpc>
+                <a:spcPct val="100000"/>
+              </a:lnSpc>
+              <a:spcBef>
+                <a:spcPts val="0"/>
+              </a:spcBef>
+              <a:spcAft>
+                <a:spcPts val="0"/>
+              </a:spcAft>
+              <a:buClrTx/>
+              <a:buSzTx/>
+              <a:buFontTx/>
+              <a:buNone/>
+              <a:defRPr sz="4400" b="0" i="0" u="none" strike="noStrike" cap="none" spc="0" baseline="0">
+                <a:ln>
+                  <a:noFill/>
+                </a:ln>
+                <a:solidFill>
+                  <a:srgbClr val="000000"/>
+                </a:solidFill>
+                <a:uFillTx/>
+                <a:latin typeface="+mj-lt"/>
+                <a:ea typeface="+mj-ea"/>
+                <a:cs typeface="+mj-cs"/>
+                <a:sym typeface="Calibri"/>
+              </a:defRPr>
+            </a:lvl6pPr>
+            <a:lvl7pPr marL="0" marR="0" indent="0" algn="ctr" defTabSz="457200" rtl="0" latinLnBrk="0">
+              <a:lnSpc>
+                <a:spcPct val="100000"/>
+              </a:lnSpc>
+              <a:spcBef>
+                <a:spcPts val="0"/>
+              </a:spcBef>
+              <a:spcAft>
+                <a:spcPts val="0"/>
+              </a:spcAft>
+              <a:buClrTx/>
+              <a:buSzTx/>
+              <a:buFontTx/>
+              <a:buNone/>
+              <a:defRPr sz="4400" b="0" i="0" u="none" strike="noStrike" cap="none" spc="0" baseline="0">
+                <a:ln>
+                  <a:noFill/>
+                </a:ln>
+                <a:solidFill>
+                  <a:srgbClr val="000000"/>
+                </a:solidFill>
+                <a:uFillTx/>
+                <a:latin typeface="+mj-lt"/>
+                <a:ea typeface="+mj-ea"/>
+                <a:cs typeface="+mj-cs"/>
+                <a:sym typeface="Calibri"/>
+              </a:defRPr>
+            </a:lvl7pPr>
+            <a:lvl8pPr marL="0" marR="0" indent="0" algn="ctr" defTabSz="457200" rtl="0" latinLnBrk="0">
+              <a:lnSpc>
+                <a:spcPct val="100000"/>
+              </a:lnSpc>
+              <a:spcBef>
+                <a:spcPts val="0"/>
+              </a:spcBef>
+              <a:spcAft>
+                <a:spcPts val="0"/>
+              </a:spcAft>
+              <a:buClrTx/>
+              <a:buSzTx/>
+              <a:buFontTx/>
+              <a:buNone/>
+              <a:defRPr sz="4400" b="0" i="0" u="none" strike="noStrike" cap="none" spc="0" baseline="0">
+                <a:ln>
+                  <a:noFill/>
+                </a:ln>
+                <a:solidFill>
+                  <a:srgbClr val="000000"/>
+                </a:solidFill>
+                <a:uFillTx/>
+                <a:latin typeface="+mj-lt"/>
+                <a:ea typeface="+mj-ea"/>
+                <a:cs typeface="+mj-cs"/>
+                <a:sym typeface="Calibri"/>
+              </a:defRPr>
+            </a:lvl8pPr>
+            <a:lvl9pPr marL="0" marR="0" indent="0" algn="ctr" defTabSz="457200" rtl="0" latinLnBrk="0">
+              <a:lnSpc>
+                <a:spcPct val="100000"/>
+              </a:lnSpc>
+              <a:spcBef>
+                <a:spcPts val="0"/>
+              </a:spcBef>
+              <a:spcAft>
+                <a:spcPts val="0"/>
+              </a:spcAft>
+              <a:buClrTx/>
+              <a:buSzTx/>
+              <a:buFontTx/>
+              <a:buNone/>
+              <a:defRPr sz="4400" b="0" i="0" u="none" strike="noStrike" cap="none" spc="0" baseline="0">
+                <a:ln>
+                  <a:noFill/>
+                </a:ln>
+                <a:solidFill>
+                  <a:srgbClr val="000000"/>
+                </a:solidFill>
+                <a:uFillTx/>
+                <a:latin typeface="+mj-lt"/>
+                <a:ea typeface="+mj-ea"/>
+                <a:cs typeface="+mj-cs"/>
+                <a:sym typeface="Calibri"/>
+              </a:defRPr>
+            </a:lvl9pPr>
+          </a:lstStyle>
+          <a:p>
+            <a:pPr algn="r" hangingPunct="1"/>
+            <a:r>
+              <a:rPr lang="pt-BR" sz="2000" b="1" dirty="0">
+                <a:solidFill>
+                  <a:schemeClr val="bg1"/>
+                </a:solidFill>
+              </a:rPr>
+              <a:t>Professor </a:t>
+            </a:r>
+            <a:r>
+              <a:rPr lang="pt-BR" sz="2000" b="1">
+                <a:solidFill>
+                  <a:schemeClr val="bg1"/>
+                </a:solidFill>
+              </a:rPr>
+              <a:t>M.Sc</a:t>
+            </a:r>
+            <a:r>
+              <a:rPr lang="pt-BR" sz="2000" b="1" dirty="0">
+                <a:solidFill>
+                  <a:schemeClr val="bg1"/>
+                </a:solidFill>
+              </a:rPr>
+              <a:t>. Heleno Cardoso</a:t>
+            </a:r>
+          </a:p>
+        </p:txBody>
+      </p:sp>
+      <p:pic>
+        <p:nvPicPr>
+          <p:cNvPr id="2" name="Google Shape;62;p1" descr="Imagem">
+            <a:extLst>
+              <a:ext uri="{FF2B5EF4-FFF2-40B4-BE49-F238E27FC236}">
+                <a16:creationId xmlns:a16="http://schemas.microsoft.com/office/drawing/2014/main" id="{9C895622-2963-024D-634E-EA58F5381D06}"/>
+              </a:ext>
+            </a:extLst>
+          </p:cNvPr>
+          <p:cNvPicPr preferRelativeResize="0"/>
+          <p:nvPr/>
+        </p:nvPicPr>
+        <p:blipFill rotWithShape="1">
+          <a:blip r:embed="rId4">
+            <a:alphaModFix/>
+          </a:blip>
+          <a:srcRect/>
+          <a:stretch/>
+        </p:blipFill>
+        <p:spPr>
+          <a:xfrm>
+            <a:off x="469898" y="343798"/>
+            <a:ext cx="2858518" cy="1338697"/>
+          </a:xfrm>
+          <a:prstGeom prst="rect">
+            <a:avLst/>
+          </a:prstGeom>
+          <a:noFill/>
+          <a:ln>
+            <a:noFill/>
+          </a:ln>
+        </p:spPr>
+      </p:pic>
+    </p:spTree>
+  </p:cSld>
+  <p:clrMapOvr>
+    <a:masterClrMapping/>
+  </p:clrMapOvr>
+  <p:transition spd="med"/>
+</p:sld>
+</file>
+
 <file path=ppt/slides/slide2.xml><?xml version="1.0" encoding="utf-8"?>
 <p:sld xmlns:a="http://schemas.openxmlformats.org/drawingml/2006/main" xmlns:r="http://schemas.openxmlformats.org/officeDocument/2006/relationships" xmlns:p="http://schemas.openxmlformats.org/presentationml/2006/main">
   <p:cSld>
@@ -3971,7 +6753,7 @@
               </a:rPr>
             </a:br>
             <a:r>
-              <a:rPr lang="pt-BR" sz="3200" b="1">
+              <a:rPr lang="pt-BR" sz="3200" b="1" dirty="0">
                 <a:solidFill>
                   <a:schemeClr val="bg1"/>
                 </a:solidFill>
@@ -3991,7 +6773,7 @@
                   <a:schemeClr val="bg1"/>
                 </a:solidFill>
               </a:rPr>
-              <a:t>	CLP – Programação – LADER Temporizadores</a:t>
+              <a:t>	CLP – Programação – LADER Contador e Temporizador</a:t>
             </a:r>
           </a:p>
         </p:txBody>
@@ -4408,7 +7190,7 @@
                   <a:srgbClr val="0070C0"/>
                 </a:solidFill>
               </a:rPr>
-              <a:t>Arquitetura</a:t>
+              <a:t>Revisão</a:t>
             </a:r>
             <a:endParaRPr lang="en-US" b="1" dirty="0">
               <a:solidFill>
@@ -4454,7 +7236,279 @@
                 <a:latin typeface="Times New Roman" panose="02020603050405020304" pitchFamily="18" charset="0"/>
                 <a:cs typeface="Times New Roman" panose="02020603050405020304" pitchFamily="18" charset="0"/>
               </a:rPr>
-              <a:t>....</a:t>
+              <a:t>O </a:t>
+            </a:r>
+            <a:r>
+              <a:rPr lang="pt-BR" sz="2200" b="1" dirty="0">
+                <a:latin typeface="Times New Roman" panose="02020603050405020304" pitchFamily="18" charset="0"/>
+                <a:cs typeface="Times New Roman" panose="02020603050405020304" pitchFamily="18" charset="0"/>
+              </a:rPr>
+              <a:t>CLP</a:t>
+            </a:r>
+            <a:r>
+              <a:rPr lang="pt-BR" sz="2200" dirty="0">
+                <a:latin typeface="Times New Roman" panose="02020603050405020304" pitchFamily="18" charset="0"/>
+                <a:cs typeface="Times New Roman" panose="02020603050405020304" pitchFamily="18" charset="0"/>
+              </a:rPr>
+              <a:t> é um dispositivo eletrônico utilizado para automatizar processos industriais. Ele </a:t>
+            </a:r>
+            <a:r>
+              <a:rPr lang="pt-BR" sz="2200" b="1" dirty="0">
+                <a:solidFill>
+                  <a:srgbClr val="FF0000"/>
+                </a:solidFill>
+                <a:latin typeface="Times New Roman" panose="02020603050405020304" pitchFamily="18" charset="0"/>
+                <a:cs typeface="Times New Roman" panose="02020603050405020304" pitchFamily="18" charset="0"/>
+              </a:rPr>
+              <a:t>recebe sinais de entrada</a:t>
+            </a:r>
+            <a:r>
+              <a:rPr lang="pt-BR" sz="2200" dirty="0">
+                <a:latin typeface="Times New Roman" panose="02020603050405020304" pitchFamily="18" charset="0"/>
+                <a:cs typeface="Times New Roman" panose="02020603050405020304" pitchFamily="18" charset="0"/>
+              </a:rPr>
+              <a:t>, </a:t>
+            </a:r>
+            <a:r>
+              <a:rPr lang="pt-BR" sz="2200" b="1" dirty="0">
+                <a:latin typeface="Times New Roman" panose="02020603050405020304" pitchFamily="18" charset="0"/>
+                <a:cs typeface="Times New Roman" panose="02020603050405020304" pitchFamily="18" charset="0"/>
+              </a:rPr>
+              <a:t>processa</a:t>
+            </a:r>
+            <a:r>
+              <a:rPr lang="pt-BR" sz="2200" dirty="0">
+                <a:latin typeface="Times New Roman" panose="02020603050405020304" pitchFamily="18" charset="0"/>
+                <a:cs typeface="Times New Roman" panose="02020603050405020304" pitchFamily="18" charset="0"/>
+              </a:rPr>
+              <a:t> e </a:t>
+            </a:r>
+            <a:r>
+              <a:rPr lang="pt-BR" sz="2200" b="1" dirty="0">
+                <a:solidFill>
+                  <a:srgbClr val="FF0000"/>
+                </a:solidFill>
+                <a:latin typeface="Times New Roman" panose="02020603050405020304" pitchFamily="18" charset="0"/>
+                <a:cs typeface="Times New Roman" panose="02020603050405020304" pitchFamily="18" charset="0"/>
+              </a:rPr>
+              <a:t>gera sinais de saída </a:t>
+            </a:r>
+            <a:r>
+              <a:rPr lang="pt-BR" sz="2200" dirty="0">
+                <a:latin typeface="Times New Roman" panose="02020603050405020304" pitchFamily="18" charset="0"/>
+                <a:cs typeface="Times New Roman" panose="02020603050405020304" pitchFamily="18" charset="0"/>
+              </a:rPr>
+              <a:t>para </a:t>
+            </a:r>
+            <a:r>
+              <a:rPr lang="pt-BR" sz="2200" b="1" dirty="0">
+                <a:solidFill>
+                  <a:srgbClr val="FF0000"/>
+                </a:solidFill>
+                <a:latin typeface="Times New Roman" panose="02020603050405020304" pitchFamily="18" charset="0"/>
+                <a:cs typeface="Times New Roman" panose="02020603050405020304" pitchFamily="18" charset="0"/>
+              </a:rPr>
+              <a:t>controlar sistemas e máquinas,</a:t>
+            </a:r>
+            <a:r>
+              <a:rPr lang="pt-BR" sz="2200" dirty="0">
+                <a:latin typeface="Times New Roman" panose="02020603050405020304" pitchFamily="18" charset="0"/>
+                <a:cs typeface="Times New Roman" panose="02020603050405020304" pitchFamily="18" charset="0"/>
+              </a:rPr>
+              <a:t> programados através de linguagens específicas, sendo uma das mais conhecidas a </a:t>
+            </a:r>
+            <a:r>
+              <a:rPr lang="pt-BR" sz="2200" b="1" dirty="0">
+                <a:latin typeface="Times New Roman" panose="02020603050405020304" pitchFamily="18" charset="0"/>
+                <a:cs typeface="Times New Roman" panose="02020603050405020304" pitchFamily="18" charset="0"/>
+              </a:rPr>
+              <a:t>LADDER</a:t>
+            </a:r>
+            <a:r>
+              <a:rPr lang="pt-BR" sz="2200" dirty="0">
+                <a:latin typeface="Times New Roman" panose="02020603050405020304" pitchFamily="18" charset="0"/>
+                <a:cs typeface="Times New Roman" panose="02020603050405020304" pitchFamily="18" charset="0"/>
+              </a:rPr>
+              <a:t>.</a:t>
+            </a:r>
+          </a:p>
+          <a:p>
+            <a:pPr marL="0" indent="0" algn="just">
+              <a:buNone/>
+            </a:pPr>
+            <a:endParaRPr lang="pt-BR" sz="2200" dirty="0">
+              <a:latin typeface="Times New Roman" panose="02020603050405020304" pitchFamily="18" charset="0"/>
+              <a:cs typeface="Times New Roman" panose="02020603050405020304" pitchFamily="18" charset="0"/>
+            </a:endParaRPr>
+          </a:p>
+          <a:p>
+            <a:pPr marL="0" indent="0" algn="just">
+              <a:buNone/>
+            </a:pPr>
+            <a:r>
+              <a:rPr lang="pt-BR" sz="2200" b="1" dirty="0" err="1">
+                <a:solidFill>
+                  <a:srgbClr val="FF0000"/>
+                </a:solidFill>
+                <a:latin typeface="Times New Roman" panose="02020603050405020304" pitchFamily="18" charset="0"/>
+                <a:cs typeface="Times New Roman" panose="02020603050405020304" pitchFamily="18" charset="0"/>
+              </a:rPr>
+              <a:t>Ladder</a:t>
+            </a:r>
+            <a:r>
+              <a:rPr lang="pt-BR" sz="2200" dirty="0">
+                <a:latin typeface="Times New Roman" panose="02020603050405020304" pitchFamily="18" charset="0"/>
+                <a:cs typeface="Times New Roman" panose="02020603050405020304" pitchFamily="18" charset="0"/>
+              </a:rPr>
+              <a:t>, linguagem gráfica, se assemelha a um </a:t>
+            </a:r>
+            <a:r>
+              <a:rPr lang="pt-BR" sz="2200" b="1" dirty="0">
+                <a:latin typeface="Times New Roman" panose="02020603050405020304" pitchFamily="18" charset="0"/>
+                <a:cs typeface="Times New Roman" panose="02020603050405020304" pitchFamily="18" charset="0"/>
+              </a:rPr>
+              <a:t>diagrama de circuitos elétricos </a:t>
+            </a:r>
+            <a:r>
+              <a:rPr lang="pt-BR" sz="2200" dirty="0">
+                <a:latin typeface="Times New Roman" panose="02020603050405020304" pitchFamily="18" charset="0"/>
+                <a:cs typeface="Times New Roman" panose="02020603050405020304" pitchFamily="18" charset="0"/>
+              </a:rPr>
+              <a:t>e usa a representação de "</a:t>
+            </a:r>
+            <a:r>
+              <a:rPr lang="pt-BR" sz="2200" b="1" dirty="0">
+                <a:latin typeface="Times New Roman" panose="02020603050405020304" pitchFamily="18" charset="0"/>
+                <a:cs typeface="Times New Roman" panose="02020603050405020304" pitchFamily="18" charset="0"/>
+              </a:rPr>
+              <a:t>escadas</a:t>
+            </a:r>
+            <a:r>
+              <a:rPr lang="pt-BR" sz="2200" dirty="0">
+                <a:latin typeface="Times New Roman" panose="02020603050405020304" pitchFamily="18" charset="0"/>
+                <a:cs typeface="Times New Roman" panose="02020603050405020304" pitchFamily="18" charset="0"/>
+              </a:rPr>
+              <a:t>" (</a:t>
+            </a:r>
+            <a:r>
+              <a:rPr lang="pt-BR" sz="2200" b="1" dirty="0" err="1">
+                <a:solidFill>
+                  <a:srgbClr val="FF0000"/>
+                </a:solidFill>
+                <a:latin typeface="Times New Roman" panose="02020603050405020304" pitchFamily="18" charset="0"/>
+                <a:cs typeface="Times New Roman" panose="02020603050405020304" pitchFamily="18" charset="0"/>
+              </a:rPr>
+              <a:t>ladders</a:t>
+            </a:r>
+            <a:r>
+              <a:rPr lang="pt-BR" sz="2200" dirty="0">
+                <a:latin typeface="Times New Roman" panose="02020603050405020304" pitchFamily="18" charset="0"/>
+                <a:cs typeface="Times New Roman" panose="02020603050405020304" pitchFamily="18" charset="0"/>
+              </a:rPr>
+              <a:t>) para mostrar a lógica de controle. A </a:t>
+            </a:r>
+            <a:r>
+              <a:rPr lang="pt-BR" sz="2200" b="1" dirty="0">
+                <a:latin typeface="Times New Roman" panose="02020603050405020304" pitchFamily="18" charset="0"/>
+                <a:cs typeface="Times New Roman" panose="02020603050405020304" pitchFamily="18" charset="0"/>
+              </a:rPr>
+              <a:t>estrutura básica </a:t>
+            </a:r>
+            <a:r>
+              <a:rPr lang="pt-BR" sz="2200" dirty="0">
+                <a:latin typeface="Times New Roman" panose="02020603050405020304" pitchFamily="18" charset="0"/>
+                <a:cs typeface="Times New Roman" panose="02020603050405020304" pitchFamily="18" charset="0"/>
+              </a:rPr>
+              <a:t>é composta por </a:t>
+            </a:r>
+            <a:r>
+              <a:rPr lang="pt-BR" sz="2200" b="1" dirty="0">
+                <a:solidFill>
+                  <a:srgbClr val="FF0000"/>
+                </a:solidFill>
+                <a:latin typeface="Times New Roman" panose="02020603050405020304" pitchFamily="18" charset="0"/>
+                <a:cs typeface="Times New Roman" panose="02020603050405020304" pitchFamily="18" charset="0"/>
+              </a:rPr>
+              <a:t>contatos e </a:t>
+            </a:r>
+            <a:r>
+              <a:rPr lang="pt-BR" sz="2200" b="1" dirty="0">
+                <a:solidFill>
+                  <a:schemeClr val="tx1"/>
+                </a:solidFill>
+                <a:latin typeface="Times New Roman" panose="02020603050405020304" pitchFamily="18" charset="0"/>
+                <a:cs typeface="Times New Roman" panose="02020603050405020304" pitchFamily="18" charset="0"/>
+              </a:rPr>
+              <a:t>bobinas</a:t>
+            </a:r>
+            <a:r>
+              <a:rPr lang="pt-BR" sz="2200" dirty="0">
+                <a:latin typeface="Times New Roman" panose="02020603050405020304" pitchFamily="18" charset="0"/>
+                <a:cs typeface="Times New Roman" panose="02020603050405020304" pitchFamily="18" charset="0"/>
+              </a:rPr>
+              <a:t>. As </a:t>
+            </a:r>
+            <a:r>
+              <a:rPr lang="pt-BR" sz="2200" b="1" dirty="0">
+                <a:latin typeface="Times New Roman" panose="02020603050405020304" pitchFamily="18" charset="0"/>
+                <a:cs typeface="Times New Roman" panose="02020603050405020304" pitchFamily="18" charset="0"/>
+              </a:rPr>
+              <a:t>bobinas</a:t>
+            </a:r>
+            <a:r>
+              <a:rPr lang="pt-BR" sz="2200" dirty="0">
+                <a:latin typeface="Times New Roman" panose="02020603050405020304" pitchFamily="18" charset="0"/>
+                <a:cs typeface="Times New Roman" panose="02020603050405020304" pitchFamily="18" charset="0"/>
+              </a:rPr>
+              <a:t> representam as </a:t>
+            </a:r>
+            <a:r>
+              <a:rPr lang="pt-BR" sz="2200" b="1" dirty="0">
+                <a:latin typeface="Times New Roman" panose="02020603050405020304" pitchFamily="18" charset="0"/>
+                <a:cs typeface="Times New Roman" panose="02020603050405020304" pitchFamily="18" charset="0"/>
+              </a:rPr>
+              <a:t>saídas</a:t>
+            </a:r>
+            <a:r>
+              <a:rPr lang="pt-BR" sz="2200" dirty="0">
+                <a:latin typeface="Times New Roman" panose="02020603050405020304" pitchFamily="18" charset="0"/>
+                <a:cs typeface="Times New Roman" panose="02020603050405020304" pitchFamily="18" charset="0"/>
+              </a:rPr>
+              <a:t> e os </a:t>
+            </a:r>
+            <a:r>
+              <a:rPr lang="pt-BR" sz="2200" b="1" dirty="0">
+                <a:solidFill>
+                  <a:srgbClr val="FF0000"/>
+                </a:solidFill>
+                <a:latin typeface="Times New Roman" panose="02020603050405020304" pitchFamily="18" charset="0"/>
+                <a:cs typeface="Times New Roman" panose="02020603050405020304" pitchFamily="18" charset="0"/>
+              </a:rPr>
+              <a:t>contatos</a:t>
+            </a:r>
+            <a:r>
+              <a:rPr lang="pt-BR" sz="2200" dirty="0">
+                <a:latin typeface="Times New Roman" panose="02020603050405020304" pitchFamily="18" charset="0"/>
+                <a:cs typeface="Times New Roman" panose="02020603050405020304" pitchFamily="18" charset="0"/>
+              </a:rPr>
+              <a:t> representam as </a:t>
+            </a:r>
+            <a:r>
+              <a:rPr lang="pt-BR" sz="2200" b="1" dirty="0">
+                <a:solidFill>
+                  <a:srgbClr val="FF0000"/>
+                </a:solidFill>
+                <a:latin typeface="Times New Roman" panose="02020603050405020304" pitchFamily="18" charset="0"/>
+                <a:cs typeface="Times New Roman" panose="02020603050405020304" pitchFamily="18" charset="0"/>
+              </a:rPr>
+              <a:t>entradas</a:t>
+            </a:r>
+            <a:r>
+              <a:rPr lang="pt-BR" sz="2200" dirty="0">
+                <a:latin typeface="Times New Roman" panose="02020603050405020304" pitchFamily="18" charset="0"/>
+                <a:cs typeface="Times New Roman" panose="02020603050405020304" pitchFamily="18" charset="0"/>
+              </a:rPr>
+              <a:t> ou condições que controlam essas saídas.</a:t>
             </a:r>
           </a:p>
         </p:txBody>
@@ -4478,461 +7532,10 @@
   <p:cSld>
     <p:spTree>
       <p:nvGrpSpPr>
-        <p:cNvPr id="1" name=""/>
-        <p:cNvGrpSpPr/>
-        <p:nvPr/>
-      </p:nvGrpSpPr>
-      <p:grpSpPr>
-        <a:xfrm>
-          <a:off x="0" y="0"/>
-          <a:ext cx="0" cy="0"/>
-          <a:chOff x="0" y="0"/>
-          <a:chExt cx="0" cy="0"/>
-        </a:xfrm>
-      </p:grpSpPr>
-      <p:sp>
-        <p:nvSpPr>
-          <p:cNvPr id="6" name="Title 1"/>
-          <p:cNvSpPr>
-            <a:spLocks noGrp="1"/>
-          </p:cNvSpPr>
-          <p:nvPr>
-            <p:ph type="title"/>
-          </p:nvPr>
-        </p:nvSpPr>
-        <p:spPr>
-          <a:xfrm>
-            <a:off x="457200" y="205980"/>
-            <a:ext cx="8229600" cy="857251"/>
-          </a:xfrm>
-        </p:spPr>
-        <p:txBody>
-          <a:bodyPr>
-            <a:normAutofit/>
-          </a:bodyPr>
-          <a:lstStyle/>
-          <a:p>
-            <a:r>
-              <a:rPr lang="en-US" b="1" dirty="0" err="1">
-                <a:solidFill>
-                  <a:srgbClr val="0070C0"/>
-                </a:solidFill>
-              </a:rPr>
-              <a:t>Leitura</a:t>
-            </a:r>
-            <a:r>
-              <a:rPr lang="en-US" b="1" dirty="0">
-                <a:solidFill>
-                  <a:srgbClr val="0070C0"/>
-                </a:solidFill>
-              </a:rPr>
-              <a:t> </a:t>
-            </a:r>
-            <a:r>
-              <a:rPr lang="en-US" b="1" dirty="0" err="1">
-                <a:solidFill>
-                  <a:srgbClr val="0070C0"/>
-                </a:solidFill>
-              </a:rPr>
-              <a:t>Específica</a:t>
-            </a:r>
-            <a:endParaRPr lang="en-US" b="1" dirty="0">
-              <a:solidFill>
-                <a:srgbClr val="0070C0"/>
-              </a:solidFill>
-            </a:endParaRPr>
-          </a:p>
-        </p:txBody>
-      </p:sp>
-      <p:sp>
-        <p:nvSpPr>
-          <p:cNvPr id="8" name="Text Placeholder 2"/>
-          <p:cNvSpPr>
-            <a:spLocks noGrp="1"/>
-          </p:cNvSpPr>
-          <p:nvPr>
-            <p:ph type="body" sz="half" idx="1"/>
-          </p:nvPr>
-        </p:nvSpPr>
-        <p:spPr>
-          <a:xfrm>
-            <a:off x="142865" y="1200150"/>
-            <a:ext cx="8865056" cy="3737369"/>
-          </a:xfrm>
-        </p:spPr>
-        <p:txBody>
-          <a:bodyPr>
-            <a:noAutofit/>
-          </a:bodyPr>
-          <a:lstStyle/>
-          <a:p>
-            <a:pPr marL="0" indent="0" algn="just">
-              <a:buNone/>
-            </a:pPr>
-            <a:r>
-              <a:rPr lang="pt-BR" sz="2200" dirty="0">
-                <a:latin typeface="Times New Roman" panose="02020603050405020304" pitchFamily="18" charset="0"/>
-                <a:cs typeface="Times New Roman" panose="02020603050405020304" pitchFamily="18" charset="0"/>
-              </a:rPr>
-              <a:t>[1] </a:t>
-            </a:r>
-            <a:r>
-              <a:rPr lang="pt-BR" sz="2200" b="1" dirty="0">
-                <a:latin typeface="Times New Roman" panose="02020603050405020304" pitchFamily="18" charset="0"/>
-                <a:cs typeface="Times New Roman" panose="02020603050405020304" pitchFamily="18" charset="0"/>
-              </a:rPr>
-              <a:t>CLP Arquitetura 1</a:t>
-            </a:r>
-            <a:r>
-              <a:rPr lang="pt-BR" sz="2200" dirty="0">
-                <a:latin typeface="Times New Roman" panose="02020603050405020304" pitchFamily="18" charset="0"/>
-                <a:cs typeface="Times New Roman" panose="02020603050405020304" pitchFamily="18" charset="0"/>
-              </a:rPr>
-              <a:t>.</a:t>
-            </a:r>
-          </a:p>
-          <a:p>
-            <a:pPr marL="0" indent="0" algn="just">
-              <a:buNone/>
-            </a:pPr>
-            <a:r>
-              <a:rPr lang="pt-BR" sz="2200" b="1" dirty="0">
-                <a:solidFill>
-                  <a:srgbClr val="FF0000"/>
-                </a:solidFill>
-                <a:latin typeface="Times New Roman" panose="02020603050405020304" pitchFamily="18" charset="0"/>
-                <a:cs typeface="Times New Roman" panose="02020603050405020304" pitchFamily="18" charset="0"/>
-              </a:rPr>
-              <a:t>Disponível em: </a:t>
-            </a:r>
-            <a:r>
-              <a:rPr lang="pt-BR" sz="2200" dirty="0">
-                <a:solidFill>
-                  <a:srgbClr val="FF0000"/>
-                </a:solidFill>
-                <a:latin typeface="Times New Roman" panose="02020603050405020304" pitchFamily="18" charset="0"/>
-                <a:cs typeface="Times New Roman" panose="02020603050405020304" pitchFamily="18" charset="0"/>
-                <a:hlinkClick r:id="rId3"/>
-              </a:rPr>
-              <a:t>h</a:t>
-            </a:r>
-            <a:endParaRPr lang="pt-BR" sz="2200" dirty="0">
-              <a:solidFill>
-                <a:srgbClr val="FF0000"/>
-              </a:solidFill>
-              <a:latin typeface="Times New Roman" panose="02020603050405020304" pitchFamily="18" charset="0"/>
-              <a:cs typeface="Times New Roman" panose="02020603050405020304" pitchFamily="18" charset="0"/>
-            </a:endParaRPr>
-          </a:p>
-          <a:p>
-            <a:pPr marL="0" indent="0" algn="just">
-              <a:buNone/>
-            </a:pPr>
-            <a:endParaRPr lang="pt-BR" sz="2200" b="1" dirty="0">
-              <a:solidFill>
-                <a:srgbClr val="FF0000"/>
-              </a:solidFill>
-              <a:latin typeface="Times New Roman" panose="02020603050405020304" pitchFamily="18" charset="0"/>
-              <a:cs typeface="Times New Roman" panose="02020603050405020304" pitchFamily="18" charset="0"/>
-            </a:endParaRPr>
-          </a:p>
-          <a:p>
-            <a:pPr marL="0" indent="0" algn="just">
-              <a:buNone/>
-            </a:pPr>
-            <a:endParaRPr lang="pt-BR" sz="2200" dirty="0">
-              <a:latin typeface="Times New Roman" panose="02020603050405020304" pitchFamily="18" charset="0"/>
-              <a:cs typeface="Times New Roman" panose="02020603050405020304" pitchFamily="18" charset="0"/>
-            </a:endParaRPr>
-          </a:p>
-          <a:p>
-            <a:pPr marL="0" indent="0" algn="just">
-              <a:buNone/>
-            </a:pPr>
-            <a:r>
-              <a:rPr lang="pt-BR" sz="2200" dirty="0">
-                <a:latin typeface="Times New Roman" panose="02020603050405020304" pitchFamily="18" charset="0"/>
-                <a:cs typeface="Times New Roman" panose="02020603050405020304" pitchFamily="18" charset="0"/>
-              </a:rPr>
-              <a:t>[2] </a:t>
-            </a:r>
-            <a:r>
-              <a:rPr lang="pt-BR" sz="2200" b="1" dirty="0">
-                <a:latin typeface="Times New Roman" panose="02020603050405020304" pitchFamily="18" charset="0"/>
-                <a:cs typeface="Times New Roman" panose="02020603050405020304" pitchFamily="18" charset="0"/>
-              </a:rPr>
-              <a:t>CLP Arquitetura 2</a:t>
-            </a:r>
-            <a:r>
-              <a:rPr lang="pt-BR" sz="2200" dirty="0">
-                <a:latin typeface="Times New Roman" panose="02020603050405020304" pitchFamily="18" charset="0"/>
-                <a:cs typeface="Times New Roman" panose="02020603050405020304" pitchFamily="18" charset="0"/>
-              </a:rPr>
-              <a:t>. </a:t>
-            </a:r>
-          </a:p>
-          <a:p>
-            <a:pPr marL="0" indent="0" algn="just">
-              <a:buNone/>
-            </a:pPr>
-            <a:r>
-              <a:rPr lang="pt-BR" sz="2200" b="1" dirty="0">
-                <a:solidFill>
-                  <a:srgbClr val="FF0000"/>
-                </a:solidFill>
-                <a:latin typeface="Times New Roman" panose="02020603050405020304" pitchFamily="18" charset="0"/>
-                <a:cs typeface="Times New Roman" panose="02020603050405020304" pitchFamily="18" charset="0"/>
-              </a:rPr>
-              <a:t>Disponível em: </a:t>
-            </a:r>
-            <a:r>
-              <a:rPr lang="pt-BR" sz="2200" dirty="0">
-                <a:solidFill>
-                  <a:srgbClr val="FF0000"/>
-                </a:solidFill>
-                <a:latin typeface="Times New Roman" panose="02020603050405020304" pitchFamily="18" charset="0"/>
-                <a:cs typeface="Times New Roman" panose="02020603050405020304" pitchFamily="18" charset="0"/>
-                <a:hlinkClick r:id="rId4"/>
-              </a:rPr>
-              <a:t>h</a:t>
-            </a:r>
-            <a:endParaRPr lang="pt-BR" sz="2200" dirty="0">
-              <a:latin typeface="Calibri" panose="020F0502020204030204" pitchFamily="34" charset="0"/>
-            </a:endParaRPr>
-          </a:p>
-        </p:txBody>
-      </p:sp>
-    </p:spTree>
-    <p:extLst>
-      <p:ext uri="{BB962C8B-B14F-4D97-AF65-F5344CB8AC3E}">
-        <p14:creationId xmlns:p14="http://schemas.microsoft.com/office/powerpoint/2010/main" val="3680270425"/>
-      </p:ext>
-    </p:extLst>
-  </p:cSld>
-  <p:clrMapOvr>
-    <a:masterClrMapping/>
-  </p:clrMapOvr>
-  <p:transition spd="med"/>
-</p:sld>
-</file>
-
-<file path=ppt/slides/slide5.xml><?xml version="1.0" encoding="utf-8"?>
-<p:sld xmlns:a="http://schemas.openxmlformats.org/drawingml/2006/main" xmlns:r="http://schemas.openxmlformats.org/officeDocument/2006/relationships" xmlns:p="http://schemas.openxmlformats.org/presentationml/2006/main">
-  <p:cSld>
-    <p:spTree>
-      <p:nvGrpSpPr>
-        <p:cNvPr id="1" name=""/>
-        <p:cNvGrpSpPr/>
-        <p:nvPr/>
-      </p:nvGrpSpPr>
-      <p:grpSpPr>
-        <a:xfrm>
-          <a:off x="0" y="0"/>
-          <a:ext cx="0" cy="0"/>
-          <a:chOff x="0" y="0"/>
-          <a:chExt cx="0" cy="0"/>
-        </a:xfrm>
-      </p:grpSpPr>
-      <p:sp>
-        <p:nvSpPr>
-          <p:cNvPr id="6" name="Title 1"/>
-          <p:cNvSpPr>
-            <a:spLocks noGrp="1"/>
-          </p:cNvSpPr>
-          <p:nvPr>
-            <p:ph type="title"/>
-          </p:nvPr>
-        </p:nvSpPr>
-        <p:spPr>
-          <a:xfrm>
-            <a:off x="457200" y="205980"/>
-            <a:ext cx="8229600" cy="857251"/>
-          </a:xfrm>
-        </p:spPr>
-        <p:txBody>
-          <a:bodyPr>
-            <a:normAutofit/>
-          </a:bodyPr>
-          <a:lstStyle/>
-          <a:p>
-            <a:r>
-              <a:rPr lang="en-US" b="1" dirty="0" err="1">
-                <a:solidFill>
-                  <a:srgbClr val="0070C0"/>
-                </a:solidFill>
-              </a:rPr>
-              <a:t>Aprenda</a:t>
-            </a:r>
-            <a:r>
-              <a:rPr lang="en-US" b="1" dirty="0">
-                <a:solidFill>
-                  <a:srgbClr val="0070C0"/>
-                </a:solidFill>
-              </a:rPr>
-              <a:t>+</a:t>
-            </a:r>
-          </a:p>
-        </p:txBody>
-      </p:sp>
-      <p:sp>
-        <p:nvSpPr>
-          <p:cNvPr id="8" name="Text Placeholder 2"/>
-          <p:cNvSpPr>
-            <a:spLocks noGrp="1"/>
-          </p:cNvSpPr>
-          <p:nvPr>
-            <p:ph type="body" sz="half" idx="1"/>
-          </p:nvPr>
-        </p:nvSpPr>
-        <p:spPr>
-          <a:xfrm>
-            <a:off x="142865" y="1200150"/>
-            <a:ext cx="8865056" cy="3737370"/>
-          </a:xfrm>
-        </p:spPr>
-        <p:txBody>
-          <a:bodyPr>
-            <a:noAutofit/>
-          </a:bodyPr>
-          <a:lstStyle/>
-          <a:p>
-            <a:pPr marL="0" indent="0" algn="just">
-              <a:buNone/>
-            </a:pPr>
-            <a:r>
-              <a:rPr lang="pt-BR" sz="2200" dirty="0">
-                <a:latin typeface="Times New Roman" panose="02020603050405020304" pitchFamily="18" charset="0"/>
-                <a:cs typeface="Times New Roman" panose="02020603050405020304" pitchFamily="18" charset="0"/>
-              </a:rPr>
-              <a:t>[1] </a:t>
-            </a:r>
-            <a:r>
-              <a:rPr lang="pt-BR" sz="2200" b="1" dirty="0">
-                <a:latin typeface="Times New Roman" panose="02020603050405020304" pitchFamily="18" charset="0"/>
-                <a:cs typeface="Times New Roman" panose="02020603050405020304" pitchFamily="18" charset="0"/>
-              </a:rPr>
-              <a:t>CLP Arquitetura 1.</a:t>
-            </a:r>
-          </a:p>
-          <a:p>
-            <a:pPr marL="0" indent="0" algn="just">
-              <a:buNone/>
-            </a:pPr>
-            <a:r>
-              <a:rPr lang="pt-BR" sz="2200" b="1" dirty="0">
-                <a:solidFill>
-                  <a:srgbClr val="FF0000"/>
-                </a:solidFill>
-                <a:latin typeface="Times New Roman" panose="02020603050405020304" pitchFamily="18" charset="0"/>
-                <a:cs typeface="Times New Roman" panose="02020603050405020304" pitchFamily="18" charset="0"/>
-              </a:rPr>
-              <a:t>Disponível em: </a:t>
-            </a:r>
-            <a:r>
-              <a:rPr lang="pt-BR" sz="2200" dirty="0">
-                <a:latin typeface="Times New Roman" panose="02020603050405020304" pitchFamily="18" charset="0"/>
-                <a:cs typeface="Times New Roman" panose="02020603050405020304" pitchFamily="18" charset="0"/>
-                <a:hlinkClick r:id="rId3"/>
-              </a:rPr>
-              <a:t>https:</a:t>
-            </a:r>
-            <a:endParaRPr lang="pt-BR" sz="2200" dirty="0">
-              <a:latin typeface="Times New Roman" panose="02020603050405020304" pitchFamily="18" charset="0"/>
-              <a:cs typeface="Times New Roman" panose="02020603050405020304" pitchFamily="18" charset="0"/>
-            </a:endParaRPr>
-          </a:p>
-          <a:p>
-            <a:pPr marL="0" indent="0" algn="just">
-              <a:buNone/>
-            </a:pPr>
-            <a:endParaRPr lang="pt-BR" sz="2200" dirty="0">
-              <a:latin typeface="Times New Roman" panose="02020603050405020304" pitchFamily="18" charset="0"/>
-              <a:cs typeface="Times New Roman" panose="02020603050405020304" pitchFamily="18" charset="0"/>
-            </a:endParaRPr>
-          </a:p>
-          <a:p>
-            <a:pPr marL="0" indent="0" algn="just">
-              <a:buNone/>
-            </a:pPr>
-            <a:endParaRPr lang="pt-BR" sz="2200" dirty="0">
-              <a:latin typeface="Times New Roman" panose="02020603050405020304" pitchFamily="18" charset="0"/>
-              <a:cs typeface="Times New Roman" panose="02020603050405020304" pitchFamily="18" charset="0"/>
-            </a:endParaRPr>
-          </a:p>
-          <a:p>
-            <a:pPr marL="0" indent="0" algn="just">
-              <a:buNone/>
-            </a:pPr>
-            <a:r>
-              <a:rPr lang="pt-BR" sz="2200" dirty="0">
-                <a:latin typeface="Times New Roman" panose="02020603050405020304" pitchFamily="18" charset="0"/>
-                <a:cs typeface="Times New Roman" panose="02020603050405020304" pitchFamily="18" charset="0"/>
-              </a:rPr>
-              <a:t>[2] </a:t>
-            </a:r>
-            <a:r>
-              <a:rPr lang="pt-BR" sz="2200" b="1" dirty="0">
-                <a:latin typeface="Times New Roman" panose="02020603050405020304" pitchFamily="18" charset="0"/>
-                <a:cs typeface="Times New Roman" panose="02020603050405020304" pitchFamily="18" charset="0"/>
-              </a:rPr>
-              <a:t>CLP Arquitetura 2.</a:t>
-            </a:r>
-          </a:p>
-          <a:p>
-            <a:pPr marL="0" indent="0" algn="just">
-              <a:buNone/>
-            </a:pPr>
-            <a:r>
-              <a:rPr lang="pt-BR" sz="2200" b="1" dirty="0">
-                <a:solidFill>
-                  <a:srgbClr val="FF0000"/>
-                </a:solidFill>
-                <a:latin typeface="Times New Roman" panose="02020603050405020304" pitchFamily="18" charset="0"/>
-                <a:cs typeface="Times New Roman" panose="02020603050405020304" pitchFamily="18" charset="0"/>
-              </a:rPr>
-              <a:t>Disponível em: </a:t>
-            </a:r>
-            <a:r>
-              <a:rPr lang="pt-BR" sz="2200" dirty="0">
-                <a:solidFill>
-                  <a:srgbClr val="FF0000"/>
-                </a:solidFill>
-                <a:latin typeface="Times New Roman" panose="02020603050405020304" pitchFamily="18" charset="0"/>
-                <a:cs typeface="Times New Roman" panose="02020603050405020304" pitchFamily="18" charset="0"/>
-                <a:hlinkClick r:id="rId4"/>
-              </a:rPr>
-              <a:t>https:</a:t>
-            </a:r>
-            <a:endParaRPr lang="pt-BR" sz="2200" dirty="0">
-              <a:latin typeface="Times New Roman" panose="02020603050405020304" pitchFamily="18" charset="0"/>
-              <a:cs typeface="Times New Roman" panose="02020603050405020304" pitchFamily="18" charset="0"/>
-            </a:endParaRPr>
-          </a:p>
-        </p:txBody>
-      </p:sp>
-    </p:spTree>
-    <p:extLst>
-      <p:ext uri="{BB962C8B-B14F-4D97-AF65-F5344CB8AC3E}">
-        <p14:creationId xmlns:p14="http://schemas.microsoft.com/office/powerpoint/2010/main" val="2747596967"/>
-      </p:ext>
-    </p:extLst>
-  </p:cSld>
-  <p:clrMapOvr>
-    <a:masterClrMapping/>
-  </p:clrMapOvr>
-  <p:transition spd="med"/>
-</p:sld>
-</file>
-
-<file path=ppt/slides/slide6.xml><?xml version="1.0" encoding="utf-8"?>
-<p:sld xmlns:a="http://schemas.openxmlformats.org/drawingml/2006/main" xmlns:r="http://schemas.openxmlformats.org/officeDocument/2006/relationships" xmlns:p="http://schemas.openxmlformats.org/presentationml/2006/main">
-  <p:cSld>
-    <p:spTree>
-      <p:nvGrpSpPr>
         <p:cNvPr id="1" name="">
           <a:extLst>
             <a:ext uri="{FF2B5EF4-FFF2-40B4-BE49-F238E27FC236}">
-              <a16:creationId xmlns:a16="http://schemas.microsoft.com/office/drawing/2014/main" id="{2953AC7D-8CF9-A63F-57A2-D983DEB50039}"/>
+              <a16:creationId xmlns:a16="http://schemas.microsoft.com/office/drawing/2014/main" id="{7F3DC8DB-7714-CAF1-3D7F-57C9DB5D51A0}"/>
             </a:ext>
           </a:extLst>
         </p:cNvPr>
@@ -4952,7 +7555,7 @@
           <p:cNvPr id="6" name="Title 1">
             <a:extLst>
               <a:ext uri="{FF2B5EF4-FFF2-40B4-BE49-F238E27FC236}">
-                <a16:creationId xmlns:a16="http://schemas.microsoft.com/office/drawing/2014/main" id="{CC4C3A19-ED0C-1CE0-1512-03DBBA8E622A}"/>
+                <a16:creationId xmlns:a16="http://schemas.microsoft.com/office/drawing/2014/main" id="{D80D0E52-E4D0-F8C7-7EEC-24CDB7215B3A}"/>
               </a:ext>
             </a:extLst>
           </p:cNvPr>
@@ -4976,28 +7579,20 @@
           <a:lstStyle/>
           <a:p>
             <a:r>
+              <a:rPr lang="en-US" b="1" dirty="0">
+                <a:solidFill>
+                  <a:srgbClr val="0070C0"/>
+                </a:solidFill>
+              </a:rPr>
+              <a:t>CLP – </a:t>
+            </a:r>
+            <a:r>
               <a:rPr lang="en-US" b="1" dirty="0" err="1">
                 <a:solidFill>
                   <a:srgbClr val="0070C0"/>
                 </a:solidFill>
               </a:rPr>
-              <a:t>Dinâmica</a:t>
-            </a:r>
-            <a:r>
-              <a:rPr lang="en-US" b="1" dirty="0">
-                <a:solidFill>
-                  <a:srgbClr val="0070C0"/>
-                </a:solidFill>
-              </a:rPr>
-              <a:t>/</a:t>
-            </a:r>
-            <a:r>
-              <a:rPr lang="en-US" b="1" dirty="0" err="1">
-                <a:solidFill>
-                  <a:srgbClr val="0070C0"/>
-                </a:solidFill>
-              </a:rPr>
-              <a:t>Atividades</a:t>
+              <a:t>Revisão</a:t>
             </a:r>
             <a:endParaRPr lang="en-US" b="1" dirty="0">
               <a:solidFill>
@@ -5012,7 +7607,7 @@
           <p:cNvPr id="8" name="Text Placeholder 2">
             <a:extLst>
               <a:ext uri="{FF2B5EF4-FFF2-40B4-BE49-F238E27FC236}">
-                <a16:creationId xmlns:a16="http://schemas.microsoft.com/office/drawing/2014/main" id="{B45119E1-EF11-7248-2ADA-8776A0D7E7E3}"/>
+                <a16:creationId xmlns:a16="http://schemas.microsoft.com/office/drawing/2014/main" id="{C4830874-FB46-DB06-9088-D96A69467E64}"/>
               </a:ext>
             </a:extLst>
           </p:cNvPr>
@@ -5035,19 +7630,203 @@
           </a:bodyPr>
           <a:lstStyle/>
           <a:p>
+            <a:pPr marL="0" indent="0" algn="just">
+              <a:buNone/>
+            </a:pPr>
+            <a:r>
+              <a:rPr lang="pt-BR" sz="2200" b="1" dirty="0">
+                <a:solidFill>
+                  <a:srgbClr val="002060"/>
+                </a:solidFill>
+                <a:latin typeface="Times New Roman" panose="02020603050405020304" pitchFamily="18" charset="0"/>
+                <a:cs typeface="Times New Roman" panose="02020603050405020304" pitchFamily="18" charset="0"/>
+              </a:rPr>
+              <a:t>Estrutura do </a:t>
+            </a:r>
+            <a:r>
+              <a:rPr lang="pt-BR" sz="2200" b="1" dirty="0" err="1">
+                <a:solidFill>
+                  <a:srgbClr val="002060"/>
+                </a:solidFill>
+                <a:latin typeface="Times New Roman" panose="02020603050405020304" pitchFamily="18" charset="0"/>
+                <a:cs typeface="Times New Roman" panose="02020603050405020304" pitchFamily="18" charset="0"/>
+              </a:rPr>
+              <a:t>Ladder</a:t>
+            </a:r>
+            <a:endParaRPr lang="pt-BR" sz="2200" b="1" dirty="0">
+              <a:solidFill>
+                <a:srgbClr val="002060"/>
+              </a:solidFill>
+              <a:latin typeface="Times New Roman" panose="02020603050405020304" pitchFamily="18" charset="0"/>
+              <a:cs typeface="Times New Roman" panose="02020603050405020304" pitchFamily="18" charset="0"/>
+            </a:endParaRPr>
+          </a:p>
+          <a:p>
+            <a:pPr marL="0" indent="0" algn="just">
+              <a:buNone/>
+            </a:pPr>
+            <a:endParaRPr lang="pt-BR" sz="2200" dirty="0">
+              <a:latin typeface="Times New Roman" panose="02020603050405020304" pitchFamily="18" charset="0"/>
+              <a:cs typeface="Times New Roman" panose="02020603050405020304" pitchFamily="18" charset="0"/>
+            </a:endParaRPr>
+          </a:p>
+          <a:p>
             <a:pPr algn="just">
               <a:buFont typeface="Wingdings" panose="05000000000000000000" pitchFamily="2" charset="2"/>
-              <a:buChar char="q"/>
+              <a:buChar char="§"/>
             </a:pPr>
             <a:r>
               <a:rPr lang="pt-BR" sz="2200" b="1" dirty="0">
                 <a:solidFill>
-                  <a:srgbClr val="0070C0"/>
-                </a:solidFill>
-                <a:latin typeface="Times New Roman" panose="02020603050405020304" pitchFamily="18" charset="0"/>
-                <a:cs typeface="Times New Roman" panose="02020603050405020304" pitchFamily="18" charset="0"/>
-              </a:rPr>
-              <a:t>CLP</a:t>
+                  <a:srgbClr val="FF0000"/>
+                </a:solidFill>
+                <a:latin typeface="Times New Roman" panose="02020603050405020304" pitchFamily="18" charset="0"/>
+                <a:cs typeface="Times New Roman" panose="02020603050405020304" pitchFamily="18" charset="0"/>
+              </a:rPr>
+              <a:t>Contatos</a:t>
+            </a:r>
+            <a:r>
+              <a:rPr lang="pt-BR" sz="2200" dirty="0">
+                <a:latin typeface="Times New Roman" panose="02020603050405020304" pitchFamily="18" charset="0"/>
+                <a:cs typeface="Times New Roman" panose="02020603050405020304" pitchFamily="18" charset="0"/>
+              </a:rPr>
+              <a:t>: Representam </a:t>
+            </a:r>
+            <a:r>
+              <a:rPr lang="pt-BR" sz="2200" b="1" dirty="0">
+                <a:latin typeface="Times New Roman" panose="02020603050405020304" pitchFamily="18" charset="0"/>
+                <a:cs typeface="Times New Roman" panose="02020603050405020304" pitchFamily="18" charset="0"/>
+              </a:rPr>
+              <a:t>entradas</a:t>
+            </a:r>
+            <a:r>
+              <a:rPr lang="pt-BR" sz="2200" dirty="0">
+                <a:latin typeface="Times New Roman" panose="02020603050405020304" pitchFamily="18" charset="0"/>
+                <a:cs typeface="Times New Roman" panose="02020603050405020304" pitchFamily="18" charset="0"/>
+              </a:rPr>
+              <a:t>, como </a:t>
+            </a:r>
+            <a:r>
+              <a:rPr lang="pt-BR" sz="2200" b="1" dirty="0">
+                <a:latin typeface="Times New Roman" panose="02020603050405020304" pitchFamily="18" charset="0"/>
+                <a:cs typeface="Times New Roman" panose="02020603050405020304" pitchFamily="18" charset="0"/>
+              </a:rPr>
+              <a:t>sensores ou botões</a:t>
+            </a:r>
+            <a:r>
+              <a:rPr lang="pt-BR" sz="2200" dirty="0">
+                <a:latin typeface="Times New Roman" panose="02020603050405020304" pitchFamily="18" charset="0"/>
+                <a:cs typeface="Times New Roman" panose="02020603050405020304" pitchFamily="18" charset="0"/>
+              </a:rPr>
+              <a:t>.</a:t>
+            </a:r>
+          </a:p>
+          <a:p>
+            <a:pPr algn="just">
+              <a:buFont typeface="Wingdings" panose="05000000000000000000" pitchFamily="2" charset="2"/>
+              <a:buChar char="§"/>
+            </a:pPr>
+            <a:endParaRPr lang="pt-BR" sz="2200" dirty="0">
+              <a:latin typeface="Times New Roman" panose="02020603050405020304" pitchFamily="18" charset="0"/>
+              <a:cs typeface="Times New Roman" panose="02020603050405020304" pitchFamily="18" charset="0"/>
+            </a:endParaRPr>
+          </a:p>
+          <a:p>
+            <a:pPr algn="just">
+              <a:buFont typeface="Wingdings" panose="05000000000000000000" pitchFamily="2" charset="2"/>
+              <a:buChar char="§"/>
+            </a:pPr>
+            <a:r>
+              <a:rPr lang="pt-BR" sz="2200" b="1" dirty="0">
+                <a:solidFill>
+                  <a:srgbClr val="FF0000"/>
+                </a:solidFill>
+                <a:latin typeface="Times New Roman" panose="02020603050405020304" pitchFamily="18" charset="0"/>
+                <a:cs typeface="Times New Roman" panose="02020603050405020304" pitchFamily="18" charset="0"/>
+              </a:rPr>
+              <a:t>Bobinas</a:t>
+            </a:r>
+            <a:r>
+              <a:rPr lang="pt-BR" sz="2200" dirty="0">
+                <a:latin typeface="Times New Roman" panose="02020603050405020304" pitchFamily="18" charset="0"/>
+                <a:cs typeface="Times New Roman" panose="02020603050405020304" pitchFamily="18" charset="0"/>
+              </a:rPr>
+              <a:t>: Representam </a:t>
+            </a:r>
+            <a:r>
+              <a:rPr lang="pt-BR" sz="2200" b="1" dirty="0">
+                <a:latin typeface="Times New Roman" panose="02020603050405020304" pitchFamily="18" charset="0"/>
+                <a:cs typeface="Times New Roman" panose="02020603050405020304" pitchFamily="18" charset="0"/>
+              </a:rPr>
+              <a:t>saídas</a:t>
+            </a:r>
+            <a:r>
+              <a:rPr lang="pt-BR" sz="2200" dirty="0">
+                <a:latin typeface="Times New Roman" panose="02020603050405020304" pitchFamily="18" charset="0"/>
+                <a:cs typeface="Times New Roman" panose="02020603050405020304" pitchFamily="18" charset="0"/>
+              </a:rPr>
+              <a:t>, como </a:t>
+            </a:r>
+            <a:r>
+              <a:rPr lang="pt-BR" sz="2200" b="1" dirty="0">
+                <a:latin typeface="Times New Roman" panose="02020603050405020304" pitchFamily="18" charset="0"/>
+                <a:cs typeface="Times New Roman" panose="02020603050405020304" pitchFamily="18" charset="0"/>
+              </a:rPr>
+              <a:t>relés ou válvulas</a:t>
+            </a:r>
+            <a:r>
+              <a:rPr lang="pt-BR" sz="2200" dirty="0">
+                <a:latin typeface="Times New Roman" panose="02020603050405020304" pitchFamily="18" charset="0"/>
+                <a:cs typeface="Times New Roman" panose="02020603050405020304" pitchFamily="18" charset="0"/>
+              </a:rPr>
+              <a:t>.</a:t>
+            </a:r>
+          </a:p>
+          <a:p>
+            <a:pPr algn="just">
+              <a:buFont typeface="Wingdings" panose="05000000000000000000" pitchFamily="2" charset="2"/>
+              <a:buChar char="§"/>
+            </a:pPr>
+            <a:endParaRPr lang="pt-BR" sz="2200" dirty="0">
+              <a:latin typeface="Times New Roman" panose="02020603050405020304" pitchFamily="18" charset="0"/>
+              <a:cs typeface="Times New Roman" panose="02020603050405020304" pitchFamily="18" charset="0"/>
+            </a:endParaRPr>
+          </a:p>
+          <a:p>
+            <a:pPr algn="just">
+              <a:buFont typeface="Wingdings" panose="05000000000000000000" pitchFamily="2" charset="2"/>
+              <a:buChar char="§"/>
+            </a:pPr>
+            <a:r>
+              <a:rPr lang="pt-BR" sz="2200" b="1" dirty="0">
+                <a:solidFill>
+                  <a:srgbClr val="FF0000"/>
+                </a:solidFill>
+                <a:latin typeface="Times New Roman" panose="02020603050405020304" pitchFamily="18" charset="0"/>
+                <a:cs typeface="Times New Roman" panose="02020603050405020304" pitchFamily="18" charset="0"/>
+              </a:rPr>
+              <a:t>Relação de contato-bobina</a:t>
+            </a:r>
+            <a:r>
+              <a:rPr lang="pt-BR" sz="2200" dirty="0">
+                <a:latin typeface="Times New Roman" panose="02020603050405020304" pitchFamily="18" charset="0"/>
+                <a:cs typeface="Times New Roman" panose="02020603050405020304" pitchFamily="18" charset="0"/>
+              </a:rPr>
+              <a:t>: A relação de contatos e bobinas define o </a:t>
+            </a:r>
+            <a:r>
+              <a:rPr lang="pt-BR" sz="2200" b="1" dirty="0">
+                <a:latin typeface="Times New Roman" panose="02020603050405020304" pitchFamily="18" charset="0"/>
+                <a:cs typeface="Times New Roman" panose="02020603050405020304" pitchFamily="18" charset="0"/>
+              </a:rPr>
+              <a:t>comportamento do CLP</a:t>
+            </a:r>
+            <a:r>
+              <a:rPr lang="pt-BR" sz="2200" dirty="0">
+                <a:latin typeface="Times New Roman" panose="02020603050405020304" pitchFamily="18" charset="0"/>
+                <a:cs typeface="Times New Roman" panose="02020603050405020304" pitchFamily="18" charset="0"/>
+              </a:rPr>
+              <a:t>.</a:t>
             </a:r>
           </a:p>
         </p:txBody>
@@ -5055,7 +7834,7 @@
     </p:spTree>
     <p:extLst>
       <p:ext uri="{BB962C8B-B14F-4D97-AF65-F5344CB8AC3E}">
-        <p14:creationId xmlns:p14="http://schemas.microsoft.com/office/powerpoint/2010/main" val="2976682751"/>
+        <p14:creationId xmlns:p14="http://schemas.microsoft.com/office/powerpoint/2010/main" val="2040102313"/>
       </p:ext>
     </p:extLst>
   </p:cSld>
@@ -5066,12 +7845,18 @@
 </p:sld>
 </file>
 
-<file path=ppt/slides/slide7.xml><?xml version="1.0" encoding="utf-8"?>
+<file path=ppt/slides/slide5.xml><?xml version="1.0" encoding="utf-8"?>
 <p:sld xmlns:a="http://schemas.openxmlformats.org/drawingml/2006/main" xmlns:r="http://schemas.openxmlformats.org/officeDocument/2006/relationships" xmlns:p="http://schemas.openxmlformats.org/presentationml/2006/main">
   <p:cSld>
     <p:spTree>
       <p:nvGrpSpPr>
-        <p:cNvPr id="1" name=""/>
+        <p:cNvPr id="1" name="">
+          <a:extLst>
+            <a:ext uri="{FF2B5EF4-FFF2-40B4-BE49-F238E27FC236}">
+              <a16:creationId xmlns:a16="http://schemas.microsoft.com/office/drawing/2014/main" id="{3A601497-8A4C-206E-E206-A15DAF7DFEE9}"/>
+            </a:ext>
+          </a:extLst>
+        </p:cNvPr>
         <p:cNvGrpSpPr/>
         <p:nvPr/>
       </p:nvGrpSpPr>
@@ -5085,7 +7870,13 @@
       </p:grpSpPr>
       <p:sp>
         <p:nvSpPr>
-          <p:cNvPr id="6" name="Title 1"/>
+          <p:cNvPr id="6" name="Title 1">
+            <a:extLst>
+              <a:ext uri="{FF2B5EF4-FFF2-40B4-BE49-F238E27FC236}">
+                <a16:creationId xmlns:a16="http://schemas.microsoft.com/office/drawing/2014/main" id="{C9C67A7B-8F41-1DED-EEEA-B293E8C929BB}"/>
+              </a:ext>
+            </a:extLst>
+          </p:cNvPr>
           <p:cNvSpPr>
             <a:spLocks noGrp="1"/>
           </p:cNvSpPr>
@@ -5106,40 +7897,25 @@
           <a:lstStyle/>
           <a:p>
             <a:r>
-              <a:rPr lang="en-US" b="1" dirty="0" err="1">
+              <a:rPr lang="en-US" b="1" dirty="0">
                 <a:solidFill>
                   <a:srgbClr val="0070C0"/>
                 </a:solidFill>
               </a:rPr>
-              <a:t>Referências</a:t>
-            </a:r>
-            <a:r>
-              <a:rPr lang="en-US" b="1" dirty="0">
-                <a:solidFill>
-                  <a:srgbClr val="0070C0"/>
-                </a:solidFill>
-              </a:rPr>
-              <a:t> </a:t>
-            </a:r>
-            <a:r>
-              <a:rPr lang="en-US" b="1" dirty="0" err="1">
-                <a:solidFill>
-                  <a:srgbClr val="0070C0"/>
-                </a:solidFill>
-              </a:rPr>
-              <a:t>Bibliográficas</a:t>
-            </a:r>
-            <a:endParaRPr lang="en-US" b="1" dirty="0">
-              <a:solidFill>
-                <a:srgbClr val="0070C0"/>
-              </a:solidFill>
-            </a:endParaRPr>
+              <a:t>CLP – LADDER Contador</a:t>
+            </a:r>
           </a:p>
         </p:txBody>
       </p:sp>
       <p:sp>
         <p:nvSpPr>
-          <p:cNvPr id="8" name="Text Placeholder 2"/>
+          <p:cNvPr id="8" name="Text Placeholder 2">
+            <a:extLst>
+              <a:ext uri="{FF2B5EF4-FFF2-40B4-BE49-F238E27FC236}">
+                <a16:creationId xmlns:a16="http://schemas.microsoft.com/office/drawing/2014/main" id="{B46200D3-0A41-7697-4ADA-5D7468275888}"/>
+              </a:ext>
+            </a:extLst>
+          </p:cNvPr>
           <p:cNvSpPr>
             <a:spLocks noGrp="1"/>
           </p:cNvSpPr>
@@ -5149,8 +7925,8 @@
         </p:nvSpPr>
         <p:spPr>
           <a:xfrm>
-            <a:off x="139472" y="1063230"/>
-            <a:ext cx="8865056" cy="3874289"/>
+            <a:off x="142865" y="1035050"/>
+            <a:ext cx="8865056" cy="3994150"/>
           </a:xfrm>
         </p:spPr>
         <p:txBody>
@@ -5167,9 +7943,93 @@
                 <a:latin typeface="Times New Roman" panose="02020603050405020304" pitchFamily="18" charset="0"/>
                 <a:cs typeface="Times New Roman" panose="02020603050405020304" pitchFamily="18" charset="0"/>
               </a:rPr>
-              <a:t>[1] </a:t>
-            </a:r>
-            <a:endParaRPr lang="pt-BR" sz="2000" b="1" dirty="0">
+              <a:t>A </a:t>
+            </a:r>
+            <a:r>
+              <a:rPr lang="pt-BR" sz="2000" b="1" dirty="0">
+                <a:solidFill>
+                  <a:srgbClr val="FF0000"/>
+                </a:solidFill>
+                <a:latin typeface="Times New Roman" panose="02020603050405020304" pitchFamily="18" charset="0"/>
+                <a:cs typeface="Times New Roman" panose="02020603050405020304" pitchFamily="18" charset="0"/>
+              </a:rPr>
+              <a:t>contagem</a:t>
+            </a:r>
+            <a:r>
+              <a:rPr lang="pt-BR" sz="2000" dirty="0">
+                <a:latin typeface="Times New Roman" panose="02020603050405020304" pitchFamily="18" charset="0"/>
+                <a:cs typeface="Times New Roman" panose="02020603050405020304" pitchFamily="18" charset="0"/>
+              </a:rPr>
+              <a:t> é uma operação fundamental em sistemas automatizados, como em máquinas que precisam contar peças ou </a:t>
+            </a:r>
+            <a:r>
+              <a:rPr lang="pt-BR" sz="2000" b="1" dirty="0">
+                <a:latin typeface="Times New Roman" panose="02020603050405020304" pitchFamily="18" charset="0"/>
+                <a:cs typeface="Times New Roman" panose="02020603050405020304" pitchFamily="18" charset="0"/>
+              </a:rPr>
+              <a:t>realizar</a:t>
+            </a:r>
+            <a:r>
+              <a:rPr lang="pt-BR" sz="2000" dirty="0">
+                <a:latin typeface="Times New Roman" panose="02020603050405020304" pitchFamily="18" charset="0"/>
+                <a:cs typeface="Times New Roman" panose="02020603050405020304" pitchFamily="18" charset="0"/>
+              </a:rPr>
+              <a:t> determinadas </a:t>
+            </a:r>
+            <a:r>
+              <a:rPr lang="pt-BR" sz="2000" b="1" dirty="0">
+                <a:latin typeface="Times New Roman" panose="02020603050405020304" pitchFamily="18" charset="0"/>
+                <a:cs typeface="Times New Roman" panose="02020603050405020304" pitchFamily="18" charset="0"/>
+              </a:rPr>
+              <a:t>ações</a:t>
+            </a:r>
+            <a:r>
+              <a:rPr lang="pt-BR" sz="2000" dirty="0">
+                <a:latin typeface="Times New Roman" panose="02020603050405020304" pitchFamily="18" charset="0"/>
+                <a:cs typeface="Times New Roman" panose="02020603050405020304" pitchFamily="18" charset="0"/>
+              </a:rPr>
+              <a:t> após uma </a:t>
+            </a:r>
+            <a:r>
+              <a:rPr lang="pt-BR" sz="2000" b="1" dirty="0">
+                <a:solidFill>
+                  <a:srgbClr val="FF0000"/>
+                </a:solidFill>
+                <a:latin typeface="Times New Roman" panose="02020603050405020304" pitchFamily="18" charset="0"/>
+                <a:cs typeface="Times New Roman" panose="02020603050405020304" pitchFamily="18" charset="0"/>
+              </a:rPr>
+              <a:t>quantidade</a:t>
+            </a:r>
+            <a:r>
+              <a:rPr lang="pt-BR" sz="2000" dirty="0">
+                <a:latin typeface="Times New Roman" panose="02020603050405020304" pitchFamily="18" charset="0"/>
+                <a:cs typeface="Times New Roman" panose="02020603050405020304" pitchFamily="18" charset="0"/>
+              </a:rPr>
+              <a:t> específica de </a:t>
+            </a:r>
+            <a:r>
+              <a:rPr lang="pt-BR" sz="2000" b="1" dirty="0">
+                <a:solidFill>
+                  <a:srgbClr val="FF0000"/>
+                </a:solidFill>
+                <a:latin typeface="Times New Roman" panose="02020603050405020304" pitchFamily="18" charset="0"/>
+                <a:cs typeface="Times New Roman" panose="02020603050405020304" pitchFamily="18" charset="0"/>
+              </a:rPr>
+              <a:t>ciclos</a:t>
+            </a:r>
+            <a:r>
+              <a:rPr lang="pt-BR" sz="2000" dirty="0">
+                <a:latin typeface="Times New Roman" panose="02020603050405020304" pitchFamily="18" charset="0"/>
+                <a:cs typeface="Times New Roman" panose="02020603050405020304" pitchFamily="18" charset="0"/>
+              </a:rPr>
+              <a:t>. </a:t>
+            </a:r>
+          </a:p>
+          <a:p>
+            <a:pPr marL="0" indent="0" algn="just">
+              <a:buNone/>
+            </a:pPr>
+            <a:endParaRPr lang="pt-BR" sz="2000" dirty="0">
               <a:latin typeface="Times New Roman" panose="02020603050405020304" pitchFamily="18" charset="0"/>
               <a:cs typeface="Times New Roman" panose="02020603050405020304" pitchFamily="18" charset="0"/>
             </a:endParaRPr>
@@ -5178,60 +8038,880 @@
             <a:pPr marL="0" indent="0" algn="just">
               <a:buNone/>
             </a:pPr>
-            <a:endParaRPr lang="en-US" sz="2000" dirty="0">
+            <a:r>
+              <a:rPr lang="pt-BR" sz="2000" b="1" dirty="0">
+                <a:latin typeface="Times New Roman" panose="02020603050405020304" pitchFamily="18" charset="0"/>
+                <a:cs typeface="Times New Roman" panose="02020603050405020304" pitchFamily="18" charset="0"/>
+              </a:rPr>
+              <a:t>Contadores - </a:t>
+            </a:r>
+            <a:r>
+              <a:rPr lang="pt-BR" sz="2000" dirty="0">
+                <a:latin typeface="Times New Roman" panose="02020603050405020304" pitchFamily="18" charset="0"/>
+                <a:cs typeface="Times New Roman" panose="02020603050405020304" pitchFamily="18" charset="0"/>
+              </a:rPr>
+              <a:t>Existem dois tipos principais de contadores:</a:t>
+            </a:r>
+          </a:p>
+          <a:p>
+            <a:pPr marL="0" indent="0" algn="just">
+              <a:buNone/>
+            </a:pPr>
+            <a:endParaRPr lang="pt-BR" sz="2000" dirty="0">
               <a:latin typeface="Times New Roman" panose="02020603050405020304" pitchFamily="18" charset="0"/>
               <a:cs typeface="Times New Roman" panose="02020603050405020304" pitchFamily="18" charset="0"/>
             </a:endParaRPr>
           </a:p>
           <a:p>
-            <a:pPr marL="0" indent="0" algn="just">
-              <a:buNone/>
+            <a:pPr algn="just">
+              <a:buFont typeface="Wingdings" panose="05000000000000000000" pitchFamily="2" charset="2"/>
+              <a:buChar char="§"/>
             </a:pPr>
-            <a:endParaRPr lang="en-US" sz="2000" dirty="0">
-              <a:latin typeface="Times New Roman" panose="02020603050405020304" pitchFamily="18" charset="0"/>
-              <a:cs typeface="Times New Roman" panose="02020603050405020304" pitchFamily="18" charset="0"/>
-            </a:endParaRPr>
-          </a:p>
-          <a:p>
-            <a:pPr marL="0" indent="0" algn="just">
-              <a:buNone/>
+            <a:r>
+              <a:rPr lang="pt-BR" sz="2000" b="1" dirty="0">
+                <a:solidFill>
+                  <a:srgbClr val="FF0000"/>
+                </a:solidFill>
+                <a:latin typeface="Times New Roman" panose="02020603050405020304" pitchFamily="18" charset="0"/>
+                <a:cs typeface="Times New Roman" panose="02020603050405020304" pitchFamily="18" charset="0"/>
+              </a:rPr>
+              <a:t>Contador </a:t>
+            </a:r>
+            <a:r>
+              <a:rPr lang="pt-BR" sz="2000" b="1" dirty="0" err="1">
+                <a:solidFill>
+                  <a:srgbClr val="FF0000"/>
+                </a:solidFill>
+                <a:latin typeface="Times New Roman" panose="02020603050405020304" pitchFamily="18" charset="0"/>
+                <a:cs typeface="Times New Roman" panose="02020603050405020304" pitchFamily="18" charset="0"/>
+              </a:rPr>
+              <a:t>Up</a:t>
+            </a:r>
+            <a:r>
+              <a:rPr lang="pt-BR" sz="2000" b="1" dirty="0">
+                <a:solidFill>
+                  <a:srgbClr val="FF0000"/>
+                </a:solidFill>
+                <a:latin typeface="Times New Roman" panose="02020603050405020304" pitchFamily="18" charset="0"/>
+                <a:cs typeface="Times New Roman" panose="02020603050405020304" pitchFamily="18" charset="0"/>
+              </a:rPr>
+              <a:t> </a:t>
+            </a:r>
+            <a:r>
+              <a:rPr lang="pt-BR" sz="2000" dirty="0">
+                <a:latin typeface="Times New Roman" panose="02020603050405020304" pitchFamily="18" charset="0"/>
+                <a:cs typeface="Times New Roman" panose="02020603050405020304" pitchFamily="18" charset="0"/>
+              </a:rPr>
+              <a:t>(</a:t>
+            </a:r>
+            <a:r>
+              <a:rPr lang="pt-BR" sz="2000" b="1" dirty="0">
+                <a:latin typeface="Times New Roman" panose="02020603050405020304" pitchFamily="18" charset="0"/>
+                <a:cs typeface="Times New Roman" panose="02020603050405020304" pitchFamily="18" charset="0"/>
+              </a:rPr>
+              <a:t>CTU - Count </a:t>
+            </a:r>
+            <a:r>
+              <a:rPr lang="pt-BR" sz="2000" b="1" dirty="0" err="1">
+                <a:latin typeface="Times New Roman" panose="02020603050405020304" pitchFamily="18" charset="0"/>
+                <a:cs typeface="Times New Roman" panose="02020603050405020304" pitchFamily="18" charset="0"/>
+              </a:rPr>
+              <a:t>Up</a:t>
+            </a:r>
+            <a:r>
+              <a:rPr lang="pt-BR" sz="2000" dirty="0">
+                <a:latin typeface="Times New Roman" panose="02020603050405020304" pitchFamily="18" charset="0"/>
+                <a:cs typeface="Times New Roman" panose="02020603050405020304" pitchFamily="18" charset="0"/>
+              </a:rPr>
+              <a:t>): Conta o número de vezes que um evento ocorre até um valor máximo.</a:t>
+            </a:r>
+          </a:p>
+          <a:p>
+            <a:pPr algn="just">
+              <a:buFont typeface="Wingdings" panose="05000000000000000000" pitchFamily="2" charset="2"/>
+              <a:buChar char="§"/>
             </a:pPr>
-            <a:endParaRPr lang="en-US" sz="2000" dirty="0">
-              <a:latin typeface="Times New Roman" panose="02020603050405020304" pitchFamily="18" charset="0"/>
-              <a:cs typeface="Times New Roman" panose="02020603050405020304" pitchFamily="18" charset="0"/>
-            </a:endParaRPr>
-          </a:p>
-          <a:p>
-            <a:pPr marL="0" indent="0" algn="just">
-              <a:buNone/>
+            <a:r>
+              <a:rPr lang="pt-BR" sz="2000" b="1" dirty="0">
+                <a:solidFill>
+                  <a:srgbClr val="FF0000"/>
+                </a:solidFill>
+                <a:latin typeface="Times New Roman" panose="02020603050405020304" pitchFamily="18" charset="0"/>
+                <a:cs typeface="Times New Roman" panose="02020603050405020304" pitchFamily="18" charset="0"/>
+              </a:rPr>
+              <a:t>Contador Down </a:t>
+            </a:r>
+            <a:r>
+              <a:rPr lang="pt-BR" sz="2000" dirty="0">
+                <a:latin typeface="Times New Roman" panose="02020603050405020304" pitchFamily="18" charset="0"/>
+                <a:cs typeface="Times New Roman" panose="02020603050405020304" pitchFamily="18" charset="0"/>
+              </a:rPr>
+              <a:t>(</a:t>
+            </a:r>
+            <a:r>
+              <a:rPr lang="pt-BR" sz="2000" b="1" dirty="0">
+                <a:latin typeface="Times New Roman" panose="02020603050405020304" pitchFamily="18" charset="0"/>
+                <a:cs typeface="Times New Roman" panose="02020603050405020304" pitchFamily="18" charset="0"/>
+              </a:rPr>
+              <a:t>CTD - Count Down</a:t>
+            </a:r>
+            <a:r>
+              <a:rPr lang="pt-BR" sz="2000" dirty="0">
+                <a:latin typeface="Times New Roman" panose="02020603050405020304" pitchFamily="18" charset="0"/>
+                <a:cs typeface="Times New Roman" panose="02020603050405020304" pitchFamily="18" charset="0"/>
+              </a:rPr>
+              <a:t>): Conta de forma regressiva, ou seja, começa do valor máximo e vai diminuindo até atingir zero.</a:t>
+            </a:r>
+          </a:p>
+          <a:p>
+            <a:pPr algn="just">
+              <a:buFont typeface="Wingdings" panose="05000000000000000000" pitchFamily="2" charset="2"/>
+              <a:buChar char="§"/>
             </a:pPr>
-            <a:endParaRPr lang="en-US" sz="2000" dirty="0">
-              <a:latin typeface="Times New Roman" panose="02020603050405020304" pitchFamily="18" charset="0"/>
-              <a:cs typeface="Times New Roman" panose="02020603050405020304" pitchFamily="18" charset="0"/>
-            </a:endParaRPr>
-          </a:p>
-          <a:p>
-            <a:pPr marL="0" indent="0" algn="just">
-              <a:buNone/>
-            </a:pPr>
-            <a:r>
-              <a:rPr lang="pt-BR" sz="2000" dirty="0">
-                <a:latin typeface="Times New Roman" panose="02020603050405020304" pitchFamily="18" charset="0"/>
-                <a:cs typeface="Times New Roman" panose="02020603050405020304" pitchFamily="18" charset="0"/>
-              </a:rPr>
-              <a:t>[2] </a:t>
-            </a:r>
-            <a:endParaRPr lang="pt-BR" sz="2000" b="1" dirty="0">
-              <a:latin typeface="Times New Roman" panose="02020603050405020304" pitchFamily="18" charset="0"/>
-              <a:cs typeface="Times New Roman" panose="02020603050405020304" pitchFamily="18" charset="0"/>
-            </a:endParaRPr>
+            <a:r>
+              <a:rPr lang="pt-BR" sz="2000" b="1" dirty="0">
+                <a:solidFill>
+                  <a:srgbClr val="FF0000"/>
+                </a:solidFill>
+                <a:latin typeface="Times New Roman" panose="02020603050405020304" pitchFamily="18" charset="0"/>
+                <a:cs typeface="Times New Roman" panose="02020603050405020304" pitchFamily="18" charset="0"/>
+              </a:rPr>
+              <a:t>CTUD(</a:t>
+            </a:r>
+            <a:r>
+              <a:rPr lang="pt-BR" sz="2000" b="1" dirty="0">
+                <a:solidFill>
+                  <a:schemeClr val="tx1"/>
+                </a:solidFill>
+                <a:latin typeface="Times New Roman" panose="02020603050405020304" pitchFamily="18" charset="0"/>
+                <a:cs typeface="Times New Roman" panose="02020603050405020304" pitchFamily="18" charset="0"/>
+              </a:rPr>
+              <a:t>Ascendente/descendente –</a:t>
+            </a:r>
+            <a:r>
+              <a:rPr lang="pt-BR" sz="2000" b="1" dirty="0">
+                <a:solidFill>
+                  <a:srgbClr val="FF0000"/>
+                </a:solidFill>
+                <a:latin typeface="Times New Roman" panose="02020603050405020304" pitchFamily="18" charset="0"/>
+                <a:cs typeface="Times New Roman" panose="02020603050405020304" pitchFamily="18" charset="0"/>
+              </a:rPr>
+              <a:t> </a:t>
+            </a:r>
+            <a:r>
+              <a:rPr lang="pt-BR" sz="2000" b="1" dirty="0">
+                <a:solidFill>
+                  <a:schemeClr val="tx1"/>
+                </a:solidFill>
+                <a:latin typeface="Times New Roman" panose="02020603050405020304" pitchFamily="18" charset="0"/>
+                <a:cs typeface="Times New Roman" panose="02020603050405020304" pitchFamily="18" charset="0"/>
+              </a:rPr>
+              <a:t>Count </a:t>
+            </a:r>
+            <a:r>
+              <a:rPr lang="pt-BR" sz="2000" b="1" dirty="0" err="1">
+                <a:solidFill>
+                  <a:schemeClr val="tx1"/>
+                </a:solidFill>
+                <a:latin typeface="Times New Roman" panose="02020603050405020304" pitchFamily="18" charset="0"/>
+                <a:cs typeface="Times New Roman" panose="02020603050405020304" pitchFamily="18" charset="0"/>
+              </a:rPr>
+              <a:t>Up</a:t>
+            </a:r>
+            <a:r>
+              <a:rPr lang="pt-BR" sz="2000" b="1" dirty="0">
+                <a:solidFill>
+                  <a:schemeClr val="tx1"/>
+                </a:solidFill>
+                <a:latin typeface="Times New Roman" panose="02020603050405020304" pitchFamily="18" charset="0"/>
+                <a:cs typeface="Times New Roman" panose="02020603050405020304" pitchFamily="18" charset="0"/>
+              </a:rPr>
+              <a:t> </a:t>
+            </a:r>
+            <a:r>
+              <a:rPr lang="pt-BR" sz="2000" b="1" dirty="0" err="1">
+                <a:solidFill>
+                  <a:schemeClr val="tx1"/>
+                </a:solidFill>
+                <a:latin typeface="Times New Roman" panose="02020603050405020304" pitchFamily="18" charset="0"/>
+                <a:cs typeface="Times New Roman" panose="02020603050405020304" pitchFamily="18" charset="0"/>
+              </a:rPr>
+              <a:t>and</a:t>
+            </a:r>
+            <a:r>
+              <a:rPr lang="pt-BR" sz="2000" b="1" dirty="0">
+                <a:solidFill>
+                  <a:schemeClr val="tx1"/>
+                </a:solidFill>
+                <a:latin typeface="Times New Roman" panose="02020603050405020304" pitchFamily="18" charset="0"/>
+                <a:cs typeface="Times New Roman" panose="02020603050405020304" pitchFamily="18" charset="0"/>
+              </a:rPr>
+              <a:t> Down</a:t>
+            </a:r>
+            <a:r>
+              <a:rPr lang="pt-BR" sz="2000" b="1" dirty="0">
+                <a:solidFill>
+                  <a:srgbClr val="FF0000"/>
+                </a:solidFill>
+                <a:latin typeface="Times New Roman" panose="02020603050405020304" pitchFamily="18" charset="0"/>
+                <a:cs typeface="Times New Roman" panose="02020603050405020304" pitchFamily="18" charset="0"/>
+              </a:rPr>
+              <a:t>)</a:t>
+            </a:r>
           </a:p>
         </p:txBody>
       </p:sp>
     </p:spTree>
     <p:extLst>
       <p:ext uri="{BB962C8B-B14F-4D97-AF65-F5344CB8AC3E}">
-        <p14:creationId xmlns:p14="http://schemas.microsoft.com/office/powerpoint/2010/main" val="1115311843"/>
+        <p14:creationId xmlns:p14="http://schemas.microsoft.com/office/powerpoint/2010/main" val="3768565300"/>
+      </p:ext>
+    </p:extLst>
+  </p:cSld>
+  <p:clrMapOvr>
+    <a:masterClrMapping/>
+  </p:clrMapOvr>
+  <p:transition spd="med"/>
+</p:sld>
+</file>
+
+<file path=ppt/slides/slide6.xml><?xml version="1.0" encoding="utf-8"?>
+<p:sld xmlns:a="http://schemas.openxmlformats.org/drawingml/2006/main" xmlns:r="http://schemas.openxmlformats.org/officeDocument/2006/relationships" xmlns:p="http://schemas.openxmlformats.org/presentationml/2006/main">
+  <p:cSld>
+    <p:spTree>
+      <p:nvGrpSpPr>
+        <p:cNvPr id="1" name="">
+          <a:extLst>
+            <a:ext uri="{FF2B5EF4-FFF2-40B4-BE49-F238E27FC236}">
+              <a16:creationId xmlns:a16="http://schemas.microsoft.com/office/drawing/2014/main" id="{D9374F1D-63B7-286E-B684-FA6EB0BA1DFE}"/>
+            </a:ext>
+          </a:extLst>
+        </p:cNvPr>
+        <p:cNvGrpSpPr/>
+        <p:nvPr/>
+      </p:nvGrpSpPr>
+      <p:grpSpPr>
+        <a:xfrm>
+          <a:off x="0" y="0"/>
+          <a:ext cx="0" cy="0"/>
+          <a:chOff x="0" y="0"/>
+          <a:chExt cx="0" cy="0"/>
+        </a:xfrm>
+      </p:grpSpPr>
+      <p:sp>
+        <p:nvSpPr>
+          <p:cNvPr id="6" name="Title 1">
+            <a:extLst>
+              <a:ext uri="{FF2B5EF4-FFF2-40B4-BE49-F238E27FC236}">
+                <a16:creationId xmlns:a16="http://schemas.microsoft.com/office/drawing/2014/main" id="{AE702064-329E-0CA4-0FA6-8F0F7DBF1286}"/>
+              </a:ext>
+            </a:extLst>
+          </p:cNvPr>
+          <p:cNvSpPr>
+            <a:spLocks noGrp="1"/>
+          </p:cNvSpPr>
+          <p:nvPr>
+            <p:ph type="title"/>
+          </p:nvPr>
+        </p:nvSpPr>
+        <p:spPr>
+          <a:xfrm>
+            <a:off x="457200" y="205980"/>
+            <a:ext cx="8229600" cy="857251"/>
+          </a:xfrm>
+        </p:spPr>
+        <p:txBody>
+          <a:bodyPr>
+            <a:normAutofit/>
+          </a:bodyPr>
+          <a:lstStyle/>
+          <a:p>
+            <a:r>
+              <a:rPr lang="en-US" b="1" dirty="0">
+                <a:solidFill>
+                  <a:srgbClr val="0070C0"/>
+                </a:solidFill>
+              </a:rPr>
+              <a:t>CLP – </a:t>
+            </a:r>
+            <a:r>
+              <a:rPr lang="en-US" b="1" dirty="0" err="1">
+                <a:solidFill>
+                  <a:srgbClr val="0070C0"/>
+                </a:solidFill>
+              </a:rPr>
+              <a:t>Exemplo</a:t>
+            </a:r>
+            <a:r>
+              <a:rPr lang="en-US" b="1" dirty="0">
+                <a:solidFill>
+                  <a:srgbClr val="0070C0"/>
+                </a:solidFill>
+              </a:rPr>
+              <a:t> LADDER Contador</a:t>
+            </a:r>
+          </a:p>
+        </p:txBody>
+      </p:sp>
+      <p:sp>
+        <p:nvSpPr>
+          <p:cNvPr id="8" name="Text Placeholder 2">
+            <a:extLst>
+              <a:ext uri="{FF2B5EF4-FFF2-40B4-BE49-F238E27FC236}">
+                <a16:creationId xmlns:a16="http://schemas.microsoft.com/office/drawing/2014/main" id="{2C39B026-ED8C-EDE8-7C9D-6BDE5DC5E496}"/>
+              </a:ext>
+            </a:extLst>
+          </p:cNvPr>
+          <p:cNvSpPr>
+            <a:spLocks noGrp="1"/>
+          </p:cNvSpPr>
+          <p:nvPr>
+            <p:ph type="body" sz="half" idx="1"/>
+          </p:nvPr>
+        </p:nvSpPr>
+        <p:spPr>
+          <a:xfrm>
+            <a:off x="142865" y="1035050"/>
+            <a:ext cx="8865056" cy="3994150"/>
+          </a:xfrm>
+        </p:spPr>
+        <p:txBody>
+          <a:bodyPr>
+            <a:noAutofit/>
+          </a:bodyPr>
+          <a:lstStyle/>
+          <a:p>
+            <a:pPr marL="0" indent="0" algn="just">
+              <a:buNone/>
+            </a:pPr>
+            <a:r>
+              <a:rPr lang="pt-BR" sz="2000" dirty="0">
+                <a:latin typeface="Times New Roman" panose="02020603050405020304" pitchFamily="18" charset="0"/>
+                <a:cs typeface="Times New Roman" panose="02020603050405020304" pitchFamily="18" charset="0"/>
+              </a:rPr>
+              <a:t>Um </a:t>
+            </a:r>
+            <a:r>
+              <a:rPr lang="pt-BR" sz="2000" b="1" dirty="0">
+                <a:latin typeface="Times New Roman" panose="02020603050405020304" pitchFamily="18" charset="0"/>
+                <a:cs typeface="Times New Roman" panose="02020603050405020304" pitchFamily="18" charset="0"/>
+              </a:rPr>
+              <a:t>contador</a:t>
+            </a:r>
+            <a:r>
+              <a:rPr lang="pt-BR" sz="2000" dirty="0">
+                <a:latin typeface="Times New Roman" panose="02020603050405020304" pitchFamily="18" charset="0"/>
+                <a:cs typeface="Times New Roman" panose="02020603050405020304" pitchFamily="18" charset="0"/>
+              </a:rPr>
+              <a:t> pode ser </a:t>
+            </a:r>
+            <a:r>
+              <a:rPr lang="pt-BR" sz="2000" b="1" dirty="0">
+                <a:latin typeface="Times New Roman" panose="02020603050405020304" pitchFamily="18" charset="0"/>
+                <a:cs typeface="Times New Roman" panose="02020603050405020304" pitchFamily="18" charset="0"/>
+              </a:rPr>
+              <a:t>configurado</a:t>
+            </a:r>
+            <a:r>
+              <a:rPr lang="pt-BR" sz="2000" dirty="0">
+                <a:latin typeface="Times New Roman" panose="02020603050405020304" pitchFamily="18" charset="0"/>
+                <a:cs typeface="Times New Roman" panose="02020603050405020304" pitchFamily="18" charset="0"/>
+              </a:rPr>
+              <a:t> para </a:t>
+            </a:r>
+            <a:r>
+              <a:rPr lang="pt-BR" sz="2000" b="1" dirty="0">
+                <a:solidFill>
+                  <a:srgbClr val="FF0000"/>
+                </a:solidFill>
+                <a:latin typeface="Times New Roman" panose="02020603050405020304" pitchFamily="18" charset="0"/>
+                <a:cs typeface="Times New Roman" panose="02020603050405020304" pitchFamily="18" charset="0"/>
+              </a:rPr>
+              <a:t>contar o número de vezes que um sensor de presença detecta um objeto</a:t>
+            </a:r>
+            <a:r>
+              <a:rPr lang="pt-BR" sz="2000" dirty="0">
+                <a:latin typeface="Times New Roman" panose="02020603050405020304" pitchFamily="18" charset="0"/>
+                <a:cs typeface="Times New Roman" panose="02020603050405020304" pitchFamily="18" charset="0"/>
+              </a:rPr>
+              <a:t>. Ao atingir um valor especificado, uma saída pode ser ativada (por exemplo, uma máquina para de funcionar ou inicia outro processo).</a:t>
+            </a:r>
+          </a:p>
+          <a:p>
+            <a:pPr marL="0" indent="0" algn="just">
+              <a:buNone/>
+            </a:pPr>
+            <a:endParaRPr lang="pt-BR" sz="2000" dirty="0">
+              <a:latin typeface="Times New Roman" panose="02020603050405020304" pitchFamily="18" charset="0"/>
+              <a:cs typeface="Times New Roman" panose="02020603050405020304" pitchFamily="18" charset="0"/>
+            </a:endParaRPr>
+          </a:p>
+          <a:p>
+            <a:pPr marL="0" indent="0" algn="just">
+              <a:buNone/>
+            </a:pPr>
+            <a:r>
+              <a:rPr lang="pt-BR" sz="2000" dirty="0">
+                <a:latin typeface="Times New Roman" panose="02020603050405020304" pitchFamily="18" charset="0"/>
+                <a:cs typeface="Times New Roman" panose="02020603050405020304" pitchFamily="18" charset="0"/>
+              </a:rPr>
+              <a:t>Neste exemplo, o </a:t>
+            </a:r>
+            <a:r>
+              <a:rPr lang="pt-BR" sz="2000" b="1" dirty="0">
+                <a:latin typeface="Times New Roman" panose="02020603050405020304" pitchFamily="18" charset="0"/>
+                <a:cs typeface="Times New Roman" panose="02020603050405020304" pitchFamily="18" charset="0"/>
+              </a:rPr>
+              <a:t>CTU conta </a:t>
+            </a:r>
+            <a:r>
+              <a:rPr lang="pt-BR" sz="2000" dirty="0">
+                <a:latin typeface="Times New Roman" panose="02020603050405020304" pitchFamily="18" charset="0"/>
+                <a:cs typeface="Times New Roman" panose="02020603050405020304" pitchFamily="18" charset="0"/>
+              </a:rPr>
+              <a:t>a cada </a:t>
+            </a:r>
+            <a:r>
+              <a:rPr lang="pt-BR" sz="2000" b="1" dirty="0">
+                <a:solidFill>
+                  <a:srgbClr val="FF0000"/>
+                </a:solidFill>
+                <a:latin typeface="Times New Roman" panose="02020603050405020304" pitchFamily="18" charset="0"/>
+                <a:cs typeface="Times New Roman" panose="02020603050405020304" pitchFamily="18" charset="0"/>
+              </a:rPr>
+              <a:t>sinal de Sensor de Presença</a:t>
+            </a:r>
+            <a:r>
+              <a:rPr lang="pt-BR" sz="2000" dirty="0">
+                <a:latin typeface="Times New Roman" panose="02020603050405020304" pitchFamily="18" charset="0"/>
+                <a:cs typeface="Times New Roman" panose="02020603050405020304" pitchFamily="18" charset="0"/>
+              </a:rPr>
+              <a:t>, e quando </a:t>
+            </a:r>
+            <a:r>
+              <a:rPr lang="pt-BR" sz="2000" b="1" dirty="0">
+                <a:latin typeface="Times New Roman" panose="02020603050405020304" pitchFamily="18" charset="0"/>
+                <a:cs typeface="Times New Roman" panose="02020603050405020304" pitchFamily="18" charset="0"/>
+              </a:rPr>
+              <a:t>atingir o número determinado, ativa a Bobina</a:t>
+            </a:r>
+            <a:r>
+              <a:rPr lang="pt-BR" sz="2000" dirty="0">
+                <a:latin typeface="Times New Roman" panose="02020603050405020304" pitchFamily="18" charset="0"/>
+                <a:cs typeface="Times New Roman" panose="02020603050405020304" pitchFamily="18" charset="0"/>
+              </a:rPr>
+              <a:t>.</a:t>
+            </a:r>
+          </a:p>
+          <a:p>
+            <a:pPr marL="0" indent="0" algn="just">
+              <a:buNone/>
+            </a:pPr>
+            <a:endParaRPr lang="pt-BR" sz="2000" dirty="0">
+              <a:latin typeface="Times New Roman" panose="02020603050405020304" pitchFamily="18" charset="0"/>
+              <a:cs typeface="Times New Roman" panose="02020603050405020304" pitchFamily="18" charset="0"/>
+            </a:endParaRPr>
+          </a:p>
+          <a:p>
+            <a:pPr marL="0" indent="0" algn="just">
+              <a:buNone/>
+            </a:pPr>
+            <a:r>
+              <a:rPr lang="pt-BR" sz="2000" dirty="0">
+                <a:latin typeface="Times New Roman" panose="02020603050405020304" pitchFamily="18" charset="0"/>
+                <a:cs typeface="Times New Roman" panose="02020603050405020304" pitchFamily="18" charset="0"/>
+              </a:rPr>
+              <a:t>|--[ </a:t>
+            </a:r>
+            <a:r>
+              <a:rPr lang="pt-BR" sz="2000" b="1" dirty="0">
+                <a:solidFill>
+                  <a:srgbClr val="FF0000"/>
+                </a:solidFill>
+                <a:latin typeface="Times New Roman" panose="02020603050405020304" pitchFamily="18" charset="0"/>
+                <a:cs typeface="Times New Roman" panose="02020603050405020304" pitchFamily="18" charset="0"/>
+              </a:rPr>
+              <a:t>Sensor de Presença </a:t>
+            </a:r>
+            <a:r>
+              <a:rPr lang="pt-BR" sz="2000" dirty="0">
+                <a:latin typeface="Times New Roman" panose="02020603050405020304" pitchFamily="18" charset="0"/>
+                <a:cs typeface="Times New Roman" panose="02020603050405020304" pitchFamily="18" charset="0"/>
+              </a:rPr>
+              <a:t>]----[ </a:t>
+            </a:r>
+            <a:r>
+              <a:rPr lang="pt-BR" sz="2000" b="1" dirty="0">
+                <a:latin typeface="Times New Roman" panose="02020603050405020304" pitchFamily="18" charset="0"/>
+                <a:cs typeface="Times New Roman" panose="02020603050405020304" pitchFamily="18" charset="0"/>
+              </a:rPr>
+              <a:t>CTU</a:t>
+            </a:r>
+            <a:r>
+              <a:rPr lang="pt-BR" sz="2000" dirty="0">
+                <a:latin typeface="Times New Roman" panose="02020603050405020304" pitchFamily="18" charset="0"/>
+                <a:cs typeface="Times New Roman" panose="02020603050405020304" pitchFamily="18" charset="0"/>
+              </a:rPr>
+              <a:t> ]--|</a:t>
+            </a:r>
+          </a:p>
+          <a:p>
+            <a:pPr marL="0" indent="0" algn="just">
+              <a:buNone/>
+            </a:pPr>
+            <a:r>
+              <a:rPr lang="pt-BR" sz="2000" dirty="0">
+                <a:latin typeface="Times New Roman" panose="02020603050405020304" pitchFamily="18" charset="0"/>
+                <a:cs typeface="Times New Roman" panose="02020603050405020304" pitchFamily="18" charset="0"/>
+              </a:rPr>
+              <a:t>|                                      |</a:t>
+            </a:r>
+          </a:p>
+          <a:p>
+            <a:pPr marL="0" indent="0" algn="just">
+              <a:buNone/>
+            </a:pPr>
+            <a:r>
+              <a:rPr lang="pt-BR" sz="2000" dirty="0">
+                <a:latin typeface="Times New Roman" panose="02020603050405020304" pitchFamily="18" charset="0"/>
+                <a:cs typeface="Times New Roman" panose="02020603050405020304" pitchFamily="18" charset="0"/>
+              </a:rPr>
+              <a:t>|--[ </a:t>
+            </a:r>
+            <a:r>
+              <a:rPr lang="pt-BR" sz="2000" b="1" dirty="0">
+                <a:latin typeface="Times New Roman" panose="02020603050405020304" pitchFamily="18" charset="0"/>
+                <a:cs typeface="Times New Roman" panose="02020603050405020304" pitchFamily="18" charset="0"/>
+              </a:rPr>
+              <a:t>CTU Q1 </a:t>
+            </a:r>
+            <a:r>
+              <a:rPr lang="pt-BR" sz="2000" dirty="0">
+                <a:latin typeface="Times New Roman" panose="02020603050405020304" pitchFamily="18" charset="0"/>
+                <a:cs typeface="Times New Roman" panose="02020603050405020304" pitchFamily="18" charset="0"/>
+              </a:rPr>
+              <a:t>]----------------[ </a:t>
+            </a:r>
+            <a:r>
+              <a:rPr lang="pt-BR" sz="2000" b="1" dirty="0">
+                <a:solidFill>
+                  <a:srgbClr val="FF0000"/>
+                </a:solidFill>
+                <a:latin typeface="Times New Roman" panose="02020603050405020304" pitchFamily="18" charset="0"/>
+                <a:cs typeface="Times New Roman" panose="02020603050405020304" pitchFamily="18" charset="0"/>
+              </a:rPr>
+              <a:t>Bobina</a:t>
+            </a:r>
+            <a:r>
+              <a:rPr lang="pt-BR" sz="2000" dirty="0">
+                <a:latin typeface="Times New Roman" panose="02020603050405020304" pitchFamily="18" charset="0"/>
+                <a:cs typeface="Times New Roman" panose="02020603050405020304" pitchFamily="18" charset="0"/>
+              </a:rPr>
+              <a:t> ]--|</a:t>
+            </a:r>
+          </a:p>
+        </p:txBody>
+      </p:sp>
+    </p:spTree>
+    <p:extLst>
+      <p:ext uri="{BB962C8B-B14F-4D97-AF65-F5344CB8AC3E}">
+        <p14:creationId xmlns:p14="http://schemas.microsoft.com/office/powerpoint/2010/main" val="2067625307"/>
+      </p:ext>
+    </p:extLst>
+  </p:cSld>
+  <p:clrMapOvr>
+    <a:masterClrMapping/>
+  </p:clrMapOvr>
+  <p:transition spd="med"/>
+</p:sld>
+</file>
+
+<file path=ppt/slides/slide7.xml><?xml version="1.0" encoding="utf-8"?>
+<p:sld xmlns:a="http://schemas.openxmlformats.org/drawingml/2006/main" xmlns:r="http://schemas.openxmlformats.org/officeDocument/2006/relationships" xmlns:p="http://schemas.openxmlformats.org/presentationml/2006/main">
+  <p:cSld>
+    <p:spTree>
+      <p:nvGrpSpPr>
+        <p:cNvPr id="1" name="">
+          <a:extLst>
+            <a:ext uri="{FF2B5EF4-FFF2-40B4-BE49-F238E27FC236}">
+              <a16:creationId xmlns:a16="http://schemas.microsoft.com/office/drawing/2014/main" id="{CA235BF8-52FC-7BAF-5A18-4B1F70C69969}"/>
+            </a:ext>
+          </a:extLst>
+        </p:cNvPr>
+        <p:cNvGrpSpPr/>
+        <p:nvPr/>
+      </p:nvGrpSpPr>
+      <p:grpSpPr>
+        <a:xfrm>
+          <a:off x="0" y="0"/>
+          <a:ext cx="0" cy="0"/>
+          <a:chOff x="0" y="0"/>
+          <a:chExt cx="0" cy="0"/>
+        </a:xfrm>
+      </p:grpSpPr>
+      <p:sp>
+        <p:nvSpPr>
+          <p:cNvPr id="6" name="Title 1">
+            <a:extLst>
+              <a:ext uri="{FF2B5EF4-FFF2-40B4-BE49-F238E27FC236}">
+                <a16:creationId xmlns:a16="http://schemas.microsoft.com/office/drawing/2014/main" id="{CD25B963-45AC-F8E4-D480-BFE175A76DC5}"/>
+              </a:ext>
+            </a:extLst>
+          </p:cNvPr>
+          <p:cNvSpPr>
+            <a:spLocks noGrp="1"/>
+          </p:cNvSpPr>
+          <p:nvPr>
+            <p:ph type="title"/>
+          </p:nvPr>
+        </p:nvSpPr>
+        <p:spPr>
+          <a:xfrm>
+            <a:off x="457200" y="205980"/>
+            <a:ext cx="8229600" cy="857251"/>
+          </a:xfrm>
+        </p:spPr>
+        <p:txBody>
+          <a:bodyPr>
+            <a:normAutofit/>
+          </a:bodyPr>
+          <a:lstStyle/>
+          <a:p>
+            <a:r>
+              <a:rPr lang="en-US" b="1" dirty="0">
+                <a:solidFill>
+                  <a:srgbClr val="0070C0"/>
+                </a:solidFill>
+              </a:rPr>
+              <a:t>CLP – LADDER </a:t>
+            </a:r>
+            <a:r>
+              <a:rPr lang="en-US" b="1" dirty="0" err="1">
+                <a:solidFill>
+                  <a:srgbClr val="0070C0"/>
+                </a:solidFill>
+              </a:rPr>
+              <a:t>Temporizador</a:t>
+            </a:r>
+            <a:endParaRPr lang="en-US" b="1" dirty="0">
+              <a:solidFill>
+                <a:srgbClr val="0070C0"/>
+              </a:solidFill>
+            </a:endParaRPr>
+          </a:p>
+        </p:txBody>
+      </p:sp>
+      <p:sp>
+        <p:nvSpPr>
+          <p:cNvPr id="8" name="Text Placeholder 2">
+            <a:extLst>
+              <a:ext uri="{FF2B5EF4-FFF2-40B4-BE49-F238E27FC236}">
+                <a16:creationId xmlns:a16="http://schemas.microsoft.com/office/drawing/2014/main" id="{5682819D-5110-E97C-6B88-DFE769A51717}"/>
+              </a:ext>
+            </a:extLst>
+          </p:cNvPr>
+          <p:cNvSpPr>
+            <a:spLocks noGrp="1"/>
+          </p:cNvSpPr>
+          <p:nvPr>
+            <p:ph type="body" sz="half" idx="1"/>
+          </p:nvPr>
+        </p:nvSpPr>
+        <p:spPr>
+          <a:xfrm>
+            <a:off x="142865" y="1035050"/>
+            <a:ext cx="8865056" cy="3994150"/>
+          </a:xfrm>
+        </p:spPr>
+        <p:txBody>
+          <a:bodyPr>
+            <a:noAutofit/>
+          </a:bodyPr>
+          <a:lstStyle/>
+          <a:p>
+            <a:pPr marL="0" indent="0" algn="just">
+              <a:buNone/>
+            </a:pPr>
+            <a:r>
+              <a:rPr lang="pt-BR" sz="2000" dirty="0">
+                <a:latin typeface="Times New Roman" panose="02020603050405020304" pitchFamily="18" charset="0"/>
+                <a:cs typeface="Times New Roman" panose="02020603050405020304" pitchFamily="18" charset="0"/>
+              </a:rPr>
+              <a:t>Os </a:t>
+            </a:r>
+            <a:r>
+              <a:rPr lang="pt-BR" sz="2000" b="1" dirty="0">
+                <a:solidFill>
+                  <a:srgbClr val="FF0000"/>
+                </a:solidFill>
+                <a:latin typeface="Times New Roman" panose="02020603050405020304" pitchFamily="18" charset="0"/>
+                <a:cs typeface="Times New Roman" panose="02020603050405020304" pitchFamily="18" charset="0"/>
+              </a:rPr>
+              <a:t>temporizadores</a:t>
+            </a:r>
+            <a:r>
+              <a:rPr lang="pt-BR" sz="2000" dirty="0">
+                <a:latin typeface="Times New Roman" panose="02020603050405020304" pitchFamily="18" charset="0"/>
+                <a:cs typeface="Times New Roman" panose="02020603050405020304" pitchFamily="18" charset="0"/>
+              </a:rPr>
+              <a:t> são utilizados quando se deseja criar ações com base em um tempo pré-determinado. Existem três tipos principais de temporizadores no CLP:</a:t>
+            </a:r>
+          </a:p>
+          <a:p>
+            <a:pPr marL="0" indent="0" algn="just">
+              <a:buNone/>
+            </a:pPr>
+            <a:endParaRPr lang="pt-BR" sz="2000" dirty="0">
+              <a:latin typeface="Times New Roman" panose="02020603050405020304" pitchFamily="18" charset="0"/>
+              <a:cs typeface="Times New Roman" panose="02020603050405020304" pitchFamily="18" charset="0"/>
+            </a:endParaRPr>
+          </a:p>
+          <a:p>
+            <a:pPr algn="just">
+              <a:buFont typeface="Wingdings" panose="05000000000000000000" pitchFamily="2" charset="2"/>
+              <a:buChar char="§"/>
+            </a:pPr>
+            <a:r>
+              <a:rPr lang="pt-BR" sz="2000" b="1" dirty="0">
+                <a:solidFill>
+                  <a:srgbClr val="FF0000"/>
+                </a:solidFill>
+                <a:latin typeface="Times New Roman" panose="02020603050405020304" pitchFamily="18" charset="0"/>
+                <a:cs typeface="Times New Roman" panose="02020603050405020304" pitchFamily="18" charset="0"/>
+              </a:rPr>
+              <a:t>TON (Temporizador de Liga)</a:t>
+            </a:r>
+            <a:r>
+              <a:rPr lang="pt-BR" sz="2000" dirty="0">
+                <a:latin typeface="Times New Roman" panose="02020603050405020304" pitchFamily="18" charset="0"/>
+                <a:cs typeface="Times New Roman" panose="02020603050405020304" pitchFamily="18" charset="0"/>
+              </a:rPr>
+              <a:t>: O </a:t>
+            </a:r>
+            <a:r>
+              <a:rPr lang="pt-BR" sz="2000" b="1" dirty="0">
+                <a:latin typeface="Times New Roman" panose="02020603050405020304" pitchFamily="18" charset="0"/>
+                <a:cs typeface="Times New Roman" panose="02020603050405020304" pitchFamily="18" charset="0"/>
+              </a:rPr>
+              <a:t>TON</a:t>
+            </a:r>
+            <a:r>
+              <a:rPr lang="pt-BR" sz="2000" dirty="0">
+                <a:latin typeface="Times New Roman" panose="02020603050405020304" pitchFamily="18" charset="0"/>
+                <a:cs typeface="Times New Roman" panose="02020603050405020304" pitchFamily="18" charset="0"/>
+              </a:rPr>
+              <a:t> ativa a saída depois de um tempo de atraso, quando a condição de entrada permanece verdadeira. </a:t>
+            </a:r>
+            <a:r>
+              <a:rPr lang="pt-BR" sz="2000" b="1" dirty="0">
+                <a:solidFill>
+                  <a:srgbClr val="FF0000"/>
+                </a:solidFill>
+                <a:latin typeface="Times New Roman" panose="02020603050405020304" pitchFamily="18" charset="0"/>
+                <a:cs typeface="Times New Roman" panose="02020603050405020304" pitchFamily="18" charset="0"/>
+              </a:rPr>
+              <a:t>(Time ON Delay)</a:t>
+            </a:r>
+            <a:endParaRPr lang="pt-BR" sz="2000" dirty="0">
+              <a:latin typeface="Times New Roman" panose="02020603050405020304" pitchFamily="18" charset="0"/>
+              <a:cs typeface="Times New Roman" panose="02020603050405020304" pitchFamily="18" charset="0"/>
+            </a:endParaRPr>
+          </a:p>
+          <a:p>
+            <a:pPr algn="just">
+              <a:buFont typeface="Wingdings" panose="05000000000000000000" pitchFamily="2" charset="2"/>
+              <a:buChar char="§"/>
+            </a:pPr>
+            <a:endParaRPr lang="pt-BR" sz="2000" dirty="0">
+              <a:latin typeface="Times New Roman" panose="02020603050405020304" pitchFamily="18" charset="0"/>
+              <a:cs typeface="Times New Roman" panose="02020603050405020304" pitchFamily="18" charset="0"/>
+            </a:endParaRPr>
+          </a:p>
+          <a:p>
+            <a:pPr algn="just">
+              <a:buFont typeface="Wingdings" panose="05000000000000000000" pitchFamily="2" charset="2"/>
+              <a:buChar char="§"/>
+            </a:pPr>
+            <a:r>
+              <a:rPr lang="pt-BR" sz="2000" b="1" dirty="0">
+                <a:solidFill>
+                  <a:srgbClr val="FF0000"/>
+                </a:solidFill>
+                <a:latin typeface="Times New Roman" panose="02020603050405020304" pitchFamily="18" charset="0"/>
+                <a:cs typeface="Times New Roman" panose="02020603050405020304" pitchFamily="18" charset="0"/>
+              </a:rPr>
+              <a:t>TOF (Temporizador de Desliga)</a:t>
+            </a:r>
+            <a:r>
+              <a:rPr lang="pt-BR" sz="2000" dirty="0">
+                <a:latin typeface="Times New Roman" panose="02020603050405020304" pitchFamily="18" charset="0"/>
+                <a:cs typeface="Times New Roman" panose="02020603050405020304" pitchFamily="18" charset="0"/>
+              </a:rPr>
+              <a:t>: O </a:t>
+            </a:r>
+            <a:r>
+              <a:rPr lang="pt-BR" sz="2000" b="1" dirty="0">
+                <a:latin typeface="Times New Roman" panose="02020603050405020304" pitchFamily="18" charset="0"/>
+                <a:cs typeface="Times New Roman" panose="02020603050405020304" pitchFamily="18" charset="0"/>
+              </a:rPr>
+              <a:t>TOF</a:t>
+            </a:r>
+            <a:r>
+              <a:rPr lang="pt-BR" sz="2000" dirty="0">
+                <a:latin typeface="Times New Roman" panose="02020603050405020304" pitchFamily="18" charset="0"/>
+                <a:cs typeface="Times New Roman" panose="02020603050405020304" pitchFamily="18" charset="0"/>
+              </a:rPr>
+              <a:t> desativa a saída depois de um tempo de atraso, quando a condição de entrada deixa de ser verdadeira. </a:t>
+            </a:r>
+            <a:r>
+              <a:rPr lang="pt-BR" sz="2000" b="1" dirty="0">
+                <a:solidFill>
+                  <a:srgbClr val="FF0000"/>
+                </a:solidFill>
+                <a:latin typeface="Times New Roman" panose="02020603050405020304" pitchFamily="18" charset="0"/>
+                <a:cs typeface="Times New Roman" panose="02020603050405020304" pitchFamily="18" charset="0"/>
+              </a:rPr>
+              <a:t>(Time OF Delay)</a:t>
+            </a:r>
+          </a:p>
+          <a:p>
+            <a:pPr marL="0" indent="0" algn="just">
+              <a:buNone/>
+            </a:pPr>
+            <a:endParaRPr lang="pt-BR" sz="2000" dirty="0">
+              <a:latin typeface="Times New Roman" panose="02020603050405020304" pitchFamily="18" charset="0"/>
+              <a:cs typeface="Times New Roman" panose="02020603050405020304" pitchFamily="18" charset="0"/>
+            </a:endParaRPr>
+          </a:p>
+          <a:p>
+            <a:pPr algn="just">
+              <a:buFont typeface="Wingdings" panose="05000000000000000000" pitchFamily="2" charset="2"/>
+              <a:buChar char="§"/>
+            </a:pPr>
+            <a:r>
+              <a:rPr lang="pt-BR" sz="2000" b="1" dirty="0">
+                <a:solidFill>
+                  <a:srgbClr val="FF0000"/>
+                </a:solidFill>
+                <a:latin typeface="Times New Roman" panose="02020603050405020304" pitchFamily="18" charset="0"/>
+                <a:cs typeface="Times New Roman" panose="02020603050405020304" pitchFamily="18" charset="0"/>
+              </a:rPr>
+              <a:t>TP (Temporizador Padrão/Pulso)</a:t>
+            </a:r>
+            <a:r>
+              <a:rPr lang="pt-BR" sz="2000" dirty="0">
+                <a:latin typeface="Times New Roman" panose="02020603050405020304" pitchFamily="18" charset="0"/>
+                <a:cs typeface="Times New Roman" panose="02020603050405020304" pitchFamily="18" charset="0"/>
+              </a:rPr>
+              <a:t>: Um temporizador que ativa e desativa a saída em intervalos de tempo específicos.</a:t>
+            </a:r>
+          </a:p>
+        </p:txBody>
+      </p:sp>
+    </p:spTree>
+    <p:extLst>
+      <p:ext uri="{BB962C8B-B14F-4D97-AF65-F5344CB8AC3E}">
+        <p14:creationId xmlns:p14="http://schemas.microsoft.com/office/powerpoint/2010/main" val="3119761036"/>
       </p:ext>
     </p:extLst>
   </p:cSld>
@@ -5247,7 +8927,13 @@
   <p:cSld>
     <p:spTree>
       <p:nvGrpSpPr>
-        <p:cNvPr id="1" name=""/>
+        <p:cNvPr id="1" name="">
+          <a:extLst>
+            <a:ext uri="{FF2B5EF4-FFF2-40B4-BE49-F238E27FC236}">
+              <a16:creationId xmlns:a16="http://schemas.microsoft.com/office/drawing/2014/main" id="{CCFAFBEE-3DB6-47C1-4991-292CC2334B4B}"/>
+            </a:ext>
+          </a:extLst>
+        </p:cNvPr>
         <p:cNvGrpSpPr/>
         <p:nvPr/>
       </p:nvGrpSpPr>
@@ -5259,67 +8945,15 @@
           <a:chExt cx="0" cy="0"/>
         </a:xfrm>
       </p:grpSpPr>
-      <p:pic>
-        <p:nvPicPr>
-          <p:cNvPr id="112" name="Picture 6" descr="Picture 6"/>
-          <p:cNvPicPr>
-            <a:picLocks noChangeAspect="1"/>
-          </p:cNvPicPr>
-          <p:nvPr/>
-        </p:nvPicPr>
-        <p:blipFill>
-          <a:blip r:embed="rId2"/>
-          <a:stretch>
-            <a:fillRect/>
-          </a:stretch>
-        </p:blipFill>
-        <p:spPr>
-          <a:xfrm>
-            <a:off x="0" y="0"/>
-            <a:ext cx="9144000" cy="5143500"/>
-          </a:xfrm>
-          <a:prstGeom prst="rect">
-            <a:avLst/>
-          </a:prstGeom>
-          <a:ln w="12700">
-            <a:miter lim="400000"/>
-            <a:headEnd/>
-            <a:tailEnd/>
-          </a:ln>
-        </p:spPr>
-      </p:pic>
-      <p:pic>
-        <p:nvPicPr>
-          <p:cNvPr id="114" name="Picture 5" descr="Picture 5"/>
-          <p:cNvPicPr>
-            <a:picLocks noChangeAspect="1"/>
-          </p:cNvPicPr>
-          <p:nvPr/>
-        </p:nvPicPr>
-        <p:blipFill>
-          <a:blip r:embed="rId3"/>
-          <a:stretch>
-            <a:fillRect/>
-          </a:stretch>
-        </p:blipFill>
-        <p:spPr>
-          <a:xfrm>
-            <a:off x="469900" y="0"/>
-            <a:ext cx="4391984" cy="171450"/>
-          </a:xfrm>
-          <a:prstGeom prst="rect">
-            <a:avLst/>
-          </a:prstGeom>
-          <a:ln w="12700">
-            <a:miter lim="400000"/>
-            <a:headEnd/>
-            <a:tailEnd/>
-          </a:ln>
-        </p:spPr>
-      </p:pic>
       <p:sp>
         <p:nvSpPr>
-          <p:cNvPr id="3" name="Título 2"/>
+          <p:cNvPr id="6" name="Title 1">
+            <a:extLst>
+              <a:ext uri="{FF2B5EF4-FFF2-40B4-BE49-F238E27FC236}">
+                <a16:creationId xmlns:a16="http://schemas.microsoft.com/office/drawing/2014/main" id="{C53D0D2F-0479-AF64-BF2D-BC26727F9249}"/>
+              </a:ext>
+            </a:extLst>
+          </p:cNvPr>
           <p:cNvSpPr>
             <a:spLocks noGrp="1"/>
           </p:cNvSpPr>
@@ -5329,8 +8963,76 @@
         </p:nvSpPr>
         <p:spPr>
           <a:xfrm>
-            <a:off x="285751" y="2386770"/>
-            <a:ext cx="8615364" cy="1102519"/>
+            <a:off x="457200" y="205980"/>
+            <a:ext cx="8229600" cy="857251"/>
+          </a:xfrm>
+        </p:spPr>
+        <p:txBody>
+          <a:bodyPr>
+            <a:normAutofit fontScale="90000"/>
+          </a:bodyPr>
+          <a:lstStyle/>
+          <a:p>
+            <a:r>
+              <a:rPr lang="en-US" b="1" dirty="0">
+                <a:solidFill>
+                  <a:srgbClr val="0070C0"/>
+                </a:solidFill>
+              </a:rPr>
+              <a:t>CLP – </a:t>
+            </a:r>
+            <a:r>
+              <a:rPr lang="en-US" b="1" dirty="0" err="1">
+                <a:solidFill>
+                  <a:srgbClr val="0070C0"/>
+                </a:solidFill>
+              </a:rPr>
+              <a:t>Exemplo</a:t>
+            </a:r>
+            <a:r>
+              <a:rPr lang="en-US" b="1" dirty="0">
+                <a:solidFill>
+                  <a:srgbClr val="0070C0"/>
+                </a:solidFill>
+              </a:rPr>
+              <a:t> LADDER </a:t>
+            </a:r>
+            <a:r>
+              <a:rPr lang="en-US" b="1" dirty="0" err="1">
+                <a:solidFill>
+                  <a:srgbClr val="0070C0"/>
+                </a:solidFill>
+              </a:rPr>
+              <a:t>Temporizador</a:t>
+            </a:r>
+            <a:endParaRPr lang="en-US" b="1" dirty="0">
+              <a:solidFill>
+                <a:srgbClr val="0070C0"/>
+              </a:solidFill>
+            </a:endParaRPr>
+          </a:p>
+        </p:txBody>
+      </p:sp>
+      <p:sp>
+        <p:nvSpPr>
+          <p:cNvPr id="8" name="Text Placeholder 2">
+            <a:extLst>
+              <a:ext uri="{FF2B5EF4-FFF2-40B4-BE49-F238E27FC236}">
+                <a16:creationId xmlns:a16="http://schemas.microsoft.com/office/drawing/2014/main" id="{5909A167-9A77-4916-4871-4B5F75D72FEE}"/>
+              </a:ext>
+            </a:extLst>
+          </p:cNvPr>
+          <p:cNvSpPr>
+            <a:spLocks noGrp="1"/>
+          </p:cNvSpPr>
+          <p:nvPr>
+            <p:ph type="body" sz="half" idx="1"/>
+          </p:nvPr>
+        </p:nvSpPr>
+        <p:spPr>
+          <a:xfrm>
+            <a:off x="142865" y="1035050"/>
+            <a:ext cx="8865056" cy="3994150"/>
           </a:xfrm>
         </p:spPr>
         <p:txBody>
@@ -5339,356 +9041,634 @@
           </a:bodyPr>
           <a:lstStyle/>
           <a:p>
-            <a:r>
-              <a:rPr lang="pt-BR" sz="4800" b="1" dirty="0">
-                <a:solidFill>
-                  <a:schemeClr val="bg1"/>
-                </a:solidFill>
-              </a:rPr>
-              <a:t>Controladores Lógicos e Programáveis (CLP)</a:t>
-            </a:r>
+            <a:pPr marL="0" indent="0" algn="just">
+              <a:buNone/>
+            </a:pPr>
+            <a:r>
+              <a:rPr lang="pt-BR" sz="2200" dirty="0">
+                <a:latin typeface="Times New Roman" panose="02020603050405020304" pitchFamily="18" charset="0"/>
+                <a:cs typeface="Times New Roman" panose="02020603050405020304" pitchFamily="18" charset="0"/>
+              </a:rPr>
+              <a:t>Um </a:t>
+            </a:r>
+            <a:r>
+              <a:rPr lang="pt-BR" sz="2200" b="1" dirty="0">
+                <a:latin typeface="Times New Roman" panose="02020603050405020304" pitchFamily="18" charset="0"/>
+                <a:cs typeface="Times New Roman" panose="02020603050405020304" pitchFamily="18" charset="0"/>
+              </a:rPr>
+              <a:t>exemplo</a:t>
+            </a:r>
+            <a:r>
+              <a:rPr lang="pt-BR" sz="2200" dirty="0">
+                <a:latin typeface="Times New Roman" panose="02020603050405020304" pitchFamily="18" charset="0"/>
+                <a:cs typeface="Times New Roman" panose="02020603050405020304" pitchFamily="18" charset="0"/>
+              </a:rPr>
+              <a:t> clássico de uso do </a:t>
+            </a:r>
+            <a:r>
+              <a:rPr lang="pt-BR" sz="2200" b="1" dirty="0">
+                <a:latin typeface="Times New Roman" panose="02020603050405020304" pitchFamily="18" charset="0"/>
+                <a:cs typeface="Times New Roman" panose="02020603050405020304" pitchFamily="18" charset="0"/>
+              </a:rPr>
+              <a:t>TON</a:t>
+            </a:r>
+            <a:r>
+              <a:rPr lang="pt-BR" sz="2200" dirty="0">
+                <a:latin typeface="Times New Roman" panose="02020603050405020304" pitchFamily="18" charset="0"/>
+                <a:cs typeface="Times New Roman" panose="02020603050405020304" pitchFamily="18" charset="0"/>
+              </a:rPr>
+              <a:t> seria </a:t>
+            </a:r>
+            <a:r>
+              <a:rPr lang="pt-BR" sz="2200" b="1" dirty="0">
+                <a:solidFill>
+                  <a:srgbClr val="FF0000"/>
+                </a:solidFill>
+                <a:latin typeface="Times New Roman" panose="02020603050405020304" pitchFamily="18" charset="0"/>
+                <a:cs typeface="Times New Roman" panose="02020603050405020304" pitchFamily="18" charset="0"/>
+              </a:rPr>
+              <a:t>ligar</a:t>
+            </a:r>
+            <a:r>
+              <a:rPr lang="pt-BR" sz="2200" dirty="0">
+                <a:latin typeface="Times New Roman" panose="02020603050405020304" pitchFamily="18" charset="0"/>
+                <a:cs typeface="Times New Roman" panose="02020603050405020304" pitchFamily="18" charset="0"/>
+              </a:rPr>
+              <a:t> uma </a:t>
+            </a:r>
+            <a:r>
+              <a:rPr lang="pt-BR" sz="2200" b="1" dirty="0">
+                <a:solidFill>
+                  <a:srgbClr val="FF0000"/>
+                </a:solidFill>
+                <a:latin typeface="Times New Roman" panose="02020603050405020304" pitchFamily="18" charset="0"/>
+                <a:cs typeface="Times New Roman" panose="02020603050405020304" pitchFamily="18" charset="0"/>
+              </a:rPr>
+              <a:t>luz, 10 segundos após pressionar um botão</a:t>
+            </a:r>
+            <a:r>
+              <a:rPr lang="pt-BR" sz="2200" dirty="0">
+                <a:latin typeface="Times New Roman" panose="02020603050405020304" pitchFamily="18" charset="0"/>
+                <a:cs typeface="Times New Roman" panose="02020603050405020304" pitchFamily="18" charset="0"/>
+              </a:rPr>
+              <a:t>. Quando o botão for pressionado, o </a:t>
+            </a:r>
+            <a:r>
+              <a:rPr lang="pt-BR" sz="2200" b="1" dirty="0">
+                <a:latin typeface="Times New Roman" panose="02020603050405020304" pitchFamily="18" charset="0"/>
+                <a:cs typeface="Times New Roman" panose="02020603050405020304" pitchFamily="18" charset="0"/>
+              </a:rPr>
+              <a:t>temporizador começa a contar</a:t>
+            </a:r>
+            <a:r>
+              <a:rPr lang="pt-BR" sz="2200" dirty="0">
+                <a:latin typeface="Times New Roman" panose="02020603050405020304" pitchFamily="18" charset="0"/>
+                <a:cs typeface="Times New Roman" panose="02020603050405020304" pitchFamily="18" charset="0"/>
+              </a:rPr>
+              <a:t>, e </a:t>
+            </a:r>
+            <a:r>
+              <a:rPr lang="pt-BR" sz="2200" b="1" dirty="0">
+                <a:solidFill>
+                  <a:srgbClr val="FF0000"/>
+                </a:solidFill>
+                <a:latin typeface="Times New Roman" panose="02020603050405020304" pitchFamily="18" charset="0"/>
+                <a:cs typeface="Times New Roman" panose="02020603050405020304" pitchFamily="18" charset="0"/>
+              </a:rPr>
+              <a:t>depois de 10 segundos</a:t>
+            </a:r>
+            <a:r>
+              <a:rPr lang="pt-BR" sz="2200" dirty="0">
+                <a:latin typeface="Times New Roman" panose="02020603050405020304" pitchFamily="18" charset="0"/>
+                <a:cs typeface="Times New Roman" panose="02020603050405020304" pitchFamily="18" charset="0"/>
+              </a:rPr>
+              <a:t>, a </a:t>
+            </a:r>
+            <a:r>
+              <a:rPr lang="pt-BR" sz="2200" b="1" dirty="0">
+                <a:latin typeface="Times New Roman" panose="02020603050405020304" pitchFamily="18" charset="0"/>
+                <a:cs typeface="Times New Roman" panose="02020603050405020304" pitchFamily="18" charset="0"/>
+              </a:rPr>
+              <a:t>luz é ligada automaticamente</a:t>
+            </a:r>
+            <a:r>
+              <a:rPr lang="pt-BR" sz="2200" dirty="0">
+                <a:latin typeface="Times New Roman" panose="02020603050405020304" pitchFamily="18" charset="0"/>
+                <a:cs typeface="Times New Roman" panose="02020603050405020304" pitchFamily="18" charset="0"/>
+              </a:rPr>
+              <a:t>.</a:t>
+            </a:r>
+          </a:p>
+          <a:p>
+            <a:pPr marL="0" indent="0" algn="just">
+              <a:buNone/>
+            </a:pPr>
+            <a:endParaRPr lang="pt-BR" sz="2200" dirty="0">
+              <a:latin typeface="Times New Roman" panose="02020603050405020304" pitchFamily="18" charset="0"/>
+              <a:cs typeface="Times New Roman" panose="02020603050405020304" pitchFamily="18" charset="0"/>
+            </a:endParaRPr>
+          </a:p>
+          <a:p>
+            <a:pPr marL="0" indent="0" algn="just">
+              <a:buNone/>
+            </a:pPr>
+            <a:r>
+              <a:rPr lang="pt-BR" sz="2200" dirty="0">
+                <a:latin typeface="Times New Roman" panose="02020603050405020304" pitchFamily="18" charset="0"/>
+                <a:cs typeface="Times New Roman" panose="02020603050405020304" pitchFamily="18" charset="0"/>
+              </a:rPr>
+              <a:t>|--[ </a:t>
+            </a:r>
+            <a:r>
+              <a:rPr lang="pt-BR" sz="2200" b="1" dirty="0">
+                <a:solidFill>
+                  <a:srgbClr val="FF0000"/>
+                </a:solidFill>
+                <a:latin typeface="Times New Roman" panose="02020603050405020304" pitchFamily="18" charset="0"/>
+                <a:cs typeface="Times New Roman" panose="02020603050405020304" pitchFamily="18" charset="0"/>
+              </a:rPr>
+              <a:t>Botão de Pressão </a:t>
+            </a:r>
+            <a:r>
+              <a:rPr lang="pt-BR" sz="2200" dirty="0">
+                <a:latin typeface="Times New Roman" panose="02020603050405020304" pitchFamily="18" charset="0"/>
+                <a:cs typeface="Times New Roman" panose="02020603050405020304" pitchFamily="18" charset="0"/>
+              </a:rPr>
+              <a:t>]----[ </a:t>
+            </a:r>
+            <a:r>
+              <a:rPr lang="pt-BR" sz="2200" b="1" dirty="0">
+                <a:latin typeface="Times New Roman" panose="02020603050405020304" pitchFamily="18" charset="0"/>
+                <a:cs typeface="Times New Roman" panose="02020603050405020304" pitchFamily="18" charset="0"/>
+              </a:rPr>
+              <a:t>TON</a:t>
+            </a:r>
+            <a:r>
+              <a:rPr lang="pt-BR" sz="2200" dirty="0">
+                <a:latin typeface="Times New Roman" panose="02020603050405020304" pitchFamily="18" charset="0"/>
+                <a:cs typeface="Times New Roman" panose="02020603050405020304" pitchFamily="18" charset="0"/>
+              </a:rPr>
+              <a:t> ]----|</a:t>
+            </a:r>
+          </a:p>
+          <a:p>
+            <a:pPr marL="0" indent="0" algn="just">
+              <a:buNone/>
+            </a:pPr>
+            <a:r>
+              <a:rPr lang="pt-BR" sz="2200" dirty="0">
+                <a:latin typeface="Times New Roman" panose="02020603050405020304" pitchFamily="18" charset="0"/>
+                <a:cs typeface="Times New Roman" panose="02020603050405020304" pitchFamily="18" charset="0"/>
+              </a:rPr>
+              <a:t>|                                     |</a:t>
+            </a:r>
+          </a:p>
+          <a:p>
+            <a:pPr marL="0" indent="0" algn="just">
+              <a:buNone/>
+            </a:pPr>
+            <a:r>
+              <a:rPr lang="pt-BR" sz="2200" dirty="0">
+                <a:latin typeface="Times New Roman" panose="02020603050405020304" pitchFamily="18" charset="0"/>
+                <a:cs typeface="Times New Roman" panose="02020603050405020304" pitchFamily="18" charset="0"/>
+              </a:rPr>
+              <a:t>|--[ </a:t>
+            </a:r>
+            <a:r>
+              <a:rPr lang="pt-BR" sz="2200" b="1" dirty="0">
+                <a:latin typeface="Times New Roman" panose="02020603050405020304" pitchFamily="18" charset="0"/>
+                <a:cs typeface="Times New Roman" panose="02020603050405020304" pitchFamily="18" charset="0"/>
+              </a:rPr>
+              <a:t>TON Q1 </a:t>
+            </a:r>
+            <a:r>
+              <a:rPr lang="pt-BR" sz="2200" dirty="0">
+                <a:latin typeface="Times New Roman" panose="02020603050405020304" pitchFamily="18" charset="0"/>
+                <a:cs typeface="Times New Roman" panose="02020603050405020304" pitchFamily="18" charset="0"/>
+              </a:rPr>
+              <a:t>]----------------[ </a:t>
+            </a:r>
+            <a:r>
+              <a:rPr lang="pt-BR" sz="2200" b="1" dirty="0">
+                <a:solidFill>
+                  <a:srgbClr val="FF0000"/>
+                </a:solidFill>
+                <a:latin typeface="Times New Roman" panose="02020603050405020304" pitchFamily="18" charset="0"/>
+                <a:cs typeface="Times New Roman" panose="02020603050405020304" pitchFamily="18" charset="0"/>
+              </a:rPr>
+              <a:t>Luz</a:t>
+            </a:r>
+            <a:r>
+              <a:rPr lang="pt-BR" sz="2200" dirty="0">
+                <a:latin typeface="Times New Roman" panose="02020603050405020304" pitchFamily="18" charset="0"/>
+                <a:cs typeface="Times New Roman" panose="02020603050405020304" pitchFamily="18" charset="0"/>
+              </a:rPr>
+              <a:t> ]--|</a:t>
+            </a:r>
+          </a:p>
+        </p:txBody>
+      </p:sp>
+    </p:spTree>
+    <p:extLst>
+      <p:ext uri="{BB962C8B-B14F-4D97-AF65-F5344CB8AC3E}">
+        <p14:creationId xmlns:p14="http://schemas.microsoft.com/office/powerpoint/2010/main" val="2313124902"/>
+      </p:ext>
+    </p:extLst>
+  </p:cSld>
+  <p:clrMapOvr>
+    <a:masterClrMapping/>
+  </p:clrMapOvr>
+  <p:transition spd="med"/>
+</p:sld>
+</file>
+
+<file path=ppt/slides/slide9.xml><?xml version="1.0" encoding="utf-8"?>
+<p:sld xmlns:a="http://schemas.openxmlformats.org/drawingml/2006/main" xmlns:r="http://schemas.openxmlformats.org/officeDocument/2006/relationships" xmlns:p="http://schemas.openxmlformats.org/presentationml/2006/main">
+  <p:cSld>
+    <p:spTree>
+      <p:nvGrpSpPr>
+        <p:cNvPr id="1" name="">
+          <a:extLst>
+            <a:ext uri="{FF2B5EF4-FFF2-40B4-BE49-F238E27FC236}">
+              <a16:creationId xmlns:a16="http://schemas.microsoft.com/office/drawing/2014/main" id="{AA164884-A591-2E2D-5F9E-DC24130EC69D}"/>
+            </a:ext>
+          </a:extLst>
+        </p:cNvPr>
+        <p:cNvGrpSpPr/>
+        <p:nvPr/>
+      </p:nvGrpSpPr>
+      <p:grpSpPr>
+        <a:xfrm>
+          <a:off x="0" y="0"/>
+          <a:ext cx="0" cy="0"/>
+          <a:chOff x="0" y="0"/>
+          <a:chExt cx="0" cy="0"/>
+        </a:xfrm>
+      </p:grpSpPr>
+      <p:sp>
+        <p:nvSpPr>
+          <p:cNvPr id="6" name="Title 1">
+            <a:extLst>
+              <a:ext uri="{FF2B5EF4-FFF2-40B4-BE49-F238E27FC236}">
+                <a16:creationId xmlns:a16="http://schemas.microsoft.com/office/drawing/2014/main" id="{18F5BA0F-C276-5873-D4B9-D6433B68E4E8}"/>
+              </a:ext>
+            </a:extLst>
+          </p:cNvPr>
+          <p:cNvSpPr>
+            <a:spLocks noGrp="1"/>
+          </p:cNvSpPr>
+          <p:nvPr>
+            <p:ph type="title"/>
+          </p:nvPr>
+        </p:nvSpPr>
+        <p:spPr>
+          <a:xfrm>
+            <a:off x="457200" y="205980"/>
+            <a:ext cx="8229600" cy="857251"/>
+          </a:xfrm>
+        </p:spPr>
+        <p:txBody>
+          <a:bodyPr>
+            <a:normAutofit fontScale="90000"/>
+          </a:bodyPr>
+          <a:lstStyle/>
+          <a:p>
+            <a:r>
+              <a:rPr lang="en-US" b="1" dirty="0">
+                <a:solidFill>
+                  <a:srgbClr val="0070C0"/>
+                </a:solidFill>
+              </a:rPr>
+              <a:t>CLP – </a:t>
+            </a:r>
+            <a:r>
+              <a:rPr lang="en-US" b="1" dirty="0" err="1">
+                <a:solidFill>
+                  <a:srgbClr val="0070C0"/>
+                </a:solidFill>
+              </a:rPr>
+              <a:t>Exemplo</a:t>
+            </a:r>
+            <a:r>
+              <a:rPr lang="en-US" b="1" dirty="0">
+                <a:solidFill>
+                  <a:srgbClr val="0070C0"/>
+                </a:solidFill>
+              </a:rPr>
+              <a:t> LADDER </a:t>
+            </a:r>
+            <a:r>
+              <a:rPr lang="en-US" b="1" dirty="0" err="1">
+                <a:solidFill>
+                  <a:srgbClr val="0070C0"/>
+                </a:solidFill>
+              </a:rPr>
+              <a:t>Temporizador</a:t>
+            </a:r>
+            <a:endParaRPr lang="en-US" b="1" dirty="0">
+              <a:solidFill>
+                <a:srgbClr val="0070C0"/>
+              </a:solidFill>
+            </a:endParaRPr>
           </a:p>
         </p:txBody>
       </p:sp>
       <p:sp>
         <p:nvSpPr>
-          <p:cNvPr id="6" name="Título 2"/>
-          <p:cNvSpPr txBox="1"/>
-          <p:nvPr/>
+          <p:cNvPr id="8" name="Text Placeholder 2">
+            <a:extLst>
+              <a:ext uri="{FF2B5EF4-FFF2-40B4-BE49-F238E27FC236}">
+                <a16:creationId xmlns:a16="http://schemas.microsoft.com/office/drawing/2014/main" id="{EC0B4DEE-4792-DB2A-D37C-FDABBC8F1CCF}"/>
+              </a:ext>
+            </a:extLst>
+          </p:cNvPr>
+          <p:cNvSpPr>
+            <a:spLocks noGrp="1"/>
+          </p:cNvSpPr>
+          <p:nvPr>
+            <p:ph type="body" sz="half" idx="1"/>
+          </p:nvPr>
         </p:nvSpPr>
         <p:spPr>
           <a:xfrm>
-            <a:off x="975683" y="3866663"/>
-            <a:ext cx="7772400" cy="1102519"/>
+            <a:off x="142865" y="1035050"/>
+            <a:ext cx="8865056" cy="3994150"/>
           </a:xfrm>
-          <a:prstGeom prst="rect">
-            <a:avLst/>
-          </a:prstGeom>
-          <a:ln w="12700">
-            <a:miter lim="400000"/>
-          </a:ln>
         </p:spPr>
         <p:txBody>
-          <a:bodyPr lIns="45718" tIns="45718" rIns="45718" bIns="45718" anchor="ctr">
+          <a:bodyPr>
             <a:noAutofit/>
           </a:bodyPr>
-          <a:lstStyle>
-            <a:lvl1pPr marL="0" marR="0" indent="0" algn="ctr" defTabSz="457200" rtl="0" latinLnBrk="0">
-              <a:lnSpc>
-                <a:spcPct val="100000"/>
-              </a:lnSpc>
-              <a:spcBef>
-                <a:spcPts val="0"/>
-              </a:spcBef>
-              <a:spcAft>
-                <a:spcPts val="0"/>
-              </a:spcAft>
-              <a:buClrTx/>
-              <a:buSzTx/>
-              <a:buFontTx/>
+          <a:lstStyle/>
+          <a:p>
+            <a:pPr marL="0" indent="0" algn="just">
               <a:buNone/>
-              <a:defRPr sz="4400" b="0" i="0" u="none" strike="noStrike" cap="none" spc="0" baseline="0">
-                <a:ln>
-                  <a:noFill/>
-                </a:ln>
-                <a:solidFill>
-                  <a:srgbClr val="000000"/>
-                </a:solidFill>
-                <a:uFillTx/>
-                <a:latin typeface="+mj-lt"/>
-                <a:ea typeface="+mj-ea"/>
-                <a:cs typeface="+mj-cs"/>
-                <a:sym typeface="Calibri"/>
-              </a:defRPr>
-            </a:lvl1pPr>
-            <a:lvl2pPr marL="0" marR="0" indent="0" algn="ctr" defTabSz="457200" rtl="0" latinLnBrk="0">
-              <a:lnSpc>
-                <a:spcPct val="100000"/>
-              </a:lnSpc>
-              <a:spcBef>
-                <a:spcPts val="0"/>
-              </a:spcBef>
-              <a:spcAft>
-                <a:spcPts val="0"/>
-              </a:spcAft>
-              <a:buClrTx/>
-              <a:buSzTx/>
-              <a:buFontTx/>
+            </a:pPr>
+            <a:r>
+              <a:rPr lang="pt-BR" sz="2000" b="1" dirty="0">
+                <a:solidFill>
+                  <a:srgbClr val="FF0000"/>
+                </a:solidFill>
+                <a:latin typeface="Times New Roman" panose="02020603050405020304" pitchFamily="18" charset="0"/>
+                <a:cs typeface="Times New Roman" panose="02020603050405020304" pitchFamily="18" charset="0"/>
+              </a:rPr>
+              <a:t>Exemplo 1</a:t>
+            </a:r>
+            <a:r>
+              <a:rPr lang="pt-BR" sz="2000" b="1" dirty="0">
+                <a:latin typeface="Times New Roman" panose="02020603050405020304" pitchFamily="18" charset="0"/>
+                <a:cs typeface="Times New Roman" panose="02020603050405020304" pitchFamily="18" charset="0"/>
+              </a:rPr>
+              <a:t>: Contagem de Peças</a:t>
+            </a:r>
+          </a:p>
+          <a:p>
+            <a:pPr marL="0" indent="0" algn="just">
               <a:buNone/>
-              <a:defRPr sz="4400" b="0" i="0" u="none" strike="noStrike" cap="none" spc="0" baseline="0">
-                <a:ln>
-                  <a:noFill/>
-                </a:ln>
-                <a:solidFill>
-                  <a:srgbClr val="000000"/>
-                </a:solidFill>
-                <a:uFillTx/>
-                <a:latin typeface="+mj-lt"/>
-                <a:ea typeface="+mj-ea"/>
-                <a:cs typeface="+mj-cs"/>
-                <a:sym typeface="Calibri"/>
-              </a:defRPr>
-            </a:lvl2pPr>
-            <a:lvl3pPr marL="0" marR="0" indent="0" algn="ctr" defTabSz="457200" rtl="0" latinLnBrk="0">
-              <a:lnSpc>
-                <a:spcPct val="100000"/>
-              </a:lnSpc>
-              <a:spcBef>
-                <a:spcPts val="0"/>
-              </a:spcBef>
-              <a:spcAft>
-                <a:spcPts val="0"/>
-              </a:spcAft>
-              <a:buClrTx/>
-              <a:buSzTx/>
-              <a:buFontTx/>
+            </a:pPr>
+            <a:endParaRPr lang="pt-BR" sz="2000" dirty="0">
+              <a:latin typeface="Times New Roman" panose="02020603050405020304" pitchFamily="18" charset="0"/>
+              <a:cs typeface="Times New Roman" panose="02020603050405020304" pitchFamily="18" charset="0"/>
+            </a:endParaRPr>
+          </a:p>
+          <a:p>
+            <a:pPr marL="0" indent="0" algn="just">
               <a:buNone/>
-              <a:defRPr sz="4400" b="0" i="0" u="none" strike="noStrike" cap="none" spc="0" baseline="0">
-                <a:ln>
-                  <a:noFill/>
-                </a:ln>
-                <a:solidFill>
-                  <a:srgbClr val="000000"/>
-                </a:solidFill>
-                <a:uFillTx/>
-                <a:latin typeface="+mj-lt"/>
-                <a:ea typeface="+mj-ea"/>
-                <a:cs typeface="+mj-cs"/>
-                <a:sym typeface="Calibri"/>
-              </a:defRPr>
-            </a:lvl3pPr>
-            <a:lvl4pPr marL="0" marR="0" indent="0" algn="ctr" defTabSz="457200" rtl="0" latinLnBrk="0">
-              <a:lnSpc>
-                <a:spcPct val="100000"/>
-              </a:lnSpc>
-              <a:spcBef>
-                <a:spcPts val="0"/>
-              </a:spcBef>
-              <a:spcAft>
-                <a:spcPts val="0"/>
-              </a:spcAft>
-              <a:buClrTx/>
-              <a:buSzTx/>
-              <a:buFontTx/>
+            </a:pPr>
+            <a:r>
+              <a:rPr lang="pt-BR" sz="2000" dirty="0">
+                <a:latin typeface="Times New Roman" panose="02020603050405020304" pitchFamily="18" charset="0"/>
+                <a:cs typeface="Times New Roman" panose="02020603050405020304" pitchFamily="18" charset="0"/>
+              </a:rPr>
+              <a:t>Imagine um </a:t>
+            </a:r>
+            <a:r>
+              <a:rPr lang="pt-BR" sz="2000" b="1" dirty="0">
+                <a:latin typeface="Times New Roman" panose="02020603050405020304" pitchFamily="18" charset="0"/>
+                <a:cs typeface="Times New Roman" panose="02020603050405020304" pitchFamily="18" charset="0"/>
+              </a:rPr>
+              <a:t>sistema de transporte de peças </a:t>
+            </a:r>
+            <a:r>
+              <a:rPr lang="pt-BR" sz="2000" dirty="0">
+                <a:latin typeface="Times New Roman" panose="02020603050405020304" pitchFamily="18" charset="0"/>
+                <a:cs typeface="Times New Roman" panose="02020603050405020304" pitchFamily="18" charset="0"/>
+              </a:rPr>
+              <a:t>onde, após a </a:t>
+            </a:r>
+            <a:r>
+              <a:rPr lang="pt-BR" sz="2000" b="1" dirty="0">
+                <a:solidFill>
+                  <a:srgbClr val="FF0000"/>
+                </a:solidFill>
+                <a:latin typeface="Times New Roman" panose="02020603050405020304" pitchFamily="18" charset="0"/>
+                <a:cs typeface="Times New Roman" panose="02020603050405020304" pitchFamily="18" charset="0"/>
+              </a:rPr>
+              <a:t>contagem de 50 peças</a:t>
+            </a:r>
+            <a:r>
+              <a:rPr lang="pt-BR" sz="2000" dirty="0">
+                <a:latin typeface="Times New Roman" panose="02020603050405020304" pitchFamily="18" charset="0"/>
+                <a:cs typeface="Times New Roman" panose="02020603050405020304" pitchFamily="18" charset="0"/>
+              </a:rPr>
+              <a:t>, o </a:t>
+            </a:r>
+            <a:r>
+              <a:rPr lang="pt-BR" sz="2000" b="1" dirty="0">
+                <a:latin typeface="Times New Roman" panose="02020603050405020304" pitchFamily="18" charset="0"/>
+                <a:cs typeface="Times New Roman" panose="02020603050405020304" pitchFamily="18" charset="0"/>
+              </a:rPr>
+              <a:t>CLP aciona um alarme</a:t>
+            </a:r>
+            <a:r>
+              <a:rPr lang="pt-BR" sz="2000" dirty="0">
+                <a:latin typeface="Times New Roman" panose="02020603050405020304" pitchFamily="18" charset="0"/>
+                <a:cs typeface="Times New Roman" panose="02020603050405020304" pitchFamily="18" charset="0"/>
+              </a:rPr>
+              <a:t>. O diagrama de </a:t>
+            </a:r>
+            <a:r>
+              <a:rPr lang="pt-BR" sz="2000" dirty="0" err="1">
+                <a:latin typeface="Times New Roman" panose="02020603050405020304" pitchFamily="18" charset="0"/>
+                <a:cs typeface="Times New Roman" panose="02020603050405020304" pitchFamily="18" charset="0"/>
+              </a:rPr>
+              <a:t>Ladder</a:t>
+            </a:r>
+            <a:r>
+              <a:rPr lang="pt-BR" sz="2000" dirty="0">
+                <a:latin typeface="Times New Roman" panose="02020603050405020304" pitchFamily="18" charset="0"/>
+                <a:cs typeface="Times New Roman" panose="02020603050405020304" pitchFamily="18" charset="0"/>
+              </a:rPr>
+              <a:t> seria assim:</a:t>
+            </a:r>
+          </a:p>
+          <a:p>
+            <a:pPr marL="0" indent="0" algn="just">
               <a:buNone/>
-              <a:defRPr sz="4400" b="0" i="0" u="none" strike="noStrike" cap="none" spc="0" baseline="0">
-                <a:ln>
-                  <a:noFill/>
-                </a:ln>
-                <a:solidFill>
-                  <a:srgbClr val="000000"/>
-                </a:solidFill>
-                <a:uFillTx/>
-                <a:latin typeface="+mj-lt"/>
-                <a:ea typeface="+mj-ea"/>
-                <a:cs typeface="+mj-cs"/>
-                <a:sym typeface="Calibri"/>
-              </a:defRPr>
-            </a:lvl4pPr>
-            <a:lvl5pPr marL="0" marR="0" indent="0" algn="ctr" defTabSz="457200" rtl="0" latinLnBrk="0">
-              <a:lnSpc>
-                <a:spcPct val="100000"/>
-              </a:lnSpc>
-              <a:spcBef>
-                <a:spcPts val="0"/>
-              </a:spcBef>
-              <a:spcAft>
-                <a:spcPts val="0"/>
-              </a:spcAft>
-              <a:buClrTx/>
-              <a:buSzTx/>
-              <a:buFontTx/>
+            </a:pPr>
+            <a:endParaRPr lang="pt-BR" sz="2000" dirty="0">
+              <a:latin typeface="Times New Roman" panose="02020603050405020304" pitchFamily="18" charset="0"/>
+              <a:cs typeface="Times New Roman" panose="02020603050405020304" pitchFamily="18" charset="0"/>
+            </a:endParaRPr>
+          </a:p>
+          <a:p>
+            <a:pPr marL="0" indent="0" algn="just">
               <a:buNone/>
-              <a:defRPr sz="4400" b="0" i="0" u="none" strike="noStrike" cap="none" spc="0" baseline="0">
-                <a:ln>
-                  <a:noFill/>
-                </a:ln>
-                <a:solidFill>
-                  <a:srgbClr val="000000"/>
-                </a:solidFill>
-                <a:uFillTx/>
-                <a:latin typeface="+mj-lt"/>
-                <a:ea typeface="+mj-ea"/>
-                <a:cs typeface="+mj-cs"/>
-                <a:sym typeface="Calibri"/>
-              </a:defRPr>
-            </a:lvl5pPr>
-            <a:lvl6pPr marL="0" marR="0" indent="0" algn="ctr" defTabSz="457200" rtl="0" latinLnBrk="0">
-              <a:lnSpc>
-                <a:spcPct val="100000"/>
-              </a:lnSpc>
-              <a:spcBef>
-                <a:spcPts val="0"/>
-              </a:spcBef>
-              <a:spcAft>
-                <a:spcPts val="0"/>
-              </a:spcAft>
-              <a:buClrTx/>
-              <a:buSzTx/>
-              <a:buFontTx/>
+            </a:pPr>
+            <a:r>
+              <a:rPr lang="pt-BR" sz="2000" dirty="0">
+                <a:latin typeface="Times New Roman" panose="02020603050405020304" pitchFamily="18" charset="0"/>
+                <a:cs typeface="Times New Roman" panose="02020603050405020304" pitchFamily="18" charset="0"/>
+              </a:rPr>
+              <a:t>|--[ </a:t>
+            </a:r>
+            <a:r>
+              <a:rPr lang="pt-BR" sz="2000" b="1" dirty="0">
+                <a:solidFill>
+                  <a:srgbClr val="FF0000"/>
+                </a:solidFill>
+                <a:latin typeface="Times New Roman" panose="02020603050405020304" pitchFamily="18" charset="0"/>
+                <a:cs typeface="Times New Roman" panose="02020603050405020304" pitchFamily="18" charset="0"/>
+              </a:rPr>
+              <a:t>Sensor de Peça </a:t>
+            </a:r>
+            <a:r>
+              <a:rPr lang="pt-BR" sz="2000" dirty="0">
+                <a:latin typeface="Times New Roman" panose="02020603050405020304" pitchFamily="18" charset="0"/>
+                <a:cs typeface="Times New Roman" panose="02020603050405020304" pitchFamily="18" charset="0"/>
+              </a:rPr>
+              <a:t>]----[ </a:t>
+            </a:r>
+            <a:r>
+              <a:rPr lang="pt-BR" sz="2000" b="1" dirty="0">
+                <a:latin typeface="Times New Roman" panose="02020603050405020304" pitchFamily="18" charset="0"/>
+                <a:cs typeface="Times New Roman" panose="02020603050405020304" pitchFamily="18" charset="0"/>
+              </a:rPr>
+              <a:t>CTU</a:t>
+            </a:r>
+            <a:r>
+              <a:rPr lang="pt-BR" sz="2000" dirty="0">
+                <a:latin typeface="Times New Roman" panose="02020603050405020304" pitchFamily="18" charset="0"/>
+                <a:cs typeface="Times New Roman" panose="02020603050405020304" pitchFamily="18" charset="0"/>
+              </a:rPr>
+              <a:t> ]--|</a:t>
+            </a:r>
+          </a:p>
+          <a:p>
+            <a:pPr marL="0" indent="0" algn="just">
               <a:buNone/>
-              <a:defRPr sz="4400" b="0" i="0" u="none" strike="noStrike" cap="none" spc="0" baseline="0">
-                <a:ln>
-                  <a:noFill/>
-                </a:ln>
-                <a:solidFill>
-                  <a:srgbClr val="000000"/>
-                </a:solidFill>
-                <a:uFillTx/>
-                <a:latin typeface="+mj-lt"/>
-                <a:ea typeface="+mj-ea"/>
-                <a:cs typeface="+mj-cs"/>
-                <a:sym typeface="Calibri"/>
-              </a:defRPr>
-            </a:lvl6pPr>
-            <a:lvl7pPr marL="0" marR="0" indent="0" algn="ctr" defTabSz="457200" rtl="0" latinLnBrk="0">
-              <a:lnSpc>
-                <a:spcPct val="100000"/>
-              </a:lnSpc>
-              <a:spcBef>
-                <a:spcPts val="0"/>
-              </a:spcBef>
-              <a:spcAft>
-                <a:spcPts val="0"/>
-              </a:spcAft>
-              <a:buClrTx/>
-              <a:buSzTx/>
-              <a:buFontTx/>
+            </a:pPr>
+            <a:r>
+              <a:rPr lang="pt-BR" sz="2000" dirty="0">
+                <a:latin typeface="Times New Roman" panose="02020603050405020304" pitchFamily="18" charset="0"/>
+                <a:cs typeface="Times New Roman" panose="02020603050405020304" pitchFamily="18" charset="0"/>
+              </a:rPr>
+              <a:t>|                                  |</a:t>
+            </a:r>
+          </a:p>
+          <a:p>
+            <a:pPr marL="0" indent="0" algn="just">
               <a:buNone/>
-              <a:defRPr sz="4400" b="0" i="0" u="none" strike="noStrike" cap="none" spc="0" baseline="0">
-                <a:ln>
-                  <a:noFill/>
-                </a:ln>
-                <a:solidFill>
-                  <a:srgbClr val="000000"/>
-                </a:solidFill>
-                <a:uFillTx/>
-                <a:latin typeface="+mj-lt"/>
-                <a:ea typeface="+mj-ea"/>
-                <a:cs typeface="+mj-cs"/>
-                <a:sym typeface="Calibri"/>
-              </a:defRPr>
-            </a:lvl7pPr>
-            <a:lvl8pPr marL="0" marR="0" indent="0" algn="ctr" defTabSz="457200" rtl="0" latinLnBrk="0">
-              <a:lnSpc>
-                <a:spcPct val="100000"/>
-              </a:lnSpc>
-              <a:spcBef>
-                <a:spcPts val="0"/>
-              </a:spcBef>
-              <a:spcAft>
-                <a:spcPts val="0"/>
-              </a:spcAft>
-              <a:buClrTx/>
-              <a:buSzTx/>
-              <a:buFontTx/>
+            </a:pPr>
+            <a:r>
+              <a:rPr lang="pt-BR" sz="2000" dirty="0">
+                <a:latin typeface="Times New Roman" panose="02020603050405020304" pitchFamily="18" charset="0"/>
+                <a:cs typeface="Times New Roman" panose="02020603050405020304" pitchFamily="18" charset="0"/>
+              </a:rPr>
+              <a:t>|--[ </a:t>
+            </a:r>
+            <a:r>
+              <a:rPr lang="pt-BR" sz="2000" b="1" dirty="0">
+                <a:latin typeface="Times New Roman" panose="02020603050405020304" pitchFamily="18" charset="0"/>
+                <a:cs typeface="Times New Roman" panose="02020603050405020304" pitchFamily="18" charset="0"/>
+              </a:rPr>
+              <a:t>CTU Q1 </a:t>
+            </a:r>
+            <a:r>
+              <a:rPr lang="pt-BR" sz="2000" dirty="0">
+                <a:latin typeface="Times New Roman" panose="02020603050405020304" pitchFamily="18" charset="0"/>
+                <a:cs typeface="Times New Roman" panose="02020603050405020304" pitchFamily="18" charset="0"/>
+              </a:rPr>
+              <a:t>]---------------[ </a:t>
+            </a:r>
+            <a:r>
+              <a:rPr lang="pt-BR" sz="2000" b="1" dirty="0">
+                <a:solidFill>
+                  <a:srgbClr val="FF0000"/>
+                </a:solidFill>
+                <a:latin typeface="Times New Roman" panose="02020603050405020304" pitchFamily="18" charset="0"/>
+                <a:cs typeface="Times New Roman" panose="02020603050405020304" pitchFamily="18" charset="0"/>
+              </a:rPr>
+              <a:t>Alarme</a:t>
+            </a:r>
+            <a:r>
+              <a:rPr lang="pt-BR" sz="2000" dirty="0">
+                <a:latin typeface="Times New Roman" panose="02020603050405020304" pitchFamily="18" charset="0"/>
+                <a:cs typeface="Times New Roman" panose="02020603050405020304" pitchFamily="18" charset="0"/>
+              </a:rPr>
+              <a:t> ]--|</a:t>
+            </a:r>
+          </a:p>
+          <a:p>
+            <a:pPr marL="0" indent="0" algn="just">
               <a:buNone/>
-              <a:defRPr sz="4400" b="0" i="0" u="none" strike="noStrike" cap="none" spc="0" baseline="0">
-                <a:ln>
-                  <a:noFill/>
-                </a:ln>
-                <a:solidFill>
-                  <a:srgbClr val="000000"/>
-                </a:solidFill>
-                <a:uFillTx/>
-                <a:latin typeface="+mj-lt"/>
-                <a:ea typeface="+mj-ea"/>
-                <a:cs typeface="+mj-cs"/>
-                <a:sym typeface="Calibri"/>
-              </a:defRPr>
-            </a:lvl8pPr>
-            <a:lvl9pPr marL="0" marR="0" indent="0" algn="ctr" defTabSz="457200" rtl="0" latinLnBrk="0">
-              <a:lnSpc>
-                <a:spcPct val="100000"/>
-              </a:lnSpc>
-              <a:spcBef>
-                <a:spcPts val="0"/>
-              </a:spcBef>
-              <a:spcAft>
-                <a:spcPts val="0"/>
-              </a:spcAft>
-              <a:buClrTx/>
-              <a:buSzTx/>
-              <a:buFontTx/>
+            </a:pPr>
+            <a:endParaRPr lang="pt-BR" sz="2000" dirty="0">
+              <a:latin typeface="Times New Roman" panose="02020603050405020304" pitchFamily="18" charset="0"/>
+              <a:cs typeface="Times New Roman" panose="02020603050405020304" pitchFamily="18" charset="0"/>
+            </a:endParaRPr>
+          </a:p>
+          <a:p>
+            <a:pPr marL="0" indent="0" algn="just">
               <a:buNone/>
-              <a:defRPr sz="4400" b="0" i="0" u="none" strike="noStrike" cap="none" spc="0" baseline="0">
-                <a:ln>
-                  <a:noFill/>
-                </a:ln>
-                <a:solidFill>
-                  <a:srgbClr val="000000"/>
-                </a:solidFill>
-                <a:uFillTx/>
-                <a:latin typeface="+mj-lt"/>
-                <a:ea typeface="+mj-ea"/>
-                <a:cs typeface="+mj-cs"/>
-                <a:sym typeface="Calibri"/>
-              </a:defRPr>
-            </a:lvl9pPr>
-          </a:lstStyle>
-          <a:p>
-            <a:pPr algn="r" hangingPunct="1"/>
+            </a:pPr>
+            <a:r>
+              <a:rPr lang="pt-BR" sz="2000" dirty="0">
+                <a:latin typeface="Times New Roman" panose="02020603050405020304" pitchFamily="18" charset="0"/>
+                <a:cs typeface="Times New Roman" panose="02020603050405020304" pitchFamily="18" charset="0"/>
+              </a:rPr>
+              <a:t>Quando o </a:t>
+            </a:r>
             <a:r>
               <a:rPr lang="pt-BR" sz="2000" b="1" dirty="0">
-                <a:solidFill>
-                  <a:schemeClr val="bg1"/>
-                </a:solidFill>
-              </a:rPr>
-              <a:t>Professor </a:t>
-            </a:r>
-            <a:r>
-              <a:rPr lang="pt-BR" sz="2000" b="1">
-                <a:solidFill>
-                  <a:schemeClr val="bg1"/>
-                </a:solidFill>
-              </a:rPr>
-              <a:t>M.Sc</a:t>
+                <a:latin typeface="Times New Roman" panose="02020603050405020304" pitchFamily="18" charset="0"/>
+                <a:cs typeface="Times New Roman" panose="02020603050405020304" pitchFamily="18" charset="0"/>
+              </a:rPr>
+              <a:t>sensor detectar a peça</a:t>
+            </a:r>
+            <a:r>
+              <a:rPr lang="pt-BR" sz="2000" dirty="0">
+                <a:latin typeface="Times New Roman" panose="02020603050405020304" pitchFamily="18" charset="0"/>
+                <a:cs typeface="Times New Roman" panose="02020603050405020304" pitchFamily="18" charset="0"/>
+              </a:rPr>
+              <a:t>, o </a:t>
             </a:r>
             <a:r>
               <a:rPr lang="pt-BR" sz="2000" b="1" dirty="0">
                 <a:solidFill>
-                  <a:schemeClr val="bg1"/>
-                </a:solidFill>
-              </a:rPr>
-              <a:t>. Heleno Cardoso</a:t>
+                  <a:srgbClr val="FF0000"/>
+                </a:solidFill>
+                <a:latin typeface="Times New Roman" panose="02020603050405020304" pitchFamily="18" charset="0"/>
+                <a:cs typeface="Times New Roman" panose="02020603050405020304" pitchFamily="18" charset="0"/>
+              </a:rPr>
+              <a:t>CTU começa a contar</a:t>
+            </a:r>
+            <a:r>
+              <a:rPr lang="pt-BR" sz="2000" dirty="0">
+                <a:latin typeface="Times New Roman" panose="02020603050405020304" pitchFamily="18" charset="0"/>
+                <a:cs typeface="Times New Roman" panose="02020603050405020304" pitchFamily="18" charset="0"/>
+              </a:rPr>
+              <a:t>. Quando atingir 50, o Alarme é acionado.</a:t>
             </a:r>
           </a:p>
         </p:txBody>
       </p:sp>
-      <p:pic>
-        <p:nvPicPr>
-          <p:cNvPr id="2" name="Google Shape;62;p1" descr="Imagem">
-            <a:extLst>
-              <a:ext uri="{FF2B5EF4-FFF2-40B4-BE49-F238E27FC236}">
-                <a16:creationId xmlns:a16="http://schemas.microsoft.com/office/drawing/2014/main" id="{9C895622-2963-024D-634E-EA58F5381D06}"/>
-              </a:ext>
-            </a:extLst>
-          </p:cNvPr>
-          <p:cNvPicPr preferRelativeResize="0"/>
-          <p:nvPr/>
-        </p:nvPicPr>
-        <p:blipFill rotWithShape="1">
-          <a:blip r:embed="rId4">
-            <a:alphaModFix/>
-          </a:blip>
-          <a:srcRect/>
-          <a:stretch/>
-        </p:blipFill>
-        <p:spPr>
-          <a:xfrm>
-            <a:off x="469898" y="343798"/>
-            <a:ext cx="2858518" cy="1338697"/>
-          </a:xfrm>
-          <a:prstGeom prst="rect">
-            <a:avLst/>
-          </a:prstGeom>
-          <a:noFill/>
-          <a:ln>
-            <a:noFill/>
-          </a:ln>
-        </p:spPr>
-      </p:pic>
     </p:spTree>
+    <p:extLst>
+      <p:ext uri="{BB962C8B-B14F-4D97-AF65-F5344CB8AC3E}">
+        <p14:creationId xmlns:p14="http://schemas.microsoft.com/office/powerpoint/2010/main" val="473002318"/>
+      </p:ext>
+    </p:extLst>
   </p:cSld>
   <p:clrMapOvr>
     <a:masterClrMapping/>
